--- a/PUBLIC SPEAKING/WEEK 6/PERSUASIVE SPEECH/PERSASIVE SPEECH.pptx
+++ b/PUBLIC SPEAKING/WEEK 6/PERSUASIVE SPEECH/PERSASIVE SPEECH.pptx
@@ -5,23 +5,33 @@
     <p:sldMasterId id="2147483660" r:id="rId1"/>
   </p:sldMasterIdLst>
   <p:notesMasterIdLst>
-    <p:notesMasterId r:id="rId16"/>
+    <p:notesMasterId r:id="rId26"/>
   </p:notesMasterIdLst>
   <p:sldIdLst>
     <p:sldId id="256" r:id="rId2"/>
-    <p:sldId id="264" r:id="rId3"/>
-    <p:sldId id="260" r:id="rId4"/>
-    <p:sldId id="257" r:id="rId5"/>
-    <p:sldId id="258" r:id="rId6"/>
-    <p:sldId id="259" r:id="rId7"/>
-    <p:sldId id="261" r:id="rId8"/>
-    <p:sldId id="265" r:id="rId9"/>
-    <p:sldId id="267" r:id="rId10"/>
-    <p:sldId id="266" r:id="rId11"/>
-    <p:sldId id="268" r:id="rId12"/>
-    <p:sldId id="269" r:id="rId13"/>
-    <p:sldId id="262" r:id="rId14"/>
-    <p:sldId id="263" r:id="rId15"/>
+    <p:sldId id="280" r:id="rId3"/>
+    <p:sldId id="279" r:id="rId4"/>
+    <p:sldId id="260" r:id="rId5"/>
+    <p:sldId id="257" r:id="rId6"/>
+    <p:sldId id="258" r:id="rId7"/>
+    <p:sldId id="259" r:id="rId8"/>
+    <p:sldId id="264" r:id="rId9"/>
+    <p:sldId id="261" r:id="rId10"/>
+    <p:sldId id="270" r:id="rId11"/>
+    <p:sldId id="271" r:id="rId12"/>
+    <p:sldId id="272" r:id="rId13"/>
+    <p:sldId id="273" r:id="rId14"/>
+    <p:sldId id="262" r:id="rId15"/>
+    <p:sldId id="265" r:id="rId16"/>
+    <p:sldId id="267" r:id="rId17"/>
+    <p:sldId id="266" r:id="rId18"/>
+    <p:sldId id="268" r:id="rId19"/>
+    <p:sldId id="269" r:id="rId20"/>
+    <p:sldId id="263" r:id="rId21"/>
+    <p:sldId id="274" r:id="rId22"/>
+    <p:sldId id="275" r:id="rId23"/>
+    <p:sldId id="277" r:id="rId24"/>
+    <p:sldId id="278" r:id="rId25"/>
   </p:sldIdLst>
   <p:sldSz cx="12192000" cy="6858000"/>
   <p:notesSz cx="6858000" cy="9144000"/>
@@ -120,6 +130,11 @@
       </a:defRPr>
     </a:lvl9pPr>
   </p:defaultTextStyle>
+  <p:extLst>
+    <p:ext uri="{EFAFB233-063F-42B5-8137-9DF3F51BA10A}">
+      <p15:sldGuideLst xmlns:p15="http://schemas.microsoft.com/office/powerpoint/2012/main"/>
+    </p:ext>
+  </p:extLst>
 </p:presentation>
 </file>
 
@@ -205,7 +220,7 @@
           <a:p>
             <a:fld id="{50A234E0-9618-4D4D-A4F1-32CF2511A89E}" type="datetimeFigureOut">
               <a:rPr lang="en-US" smtClean="0"/>
-              <a:t>7/31/2020</a:t>
+              <a:t>8/2/2020</a:t>
             </a:fld>
             <a:endParaRPr lang="en-US"/>
           </a:p>
@@ -537,7 +552,7 @@
           <a:p>
             <a:fld id="{069FEDD6-5A89-4FCA-A514-7E6CDAD01BD3}" type="slidenum">
               <a:rPr lang="en-US" smtClean="0"/>
-              <a:t>11</a:t>
+              <a:t>13</a:t>
             </a:fld>
             <a:endParaRPr lang="en-US"/>
           </a:p>
@@ -546,7 +561,7 @@
     </p:spTree>
     <p:extLst>
       <p:ext uri="{BB962C8B-B14F-4D97-AF65-F5344CB8AC3E}">
-        <p14:creationId xmlns:p14="http://schemas.microsoft.com/office/powerpoint/2010/main" val="2935328067"/>
+        <p14:creationId xmlns:p14="http://schemas.microsoft.com/office/powerpoint/2010/main" val="1257890732"/>
       </p:ext>
     </p:extLst>
   </p:cSld>
@@ -621,7 +636,91 @@
           <a:p>
             <a:fld id="{069FEDD6-5A89-4FCA-A514-7E6CDAD01BD3}" type="slidenum">
               <a:rPr lang="en-US" smtClean="0"/>
-              <a:t>12</a:t>
+              <a:t>18</a:t>
+            </a:fld>
+            <a:endParaRPr lang="en-US"/>
+          </a:p>
+        </p:txBody>
+      </p:sp>
+    </p:spTree>
+    <p:extLst>
+      <p:ext uri="{BB962C8B-B14F-4D97-AF65-F5344CB8AC3E}">
+        <p14:creationId xmlns:p14="http://schemas.microsoft.com/office/powerpoint/2010/main" val="2935328067"/>
+      </p:ext>
+    </p:extLst>
+  </p:cSld>
+  <p:clrMapOvr>
+    <a:masterClrMapping/>
+  </p:clrMapOvr>
+</p:notes>
+</file>
+
+<file path=ppt/notesSlides/notesSlide3.xml><?xml version="1.0" encoding="utf-8"?>
+<p:notes xmlns:a="http://schemas.openxmlformats.org/drawingml/2006/main" xmlns:r="http://schemas.openxmlformats.org/officeDocument/2006/relationships" xmlns:p="http://schemas.openxmlformats.org/presentationml/2006/main">
+  <p:cSld>
+    <p:spTree>
+      <p:nvGrpSpPr>
+        <p:cNvPr id="1" name=""/>
+        <p:cNvGrpSpPr/>
+        <p:nvPr/>
+      </p:nvGrpSpPr>
+      <p:grpSpPr>
+        <a:xfrm>
+          <a:off x="0" y="0"/>
+          <a:ext cx="0" cy="0"/>
+          <a:chOff x="0" y="0"/>
+          <a:chExt cx="0" cy="0"/>
+        </a:xfrm>
+      </p:grpSpPr>
+      <p:sp>
+        <p:nvSpPr>
+          <p:cNvPr id="2" name="Slide Image Placeholder 1"/>
+          <p:cNvSpPr>
+            <a:spLocks noGrp="1" noRot="1" noChangeAspect="1"/>
+          </p:cNvSpPr>
+          <p:nvPr>
+            <p:ph type="sldImg"/>
+          </p:nvPr>
+        </p:nvSpPr>
+        <p:spPr/>
+      </p:sp>
+      <p:sp>
+        <p:nvSpPr>
+          <p:cNvPr id="3" name="Notes Placeholder 2"/>
+          <p:cNvSpPr>
+            <a:spLocks noGrp="1"/>
+          </p:cNvSpPr>
+          <p:nvPr>
+            <p:ph type="body" idx="1"/>
+          </p:nvPr>
+        </p:nvSpPr>
+        <p:spPr/>
+        <p:txBody>
+          <a:bodyPr/>
+          <a:lstStyle/>
+          <a:p>
+            <a:endParaRPr lang="en-US" dirty="0"/>
+          </a:p>
+        </p:txBody>
+      </p:sp>
+      <p:sp>
+        <p:nvSpPr>
+          <p:cNvPr id="4" name="Slide Number Placeholder 3"/>
+          <p:cNvSpPr>
+            <a:spLocks noGrp="1"/>
+          </p:cNvSpPr>
+          <p:nvPr>
+            <p:ph type="sldNum" sz="quarter" idx="5"/>
+          </p:nvPr>
+        </p:nvSpPr>
+        <p:spPr/>
+        <p:txBody>
+          <a:bodyPr/>
+          <a:lstStyle/>
+          <a:p>
+            <a:fld id="{069FEDD6-5A89-4FCA-A514-7E6CDAD01BD3}" type="slidenum">
+              <a:rPr lang="en-US" smtClean="0"/>
+              <a:t>19</a:t>
             </a:fld>
             <a:endParaRPr lang="en-US"/>
           </a:p>
@@ -631,6 +730,90 @@
     <p:extLst>
       <p:ext uri="{BB962C8B-B14F-4D97-AF65-F5344CB8AC3E}">
         <p14:creationId xmlns:p14="http://schemas.microsoft.com/office/powerpoint/2010/main" val="2058323810"/>
+      </p:ext>
+    </p:extLst>
+  </p:cSld>
+  <p:clrMapOvr>
+    <a:masterClrMapping/>
+  </p:clrMapOvr>
+</p:notes>
+</file>
+
+<file path=ppt/notesSlides/notesSlide4.xml><?xml version="1.0" encoding="utf-8"?>
+<p:notes xmlns:a="http://schemas.openxmlformats.org/drawingml/2006/main" xmlns:r="http://schemas.openxmlformats.org/officeDocument/2006/relationships" xmlns:p="http://schemas.openxmlformats.org/presentationml/2006/main">
+  <p:cSld>
+    <p:spTree>
+      <p:nvGrpSpPr>
+        <p:cNvPr id="1" name=""/>
+        <p:cNvGrpSpPr/>
+        <p:nvPr/>
+      </p:nvGrpSpPr>
+      <p:grpSpPr>
+        <a:xfrm>
+          <a:off x="0" y="0"/>
+          <a:ext cx="0" cy="0"/>
+          <a:chOff x="0" y="0"/>
+          <a:chExt cx="0" cy="0"/>
+        </a:xfrm>
+      </p:grpSpPr>
+      <p:sp>
+        <p:nvSpPr>
+          <p:cNvPr id="2" name="Slide Image Placeholder 1"/>
+          <p:cNvSpPr>
+            <a:spLocks noGrp="1" noRot="1" noChangeAspect="1"/>
+          </p:cNvSpPr>
+          <p:nvPr>
+            <p:ph type="sldImg"/>
+          </p:nvPr>
+        </p:nvSpPr>
+        <p:spPr/>
+      </p:sp>
+      <p:sp>
+        <p:nvSpPr>
+          <p:cNvPr id="3" name="Notes Placeholder 2"/>
+          <p:cNvSpPr>
+            <a:spLocks noGrp="1"/>
+          </p:cNvSpPr>
+          <p:nvPr>
+            <p:ph type="body" idx="1"/>
+          </p:nvPr>
+        </p:nvSpPr>
+        <p:spPr/>
+        <p:txBody>
+          <a:bodyPr/>
+          <a:lstStyle/>
+          <a:p>
+            <a:endParaRPr lang="en-US" dirty="0"/>
+          </a:p>
+        </p:txBody>
+      </p:sp>
+      <p:sp>
+        <p:nvSpPr>
+          <p:cNvPr id="4" name="Slide Number Placeholder 3"/>
+          <p:cNvSpPr>
+            <a:spLocks noGrp="1"/>
+          </p:cNvSpPr>
+          <p:nvPr>
+            <p:ph type="sldNum" sz="quarter" idx="5"/>
+          </p:nvPr>
+        </p:nvSpPr>
+        <p:spPr/>
+        <p:txBody>
+          <a:bodyPr/>
+          <a:lstStyle/>
+          <a:p>
+            <a:fld id="{069FEDD6-5A89-4FCA-A514-7E6CDAD01BD3}" type="slidenum">
+              <a:rPr lang="en-US" smtClean="0"/>
+              <a:t>21</a:t>
+            </a:fld>
+            <a:endParaRPr lang="en-US"/>
+          </a:p>
+        </p:txBody>
+      </p:sp>
+    </p:spTree>
+    <p:extLst>
+      <p:ext uri="{BB962C8B-B14F-4D97-AF65-F5344CB8AC3E}">
+        <p14:creationId xmlns:p14="http://schemas.microsoft.com/office/powerpoint/2010/main" val="3803872316"/>
       </p:ext>
     </p:extLst>
   </p:cSld>
@@ -809,7 +992,7 @@
           <a:p>
             <a:fld id="{DEF8B215-51F4-4E74-94DC-4B6B46A72DF6}" type="datetimeFigureOut">
               <a:rPr lang="en-US" smtClean="0"/>
-              <a:t>7/31/2020</a:t>
+              <a:t>8/2/2020</a:t>
             </a:fld>
             <a:endParaRPr lang="en-US"/>
           </a:p>
@@ -1139,7 +1322,7 @@
           <a:p>
             <a:fld id="{DEF8B215-51F4-4E74-94DC-4B6B46A72DF6}" type="datetimeFigureOut">
               <a:rPr lang="en-US" smtClean="0"/>
-              <a:t>7/31/2020</a:t>
+              <a:t>8/2/2020</a:t>
             </a:fld>
             <a:endParaRPr lang="en-US"/>
           </a:p>
@@ -1319,7 +1502,7 @@
           <a:p>
             <a:fld id="{DEF8B215-51F4-4E74-94DC-4B6B46A72DF6}" type="datetimeFigureOut">
               <a:rPr lang="en-US" smtClean="0"/>
-              <a:t>7/31/2020</a:t>
+              <a:t>8/2/2020</a:t>
             </a:fld>
             <a:endParaRPr lang="en-US"/>
           </a:p>
@@ -1489,7 +1672,7 @@
           <a:p>
             <a:fld id="{DEF8B215-51F4-4E74-94DC-4B6B46A72DF6}" type="datetimeFigureOut">
               <a:rPr lang="en-US" smtClean="0"/>
-              <a:t>7/31/2020</a:t>
+              <a:t>8/2/2020</a:t>
             </a:fld>
             <a:endParaRPr lang="en-US"/>
           </a:p>
@@ -1766,7 +1949,7 @@
           <a:p>
             <a:fld id="{DEF8B215-51F4-4E74-94DC-4B6B46A72DF6}" type="datetimeFigureOut">
               <a:rPr lang="en-US" smtClean="0"/>
-              <a:t>7/31/2020</a:t>
+              <a:t>8/2/2020</a:t>
             </a:fld>
             <a:endParaRPr lang="en-US"/>
           </a:p>
@@ -2160,7 +2343,7 @@
           <a:p>
             <a:fld id="{DEF8B215-51F4-4E74-94DC-4B6B46A72DF6}" type="datetimeFigureOut">
               <a:rPr lang="en-US" smtClean="0"/>
-              <a:t>7/31/2020</a:t>
+              <a:t>8/2/2020</a:t>
             </a:fld>
             <a:endParaRPr lang="en-US"/>
           </a:p>
@@ -2637,7 +2820,7 @@
           <a:p>
             <a:fld id="{DEF8B215-51F4-4E74-94DC-4B6B46A72DF6}" type="datetimeFigureOut">
               <a:rPr lang="en-US" smtClean="0"/>
-              <a:t>7/31/2020</a:t>
+              <a:t>8/2/2020</a:t>
             </a:fld>
             <a:endParaRPr lang="en-US"/>
           </a:p>
@@ -2755,7 +2938,7 @@
           <a:p>
             <a:fld id="{DEF8B215-51F4-4E74-94DC-4B6B46A72DF6}" type="datetimeFigureOut">
               <a:rPr lang="en-US" smtClean="0"/>
-              <a:t>7/31/2020</a:t>
+              <a:t>8/2/2020</a:t>
             </a:fld>
             <a:endParaRPr lang="en-US"/>
           </a:p>
@@ -2850,7 +3033,7 @@
           <a:p>
             <a:fld id="{DEF8B215-51F4-4E74-94DC-4B6B46A72DF6}" type="datetimeFigureOut">
               <a:rPr lang="en-US" smtClean="0"/>
-              <a:t>7/31/2020</a:t>
+              <a:t>8/2/2020</a:t>
             </a:fld>
             <a:endParaRPr lang="en-US"/>
           </a:p>
@@ -3196,7 +3379,7 @@
           <a:p>
             <a:fld id="{DEF8B215-51F4-4E74-94DC-4B6B46A72DF6}" type="datetimeFigureOut">
               <a:rPr lang="en-US" smtClean="0"/>
-              <a:t>7/31/2020</a:t>
+              <a:t>8/2/2020</a:t>
             </a:fld>
             <a:endParaRPr lang="en-US"/>
           </a:p>
@@ -3584,7 +3767,7 @@
           <a:p>
             <a:fld id="{DEF8B215-51F4-4E74-94DC-4B6B46A72DF6}" type="datetimeFigureOut">
               <a:rPr lang="en-US" smtClean="0"/>
-              <a:t>7/31/2020</a:t>
+              <a:t>8/2/2020</a:t>
             </a:fld>
             <a:endParaRPr lang="en-US"/>
           </a:p>
@@ -3862,7 +4045,7 @@
           <a:p>
             <a:fld id="{DEF8B215-51F4-4E74-94DC-4B6B46A72DF6}" type="datetimeFigureOut">
               <a:rPr lang="en-US" smtClean="0"/>
-              <a:t>7/31/2020</a:t>
+              <a:t>8/2/2020</a:t>
             </a:fld>
             <a:endParaRPr lang="en-US"/>
           </a:p>
@@ -4456,6 +4639,14 @@
 <file path=ppt/slides/slide10.xml><?xml version="1.0" encoding="utf-8"?>
 <p:sld xmlns:a="http://schemas.openxmlformats.org/drawingml/2006/main" xmlns:r="http://schemas.openxmlformats.org/officeDocument/2006/relationships" xmlns:p="http://schemas.openxmlformats.org/presentationml/2006/main">
   <p:cSld>
+    <p:bg>
+      <p:bgPr>
+        <a:solidFill>
+          <a:schemeClr val="bg2"/>
+        </a:solidFill>
+        <a:effectLst/>
+      </p:bgPr>
+    </p:bg>
     <p:spTree>
       <p:nvGrpSpPr>
         <p:cNvPr id="1" name=""/>
@@ -4470,45 +4661,479 @@
           <a:chExt cx="0" cy="0"/>
         </a:xfrm>
       </p:grpSpPr>
+      <p:grpSp>
+        <p:nvGrpSpPr>
+          <p:cNvPr id="24" name="Group 23">
+            <a:extLst>
+              <a:ext uri="{FF2B5EF4-FFF2-40B4-BE49-F238E27FC236}">
+                <a16:creationId xmlns:a16="http://schemas.microsoft.com/office/drawing/2014/main" id="{9D9D6BF1-DFF2-4526-9D13-BF339D8C4163}"/>
+              </a:ext>
+              <a:ext uri="{C183D7F6-B498-43B3-948B-1728B52AA6E4}">
+                <adec:decorative xmlns:adec="http://schemas.microsoft.com/office/drawing/2017/decorative" val="1"/>
+              </a:ext>
+            </a:extLst>
+          </p:cNvPr>
+          <p:cNvGrpSpPr>
+            <a:grpSpLocks noGrp="1" noUngrp="1" noRot="1" noChangeAspect="1" noMove="1" noResize="1"/>
+          </p:cNvGrpSpPr>
+          <p:nvPr>
+            <p:extLst>
+              <p:ext uri="{386F3935-93C4-4BCD-93E2-E3B085C9AB24}">
+                <p16:designElem xmlns:p16="http://schemas.microsoft.com/office/powerpoint/2015/main" val="1"/>
+              </p:ext>
+            </p:extLst>
+          </p:nvPr>
+        </p:nvGrpSpPr>
+        <p:grpSpPr>
+          <a:xfrm>
+            <a:off x="752858" y="744469"/>
+            <a:ext cx="10674117" cy="5349671"/>
+            <a:chOff x="752858" y="744469"/>
+            <a:chExt cx="10674117" cy="5349671"/>
+          </a:xfrm>
+        </p:grpSpPr>
+        <p:sp>
+          <p:nvSpPr>
+            <p:cNvPr id="25" name="Freeform 6">
+              <a:extLst>
+                <a:ext uri="{FF2B5EF4-FFF2-40B4-BE49-F238E27FC236}">
+                  <a16:creationId xmlns:a16="http://schemas.microsoft.com/office/drawing/2014/main" id="{A54D4DB6-FB18-4CAE-8905-E0053C92569E}"/>
+                </a:ext>
+                <a:ext uri="{C183D7F6-B498-43B3-948B-1728B52AA6E4}">
+                  <adec:decorative xmlns:adec="http://schemas.microsoft.com/office/drawing/2017/decorative" val="1"/>
+                </a:ext>
+              </a:extLst>
+            </p:cNvPr>
+            <p:cNvSpPr/>
+            <p:nvPr>
+              <p:extLst>
+                <p:ext uri="{386F3935-93C4-4BCD-93E2-E3B085C9AB24}">
+                  <p16:designElem xmlns:p16="http://schemas.microsoft.com/office/powerpoint/2015/main" val="1"/>
+                </p:ext>
+              </p:extLst>
+            </p:nvPr>
+          </p:nvSpPr>
+          <p:spPr bwMode="auto">
+            <a:xfrm>
+              <a:off x="8151962" y="1685652"/>
+              <a:ext cx="3275013" cy="4408488"/>
+            </a:xfrm>
+            <a:custGeom>
+              <a:avLst/>
+              <a:gdLst/>
+              <a:ahLst/>
+              <a:cxnLst/>
+              <a:rect l="l" t="t" r="r" b="b"/>
+              <a:pathLst>
+                <a:path w="10000" h="10000">
+                  <a:moveTo>
+                    <a:pt x="8761" y="0"/>
+                  </a:moveTo>
+                  <a:lnTo>
+                    <a:pt x="10000" y="0"/>
+                  </a:lnTo>
+                  <a:lnTo>
+                    <a:pt x="10000" y="10000"/>
+                  </a:lnTo>
+                  <a:lnTo>
+                    <a:pt x="0" y="10000"/>
+                  </a:lnTo>
+                  <a:lnTo>
+                    <a:pt x="0" y="9126"/>
+                  </a:lnTo>
+                  <a:lnTo>
+                    <a:pt x="8761" y="9127"/>
+                  </a:lnTo>
+                  <a:lnTo>
+                    <a:pt x="8761" y="0"/>
+                  </a:lnTo>
+                  <a:close/>
+                </a:path>
+              </a:pathLst>
+            </a:custGeom>
+            <a:solidFill>
+              <a:schemeClr val="tx2"/>
+            </a:solidFill>
+            <a:ln w="0">
+              <a:noFill/>
+              <a:prstDash val="solid"/>
+              <a:round/>
+              <a:headEnd/>
+              <a:tailEnd/>
+            </a:ln>
+          </p:spPr>
+        </p:sp>
+        <p:sp>
+          <p:nvSpPr>
+            <p:cNvPr id="26" name="Freeform 6">
+              <a:extLst>
+                <a:ext uri="{FF2B5EF4-FFF2-40B4-BE49-F238E27FC236}">
+                  <a16:creationId xmlns:a16="http://schemas.microsoft.com/office/drawing/2014/main" id="{1DBD6488-9429-4FFA-8AE8-C4022C39B0F2}"/>
+                </a:ext>
+                <a:ext uri="{C183D7F6-B498-43B3-948B-1728B52AA6E4}">
+                  <adec:decorative xmlns:adec="http://schemas.microsoft.com/office/drawing/2017/decorative" val="1"/>
+                </a:ext>
+              </a:extLst>
+            </p:cNvPr>
+            <p:cNvSpPr/>
+            <p:nvPr>
+              <p:extLst>
+                <p:ext uri="{386F3935-93C4-4BCD-93E2-E3B085C9AB24}">
+                  <p16:designElem xmlns:p16="http://schemas.microsoft.com/office/powerpoint/2015/main" val="1"/>
+                </p:ext>
+              </p:extLst>
+            </p:nvPr>
+          </p:nvSpPr>
+          <p:spPr bwMode="auto">
+            <a:xfrm flipH="1" flipV="1">
+              <a:off x="752858" y="744469"/>
+              <a:ext cx="3275668" cy="4408488"/>
+            </a:xfrm>
+            <a:custGeom>
+              <a:avLst/>
+              <a:gdLst/>
+              <a:ahLst/>
+              <a:cxnLst/>
+              <a:rect l="l" t="t" r="r" b="b"/>
+              <a:pathLst>
+                <a:path w="10002" h="10000">
+                  <a:moveTo>
+                    <a:pt x="8763" y="0"/>
+                  </a:moveTo>
+                  <a:lnTo>
+                    <a:pt x="10002" y="0"/>
+                  </a:lnTo>
+                  <a:lnTo>
+                    <a:pt x="10002" y="10000"/>
+                  </a:lnTo>
+                  <a:lnTo>
+                    <a:pt x="2" y="10000"/>
+                  </a:lnTo>
+                  <a:cubicBezTo>
+                    <a:pt x="-2" y="9698"/>
+                    <a:pt x="4" y="9427"/>
+                    <a:pt x="0" y="9125"/>
+                  </a:cubicBezTo>
+                  <a:lnTo>
+                    <a:pt x="8763" y="9128"/>
+                  </a:lnTo>
+                  <a:lnTo>
+                    <a:pt x="8763" y="0"/>
+                  </a:lnTo>
+                  <a:close/>
+                </a:path>
+              </a:pathLst>
+            </a:custGeom>
+            <a:solidFill>
+              <a:schemeClr val="tx2"/>
+            </a:solidFill>
+            <a:ln w="0">
+              <a:noFill/>
+              <a:prstDash val="solid"/>
+              <a:round/>
+              <a:headEnd/>
+              <a:tailEnd/>
+            </a:ln>
+          </p:spPr>
+        </p:sp>
+      </p:grpSp>
       <p:pic>
         <p:nvPicPr>
-          <p:cNvPr id="9" name="Content Placeholder 8" descr="A screenshot of a cell phone&#10;&#10;Description automatically generated">
+          <p:cNvPr id="20" name="Picture 19">
             <a:extLst>
               <a:ext uri="{FF2B5EF4-FFF2-40B4-BE49-F238E27FC236}">
-                <a16:creationId xmlns:a16="http://schemas.microsoft.com/office/drawing/2014/main" id="{838F1033-B44C-4D88-B461-356905C8A76C}"/>
+                <a16:creationId xmlns:a16="http://schemas.microsoft.com/office/drawing/2014/main" id="{7574B472-5A0E-4391-A999-A850452FA5DE}"/>
               </a:ext>
             </a:extLst>
           </p:cNvPr>
           <p:cNvPicPr>
-            <a:picLocks noGrp="1" noChangeAspect="1"/>
+            <a:picLocks noChangeAspect="1"/>
           </p:cNvPicPr>
-          <p:nvPr>
-            <p:ph idx="4294967295"/>
-          </p:nvPr>
+          <p:nvPr/>
         </p:nvPicPr>
-        <p:blipFill>
-          <a:blip r:embed="rId2">
-            <a:extLst>
-              <a:ext uri="{28A0092B-C50C-407E-A947-70E740481C1C}">
-                <a14:useLocalDpi xmlns:a14="http://schemas.microsoft.com/office/drawing/2010/main" val="0"/>
-              </a:ext>
-            </a:extLst>
-          </a:blip>
-          <a:stretch>
-            <a:fillRect/>
-          </a:stretch>
+        <p:blipFill rotWithShape="1">
+          <a:blip r:embed="rId2"/>
+          <a:srcRect t="13667" b="11318"/>
+          <a:stretch/>
         </p:blipFill>
         <p:spPr>
           <a:xfrm>
-            <a:off x="1185726" y="156481"/>
-            <a:ext cx="9820548" cy="6545038"/>
-          </a:xfrm>
+            <a:off x="20" y="10"/>
+            <a:ext cx="12191980" cy="6859300"/>
+          </a:xfrm>
+          <a:prstGeom prst="rect">
+            <a:avLst/>
+          </a:prstGeom>
         </p:spPr>
       </p:pic>
+      <p:sp>
+        <p:nvSpPr>
+          <p:cNvPr id="28" name="Rectangle 27">
+            <a:extLst>
+              <a:ext uri="{FF2B5EF4-FFF2-40B4-BE49-F238E27FC236}">
+                <a16:creationId xmlns:a16="http://schemas.microsoft.com/office/drawing/2014/main" id="{310B1DD0-264A-47E3-A16A-C87AFA51E68A}"/>
+              </a:ext>
+              <a:ext uri="{C183D7F6-B498-43B3-948B-1728B52AA6E4}">
+                <adec:decorative xmlns:adec="http://schemas.microsoft.com/office/drawing/2017/decorative" val="1"/>
+              </a:ext>
+            </a:extLst>
+          </p:cNvPr>
+          <p:cNvSpPr>
+            <a:spLocks noGrp="1" noRot="1" noChangeAspect="1" noMove="1" noResize="1" noEditPoints="1" noAdjustHandles="1" noChangeArrowheads="1" noChangeShapeType="1" noTextEdit="1"/>
+          </p:cNvSpPr>
+          <p:nvPr>
+            <p:extLst>
+              <p:ext uri="{386F3935-93C4-4BCD-93E2-E3B085C9AB24}">
+                <p16:designElem xmlns:p16="http://schemas.microsoft.com/office/powerpoint/2015/main" val="1"/>
+              </p:ext>
+            </p:extLst>
+          </p:nvPr>
+        </p:nvSpPr>
+        <p:spPr bwMode="ltGray">
+          <a:xfrm>
+            <a:off x="-258" y="0"/>
+            <a:ext cx="12192000" cy="6858000"/>
+          </a:xfrm>
+          <a:prstGeom prst="rect">
+            <a:avLst/>
+          </a:prstGeom>
+          <a:gradFill flip="none" rotWithShape="1">
+            <a:gsLst>
+              <a:gs pos="20000">
+                <a:schemeClr val="tx2">
+                  <a:alpha val="70000"/>
+                </a:schemeClr>
+              </a:gs>
+              <a:gs pos="100000">
+                <a:schemeClr val="tx2"/>
+              </a:gs>
+            </a:gsLst>
+            <a:path path="circle">
+              <a:fillToRect l="50000" t="50000" r="50000" b="50000"/>
+            </a:path>
+            <a:tileRect/>
+          </a:gradFill>
+          <a:ln>
+            <a:noFill/>
+          </a:ln>
+        </p:spPr>
+        <p:style>
+          <a:lnRef idx="2">
+            <a:schemeClr val="accent1">
+              <a:shade val="50000"/>
+            </a:schemeClr>
+          </a:lnRef>
+          <a:fillRef idx="1">
+            <a:schemeClr val="accent1"/>
+          </a:fillRef>
+          <a:effectRef idx="0">
+            <a:schemeClr val="accent1"/>
+          </a:effectRef>
+          <a:fontRef idx="minor">
+            <a:schemeClr val="lt1"/>
+          </a:fontRef>
+        </p:style>
+        <p:txBody>
+          <a:bodyPr rtlCol="0" anchor="ctr"/>
+          <a:lstStyle/>
+          <a:p>
+            <a:pPr algn="ctr"/>
+            <a:endParaRPr lang="en-US"/>
+          </a:p>
+        </p:txBody>
+      </p:sp>
+      <p:sp>
+        <p:nvSpPr>
+          <p:cNvPr id="30" name="Freeform 6">
+            <a:extLst>
+              <a:ext uri="{FF2B5EF4-FFF2-40B4-BE49-F238E27FC236}">
+                <a16:creationId xmlns:a16="http://schemas.microsoft.com/office/drawing/2014/main" id="{69C1BB7B-F21E-41A2-B30C-D8507B960282}"/>
+              </a:ext>
+              <a:ext uri="{C183D7F6-B498-43B3-948B-1728B52AA6E4}">
+                <adec:decorative xmlns:adec="http://schemas.microsoft.com/office/drawing/2017/decorative" val="1"/>
+              </a:ext>
+            </a:extLst>
+          </p:cNvPr>
+          <p:cNvSpPr>
+            <a:spLocks noGrp="1" noRot="1" noChangeAspect="1" noMove="1" noResize="1" noEditPoints="1" noAdjustHandles="1" noChangeArrowheads="1" noChangeShapeType="1" noTextEdit="1"/>
+          </p:cNvSpPr>
+          <p:nvPr>
+            <p:extLst>
+              <p:ext uri="{386F3935-93C4-4BCD-93E2-E3B085C9AB24}">
+                <p16:designElem xmlns:p16="http://schemas.microsoft.com/office/powerpoint/2015/main" val="1"/>
+              </p:ext>
+            </p:extLst>
+          </p:nvPr>
+        </p:nvSpPr>
+        <p:spPr bwMode="auto">
+          <a:xfrm flipH="1" flipV="1">
+            <a:off x="752858" y="744469"/>
+            <a:ext cx="3275668" cy="4408488"/>
+          </a:xfrm>
+          <a:custGeom>
+            <a:avLst/>
+            <a:gdLst/>
+            <a:ahLst/>
+            <a:cxnLst/>
+            <a:rect l="l" t="t" r="r" b="b"/>
+            <a:pathLst>
+              <a:path w="10002" h="10000">
+                <a:moveTo>
+                  <a:pt x="8763" y="0"/>
+                </a:moveTo>
+                <a:lnTo>
+                  <a:pt x="10002" y="0"/>
+                </a:lnTo>
+                <a:lnTo>
+                  <a:pt x="10002" y="10000"/>
+                </a:lnTo>
+                <a:lnTo>
+                  <a:pt x="2" y="10000"/>
+                </a:lnTo>
+                <a:cubicBezTo>
+                  <a:pt x="-2" y="9698"/>
+                  <a:pt x="4" y="9427"/>
+                  <a:pt x="0" y="9125"/>
+                </a:cubicBezTo>
+                <a:lnTo>
+                  <a:pt x="8763" y="9128"/>
+                </a:lnTo>
+                <a:lnTo>
+                  <a:pt x="8763" y="0"/>
+                </a:lnTo>
+                <a:close/>
+              </a:path>
+            </a:pathLst>
+          </a:custGeom>
+          <a:solidFill>
+            <a:schemeClr val="bg2"/>
+          </a:solidFill>
+          <a:ln w="0">
+            <a:noFill/>
+            <a:prstDash val="solid"/>
+            <a:round/>
+            <a:headEnd/>
+            <a:tailEnd/>
+          </a:ln>
+        </p:spPr>
+      </p:sp>
+      <p:sp>
+        <p:nvSpPr>
+          <p:cNvPr id="32" name="Freeform 6">
+            <a:extLst>
+              <a:ext uri="{FF2B5EF4-FFF2-40B4-BE49-F238E27FC236}">
+                <a16:creationId xmlns:a16="http://schemas.microsoft.com/office/drawing/2014/main" id="{DF6D7DDE-F8A1-4105-9729-F9EB5F81A360}"/>
+              </a:ext>
+              <a:ext uri="{C183D7F6-B498-43B3-948B-1728B52AA6E4}">
+                <adec:decorative xmlns:adec="http://schemas.microsoft.com/office/drawing/2017/decorative" val="1"/>
+              </a:ext>
+            </a:extLst>
+          </p:cNvPr>
+          <p:cNvSpPr>
+            <a:spLocks noGrp="1" noRot="1" noChangeAspect="1" noMove="1" noResize="1" noEditPoints="1" noAdjustHandles="1" noChangeArrowheads="1" noChangeShapeType="1" noTextEdit="1"/>
+          </p:cNvSpPr>
+          <p:nvPr>
+            <p:extLst>
+              <p:ext uri="{386F3935-93C4-4BCD-93E2-E3B085C9AB24}">
+                <p16:designElem xmlns:p16="http://schemas.microsoft.com/office/powerpoint/2015/main" val="1"/>
+              </p:ext>
+            </p:extLst>
+          </p:nvPr>
+        </p:nvSpPr>
+        <p:spPr bwMode="auto">
+          <a:xfrm>
+            <a:off x="8151962" y="1685652"/>
+            <a:ext cx="3275013" cy="4408488"/>
+          </a:xfrm>
+          <a:custGeom>
+            <a:avLst/>
+            <a:gdLst/>
+            <a:ahLst/>
+            <a:cxnLst/>
+            <a:rect l="l" t="t" r="r" b="b"/>
+            <a:pathLst>
+              <a:path w="10000" h="10000">
+                <a:moveTo>
+                  <a:pt x="8761" y="0"/>
+                </a:moveTo>
+                <a:lnTo>
+                  <a:pt x="10000" y="0"/>
+                </a:lnTo>
+                <a:lnTo>
+                  <a:pt x="10000" y="10000"/>
+                </a:lnTo>
+                <a:lnTo>
+                  <a:pt x="0" y="10000"/>
+                </a:lnTo>
+                <a:lnTo>
+                  <a:pt x="0" y="9126"/>
+                </a:lnTo>
+                <a:lnTo>
+                  <a:pt x="8761" y="9127"/>
+                </a:lnTo>
+                <a:lnTo>
+                  <a:pt x="8761" y="0"/>
+                </a:lnTo>
+                <a:close/>
+              </a:path>
+            </a:pathLst>
+          </a:custGeom>
+          <a:solidFill>
+            <a:schemeClr val="bg2"/>
+          </a:solidFill>
+          <a:ln w="0">
+            <a:noFill/>
+            <a:prstDash val="solid"/>
+            <a:round/>
+            <a:headEnd/>
+            <a:tailEnd/>
+          </a:ln>
+        </p:spPr>
+      </p:sp>
+      <p:sp>
+        <p:nvSpPr>
+          <p:cNvPr id="3" name="Title 2">
+            <a:extLst>
+              <a:ext uri="{FF2B5EF4-FFF2-40B4-BE49-F238E27FC236}">
+                <a16:creationId xmlns:a16="http://schemas.microsoft.com/office/drawing/2014/main" id="{B8B8ECDE-11F7-4D3C-96E5-5E7F79741AEC}"/>
+              </a:ext>
+            </a:extLst>
+          </p:cNvPr>
+          <p:cNvSpPr>
+            <a:spLocks noGrp="1"/>
+          </p:cNvSpPr>
+          <p:nvPr>
+            <p:ph type="title"/>
+          </p:nvPr>
+        </p:nvSpPr>
+        <p:spPr>
+          <a:xfrm>
+            <a:off x="1915128" y="1788454"/>
+            <a:ext cx="8361229" cy="2098226"/>
+          </a:xfrm>
+        </p:spPr>
+        <p:txBody>
+          <a:bodyPr vert="horz" lIns="91440" tIns="45720" rIns="91440" bIns="45720" rtlCol="0" anchor="b">
+            <a:normAutofit/>
+          </a:bodyPr>
+          <a:lstStyle/>
+          <a:p>
+            <a:pPr algn="ctr"/>
+            <a:r>
+              <a:rPr lang="en-US" sz="5600" cap="all" dirty="0">
+                <a:solidFill>
+                  <a:schemeClr val="bg2"/>
+                </a:solidFill>
+              </a:rPr>
+              <a:t>OPTION 1 – More trade school degrees</a:t>
+            </a:r>
+          </a:p>
+        </p:txBody>
+      </p:sp>
     </p:spTree>
     <p:extLst>
       <p:ext uri="{BB962C8B-B14F-4D97-AF65-F5344CB8AC3E}">
-        <p14:creationId xmlns:p14="http://schemas.microsoft.com/office/powerpoint/2010/main" val="232245670"/>
+        <p14:creationId xmlns:p14="http://schemas.microsoft.com/office/powerpoint/2010/main" val="741777957"/>
       </p:ext>
     </p:extLst>
   </p:cSld>
@@ -4521,6 +5146,14 @@
 <file path=ppt/slides/slide11.xml><?xml version="1.0" encoding="utf-8"?>
 <p:sld xmlns:a="http://schemas.openxmlformats.org/drawingml/2006/main" xmlns:r="http://schemas.openxmlformats.org/officeDocument/2006/relationships" xmlns:p="http://schemas.openxmlformats.org/presentationml/2006/main">
   <p:cSld>
+    <p:bg>
+      <p:bgPr>
+        <a:solidFill>
+          <a:schemeClr val="bg2"/>
+        </a:solidFill>
+        <a:effectLst/>
+      </p:bgPr>
+    </p:bg>
     <p:spTree>
       <p:nvGrpSpPr>
         <p:cNvPr id="1" name=""/>
@@ -4535,12 +5168,441 @@
           <a:chExt cx="0" cy="0"/>
         </a:xfrm>
       </p:grpSpPr>
+      <p:grpSp>
+        <p:nvGrpSpPr>
+          <p:cNvPr id="24" name="Group 23">
+            <a:extLst>
+              <a:ext uri="{FF2B5EF4-FFF2-40B4-BE49-F238E27FC236}">
+                <a16:creationId xmlns:a16="http://schemas.microsoft.com/office/drawing/2014/main" id="{9D9D6BF1-DFF2-4526-9D13-BF339D8C4163}"/>
+              </a:ext>
+              <a:ext uri="{C183D7F6-B498-43B3-948B-1728B52AA6E4}">
+                <adec:decorative xmlns:adec="http://schemas.microsoft.com/office/drawing/2017/decorative" val="1"/>
+              </a:ext>
+            </a:extLst>
+          </p:cNvPr>
+          <p:cNvGrpSpPr>
+            <a:grpSpLocks noGrp="1" noUngrp="1" noRot="1" noChangeAspect="1" noMove="1" noResize="1"/>
+          </p:cNvGrpSpPr>
+          <p:nvPr>
+            <p:extLst>
+              <p:ext uri="{386F3935-93C4-4BCD-93E2-E3B085C9AB24}">
+                <p16:designElem xmlns:p16="http://schemas.microsoft.com/office/powerpoint/2015/main" val="1"/>
+              </p:ext>
+            </p:extLst>
+          </p:nvPr>
+        </p:nvGrpSpPr>
+        <p:grpSpPr>
+          <a:xfrm>
+            <a:off x="752858" y="744469"/>
+            <a:ext cx="10674117" cy="5349671"/>
+            <a:chOff x="752858" y="744469"/>
+            <a:chExt cx="10674117" cy="5349671"/>
+          </a:xfrm>
+        </p:grpSpPr>
+        <p:sp>
+          <p:nvSpPr>
+            <p:cNvPr id="25" name="Freeform 6">
+              <a:extLst>
+                <a:ext uri="{FF2B5EF4-FFF2-40B4-BE49-F238E27FC236}">
+                  <a16:creationId xmlns:a16="http://schemas.microsoft.com/office/drawing/2014/main" id="{A54D4DB6-FB18-4CAE-8905-E0053C92569E}"/>
+                </a:ext>
+                <a:ext uri="{C183D7F6-B498-43B3-948B-1728B52AA6E4}">
+                  <adec:decorative xmlns:adec="http://schemas.microsoft.com/office/drawing/2017/decorative" val="1"/>
+                </a:ext>
+              </a:extLst>
+            </p:cNvPr>
+            <p:cNvSpPr/>
+            <p:nvPr>
+              <p:extLst>
+                <p:ext uri="{386F3935-93C4-4BCD-93E2-E3B085C9AB24}">
+                  <p16:designElem xmlns:p16="http://schemas.microsoft.com/office/powerpoint/2015/main" val="1"/>
+                </p:ext>
+              </p:extLst>
+            </p:nvPr>
+          </p:nvSpPr>
+          <p:spPr bwMode="auto">
+            <a:xfrm>
+              <a:off x="8151962" y="1685652"/>
+              <a:ext cx="3275013" cy="4408488"/>
+            </a:xfrm>
+            <a:custGeom>
+              <a:avLst/>
+              <a:gdLst/>
+              <a:ahLst/>
+              <a:cxnLst/>
+              <a:rect l="l" t="t" r="r" b="b"/>
+              <a:pathLst>
+                <a:path w="10000" h="10000">
+                  <a:moveTo>
+                    <a:pt x="8761" y="0"/>
+                  </a:moveTo>
+                  <a:lnTo>
+                    <a:pt x="10000" y="0"/>
+                  </a:lnTo>
+                  <a:lnTo>
+                    <a:pt x="10000" y="10000"/>
+                  </a:lnTo>
+                  <a:lnTo>
+                    <a:pt x="0" y="10000"/>
+                  </a:lnTo>
+                  <a:lnTo>
+                    <a:pt x="0" y="9126"/>
+                  </a:lnTo>
+                  <a:lnTo>
+                    <a:pt x="8761" y="9127"/>
+                  </a:lnTo>
+                  <a:lnTo>
+                    <a:pt x="8761" y="0"/>
+                  </a:lnTo>
+                  <a:close/>
+                </a:path>
+              </a:pathLst>
+            </a:custGeom>
+            <a:solidFill>
+              <a:schemeClr val="tx2"/>
+            </a:solidFill>
+            <a:ln w="0">
+              <a:noFill/>
+              <a:prstDash val="solid"/>
+              <a:round/>
+              <a:headEnd/>
+              <a:tailEnd/>
+            </a:ln>
+          </p:spPr>
+        </p:sp>
+        <p:sp>
+          <p:nvSpPr>
+            <p:cNvPr id="26" name="Freeform 6">
+              <a:extLst>
+                <a:ext uri="{FF2B5EF4-FFF2-40B4-BE49-F238E27FC236}">
+                  <a16:creationId xmlns:a16="http://schemas.microsoft.com/office/drawing/2014/main" id="{1DBD6488-9429-4FFA-8AE8-C4022C39B0F2}"/>
+                </a:ext>
+                <a:ext uri="{C183D7F6-B498-43B3-948B-1728B52AA6E4}">
+                  <adec:decorative xmlns:adec="http://schemas.microsoft.com/office/drawing/2017/decorative" val="1"/>
+                </a:ext>
+              </a:extLst>
+            </p:cNvPr>
+            <p:cNvSpPr/>
+            <p:nvPr>
+              <p:extLst>
+                <p:ext uri="{386F3935-93C4-4BCD-93E2-E3B085C9AB24}">
+                  <p16:designElem xmlns:p16="http://schemas.microsoft.com/office/powerpoint/2015/main" val="1"/>
+                </p:ext>
+              </p:extLst>
+            </p:nvPr>
+          </p:nvSpPr>
+          <p:spPr bwMode="auto">
+            <a:xfrm flipH="1" flipV="1">
+              <a:off x="752858" y="744469"/>
+              <a:ext cx="3275668" cy="4408488"/>
+            </a:xfrm>
+            <a:custGeom>
+              <a:avLst/>
+              <a:gdLst/>
+              <a:ahLst/>
+              <a:cxnLst/>
+              <a:rect l="l" t="t" r="r" b="b"/>
+              <a:pathLst>
+                <a:path w="10002" h="10000">
+                  <a:moveTo>
+                    <a:pt x="8763" y="0"/>
+                  </a:moveTo>
+                  <a:lnTo>
+                    <a:pt x="10002" y="0"/>
+                  </a:lnTo>
+                  <a:lnTo>
+                    <a:pt x="10002" y="10000"/>
+                  </a:lnTo>
+                  <a:lnTo>
+                    <a:pt x="2" y="10000"/>
+                  </a:lnTo>
+                  <a:cubicBezTo>
+                    <a:pt x="-2" y="9698"/>
+                    <a:pt x="4" y="9427"/>
+                    <a:pt x="0" y="9125"/>
+                  </a:cubicBezTo>
+                  <a:lnTo>
+                    <a:pt x="8763" y="9128"/>
+                  </a:lnTo>
+                  <a:lnTo>
+                    <a:pt x="8763" y="0"/>
+                  </a:lnTo>
+                  <a:close/>
+                </a:path>
+              </a:pathLst>
+            </a:custGeom>
+            <a:solidFill>
+              <a:schemeClr val="tx2"/>
+            </a:solidFill>
+            <a:ln w="0">
+              <a:noFill/>
+              <a:prstDash val="solid"/>
+              <a:round/>
+              <a:headEnd/>
+              <a:tailEnd/>
+            </a:ln>
+          </p:spPr>
+        </p:sp>
+      </p:grpSp>
+      <p:pic>
+        <p:nvPicPr>
+          <p:cNvPr id="20" name="Picture 19">
+            <a:extLst>
+              <a:ext uri="{FF2B5EF4-FFF2-40B4-BE49-F238E27FC236}">
+                <a16:creationId xmlns:a16="http://schemas.microsoft.com/office/drawing/2014/main" id="{7574B472-5A0E-4391-A999-A850452FA5DE}"/>
+              </a:ext>
+            </a:extLst>
+          </p:cNvPr>
+          <p:cNvPicPr>
+            <a:picLocks noChangeAspect="1"/>
+          </p:cNvPicPr>
+          <p:nvPr/>
+        </p:nvPicPr>
+        <p:blipFill rotWithShape="1">
+          <a:blip r:embed="rId2"/>
+          <a:srcRect t="13667" b="11318"/>
+          <a:stretch/>
+        </p:blipFill>
+        <p:spPr>
+          <a:xfrm>
+            <a:off x="20" y="10"/>
+            <a:ext cx="12191980" cy="6859300"/>
+          </a:xfrm>
+          <a:prstGeom prst="rect">
+            <a:avLst/>
+          </a:prstGeom>
+        </p:spPr>
+      </p:pic>
+      <p:sp>
+        <p:nvSpPr>
+          <p:cNvPr id="28" name="Rectangle 27">
+            <a:extLst>
+              <a:ext uri="{FF2B5EF4-FFF2-40B4-BE49-F238E27FC236}">
+                <a16:creationId xmlns:a16="http://schemas.microsoft.com/office/drawing/2014/main" id="{310B1DD0-264A-47E3-A16A-C87AFA51E68A}"/>
+              </a:ext>
+              <a:ext uri="{C183D7F6-B498-43B3-948B-1728B52AA6E4}">
+                <adec:decorative xmlns:adec="http://schemas.microsoft.com/office/drawing/2017/decorative" val="1"/>
+              </a:ext>
+            </a:extLst>
+          </p:cNvPr>
+          <p:cNvSpPr>
+            <a:spLocks noGrp="1" noRot="1" noChangeAspect="1" noMove="1" noResize="1" noEditPoints="1" noAdjustHandles="1" noChangeArrowheads="1" noChangeShapeType="1" noTextEdit="1"/>
+          </p:cNvSpPr>
+          <p:nvPr>
+            <p:extLst>
+              <p:ext uri="{386F3935-93C4-4BCD-93E2-E3B085C9AB24}">
+                <p16:designElem xmlns:p16="http://schemas.microsoft.com/office/powerpoint/2015/main" val="1"/>
+              </p:ext>
+            </p:extLst>
+          </p:nvPr>
+        </p:nvSpPr>
+        <p:spPr bwMode="ltGray">
+          <a:xfrm>
+            <a:off x="-258" y="0"/>
+            <a:ext cx="12192000" cy="6858000"/>
+          </a:xfrm>
+          <a:prstGeom prst="rect">
+            <a:avLst/>
+          </a:prstGeom>
+          <a:gradFill flip="none" rotWithShape="1">
+            <a:gsLst>
+              <a:gs pos="20000">
+                <a:schemeClr val="tx2">
+                  <a:alpha val="70000"/>
+                </a:schemeClr>
+              </a:gs>
+              <a:gs pos="100000">
+                <a:schemeClr val="tx2"/>
+              </a:gs>
+            </a:gsLst>
+            <a:path path="circle">
+              <a:fillToRect l="50000" t="50000" r="50000" b="50000"/>
+            </a:path>
+            <a:tileRect/>
+          </a:gradFill>
+          <a:ln>
+            <a:noFill/>
+          </a:ln>
+        </p:spPr>
+        <p:style>
+          <a:lnRef idx="2">
+            <a:schemeClr val="accent1">
+              <a:shade val="50000"/>
+            </a:schemeClr>
+          </a:lnRef>
+          <a:fillRef idx="1">
+            <a:schemeClr val="accent1"/>
+          </a:fillRef>
+          <a:effectRef idx="0">
+            <a:schemeClr val="accent1"/>
+          </a:effectRef>
+          <a:fontRef idx="minor">
+            <a:schemeClr val="lt1"/>
+          </a:fontRef>
+        </p:style>
+        <p:txBody>
+          <a:bodyPr rtlCol="0" anchor="ctr"/>
+          <a:lstStyle/>
+          <a:p>
+            <a:pPr algn="ctr"/>
+            <a:endParaRPr lang="en-US"/>
+          </a:p>
+        </p:txBody>
+      </p:sp>
+      <p:sp>
+        <p:nvSpPr>
+          <p:cNvPr id="30" name="Freeform 6">
+            <a:extLst>
+              <a:ext uri="{FF2B5EF4-FFF2-40B4-BE49-F238E27FC236}">
+                <a16:creationId xmlns:a16="http://schemas.microsoft.com/office/drawing/2014/main" id="{69C1BB7B-F21E-41A2-B30C-D8507B960282}"/>
+              </a:ext>
+              <a:ext uri="{C183D7F6-B498-43B3-948B-1728B52AA6E4}">
+                <adec:decorative xmlns:adec="http://schemas.microsoft.com/office/drawing/2017/decorative" val="1"/>
+              </a:ext>
+            </a:extLst>
+          </p:cNvPr>
+          <p:cNvSpPr>
+            <a:spLocks noGrp="1" noRot="1" noChangeAspect="1" noMove="1" noResize="1" noEditPoints="1" noAdjustHandles="1" noChangeArrowheads="1" noChangeShapeType="1" noTextEdit="1"/>
+          </p:cNvSpPr>
+          <p:nvPr>
+            <p:extLst>
+              <p:ext uri="{386F3935-93C4-4BCD-93E2-E3B085C9AB24}">
+                <p16:designElem xmlns:p16="http://schemas.microsoft.com/office/powerpoint/2015/main" val="1"/>
+              </p:ext>
+            </p:extLst>
+          </p:nvPr>
+        </p:nvSpPr>
+        <p:spPr bwMode="auto">
+          <a:xfrm flipH="1" flipV="1">
+            <a:off x="752858" y="744469"/>
+            <a:ext cx="3275668" cy="4408488"/>
+          </a:xfrm>
+          <a:custGeom>
+            <a:avLst/>
+            <a:gdLst/>
+            <a:ahLst/>
+            <a:cxnLst/>
+            <a:rect l="l" t="t" r="r" b="b"/>
+            <a:pathLst>
+              <a:path w="10002" h="10000">
+                <a:moveTo>
+                  <a:pt x="8763" y="0"/>
+                </a:moveTo>
+                <a:lnTo>
+                  <a:pt x="10002" y="0"/>
+                </a:lnTo>
+                <a:lnTo>
+                  <a:pt x="10002" y="10000"/>
+                </a:lnTo>
+                <a:lnTo>
+                  <a:pt x="2" y="10000"/>
+                </a:lnTo>
+                <a:cubicBezTo>
+                  <a:pt x="-2" y="9698"/>
+                  <a:pt x="4" y="9427"/>
+                  <a:pt x="0" y="9125"/>
+                </a:cubicBezTo>
+                <a:lnTo>
+                  <a:pt x="8763" y="9128"/>
+                </a:lnTo>
+                <a:lnTo>
+                  <a:pt x="8763" y="0"/>
+                </a:lnTo>
+                <a:close/>
+              </a:path>
+            </a:pathLst>
+          </a:custGeom>
+          <a:solidFill>
+            <a:schemeClr val="bg2"/>
+          </a:solidFill>
+          <a:ln w="0">
+            <a:noFill/>
+            <a:prstDash val="solid"/>
+            <a:round/>
+            <a:headEnd/>
+            <a:tailEnd/>
+          </a:ln>
+        </p:spPr>
+      </p:sp>
+      <p:sp>
+        <p:nvSpPr>
+          <p:cNvPr id="32" name="Freeform 6">
+            <a:extLst>
+              <a:ext uri="{FF2B5EF4-FFF2-40B4-BE49-F238E27FC236}">
+                <a16:creationId xmlns:a16="http://schemas.microsoft.com/office/drawing/2014/main" id="{DF6D7DDE-F8A1-4105-9729-F9EB5F81A360}"/>
+              </a:ext>
+              <a:ext uri="{C183D7F6-B498-43B3-948B-1728B52AA6E4}">
+                <adec:decorative xmlns:adec="http://schemas.microsoft.com/office/drawing/2017/decorative" val="1"/>
+              </a:ext>
+            </a:extLst>
+          </p:cNvPr>
+          <p:cNvSpPr>
+            <a:spLocks noGrp="1" noRot="1" noChangeAspect="1" noMove="1" noResize="1" noEditPoints="1" noAdjustHandles="1" noChangeArrowheads="1" noChangeShapeType="1" noTextEdit="1"/>
+          </p:cNvSpPr>
+          <p:nvPr>
+            <p:extLst>
+              <p:ext uri="{386F3935-93C4-4BCD-93E2-E3B085C9AB24}">
+                <p16:designElem xmlns:p16="http://schemas.microsoft.com/office/powerpoint/2015/main" val="1"/>
+              </p:ext>
+            </p:extLst>
+          </p:nvPr>
+        </p:nvSpPr>
+        <p:spPr bwMode="auto">
+          <a:xfrm>
+            <a:off x="8151962" y="1685652"/>
+            <a:ext cx="3275013" cy="4408488"/>
+          </a:xfrm>
+          <a:custGeom>
+            <a:avLst/>
+            <a:gdLst/>
+            <a:ahLst/>
+            <a:cxnLst/>
+            <a:rect l="l" t="t" r="r" b="b"/>
+            <a:pathLst>
+              <a:path w="10000" h="10000">
+                <a:moveTo>
+                  <a:pt x="8761" y="0"/>
+                </a:moveTo>
+                <a:lnTo>
+                  <a:pt x="10000" y="0"/>
+                </a:lnTo>
+                <a:lnTo>
+                  <a:pt x="10000" y="10000"/>
+                </a:lnTo>
+                <a:lnTo>
+                  <a:pt x="0" y="10000"/>
+                </a:lnTo>
+                <a:lnTo>
+                  <a:pt x="0" y="9126"/>
+                </a:lnTo>
+                <a:lnTo>
+                  <a:pt x="8761" y="9127"/>
+                </a:lnTo>
+                <a:lnTo>
+                  <a:pt x="8761" y="0"/>
+                </a:lnTo>
+                <a:close/>
+              </a:path>
+            </a:pathLst>
+          </a:custGeom>
+          <a:solidFill>
+            <a:schemeClr val="bg2"/>
+          </a:solidFill>
+          <a:ln w="0">
+            <a:noFill/>
+            <a:prstDash val="solid"/>
+            <a:round/>
+            <a:headEnd/>
+            <a:tailEnd/>
+          </a:ln>
+        </p:spPr>
+      </p:sp>
       <p:sp>
         <p:nvSpPr>
           <p:cNvPr id="3" name="Title 2">
             <a:extLst>
               <a:ext uri="{FF2B5EF4-FFF2-40B4-BE49-F238E27FC236}">
-                <a16:creationId xmlns:a16="http://schemas.microsoft.com/office/drawing/2014/main" id="{7A12CC6C-B850-4CA2-9231-900672BAA7B7}"/>
+                <a16:creationId xmlns:a16="http://schemas.microsoft.com/office/drawing/2014/main" id="{B8B8ECDE-11F7-4D3C-96E5-5E7F79741AEC}"/>
               </a:ext>
             </a:extLst>
           </p:cNvPr>
@@ -4551,118 +5613,34 @@
             <p:ph type="title"/>
           </p:nvPr>
         </p:nvSpPr>
-        <p:spPr/>
+        <p:spPr>
+          <a:xfrm>
+            <a:off x="1915128" y="1788454"/>
+            <a:ext cx="8361229" cy="2098226"/>
+          </a:xfrm>
+        </p:spPr>
         <p:txBody>
-          <a:bodyPr/>
+          <a:bodyPr vert="horz" lIns="91440" tIns="45720" rIns="91440" bIns="45720" rtlCol="0" anchor="b">
+            <a:normAutofit/>
+          </a:bodyPr>
           <a:lstStyle/>
           <a:p>
+            <a:pPr algn="ctr"/>
             <a:r>
-              <a:rPr lang="en-US" dirty="0"/>
-              <a:t>OPTION 2 – Format change</a:t>
+              <a:rPr lang="en-US" sz="5600" cap="all" dirty="0">
+                <a:solidFill>
+                  <a:schemeClr val="bg2"/>
+                </a:solidFill>
+              </a:rPr>
+              <a:t>OPTION 2 – Change the 4 year degree format</a:t>
             </a:r>
           </a:p>
         </p:txBody>
       </p:sp>
-      <p:sp>
-        <p:nvSpPr>
-          <p:cNvPr id="4" name="Content Placeholder 3">
-            <a:extLst>
-              <a:ext uri="{FF2B5EF4-FFF2-40B4-BE49-F238E27FC236}">
-                <a16:creationId xmlns:a16="http://schemas.microsoft.com/office/drawing/2014/main" id="{E2F6A9E8-A996-4B9C-9EB5-1B366E46AF5C}"/>
-              </a:ext>
-            </a:extLst>
-          </p:cNvPr>
-          <p:cNvSpPr>
-            <a:spLocks noGrp="1"/>
-          </p:cNvSpPr>
-          <p:nvPr>
-            <p:ph sz="half" idx="1"/>
-          </p:nvPr>
-        </p:nvSpPr>
-        <p:spPr/>
-        <p:txBody>
-          <a:bodyPr/>
-          <a:lstStyle/>
-          <a:p>
-            <a:r>
-              <a:rPr lang="en-US" dirty="0"/>
-              <a:t>First year no official degree</a:t>
-            </a:r>
-          </a:p>
-          <a:p>
-            <a:r>
-              <a:rPr lang="en-US" dirty="0"/>
-              <a:t>1 year of required classes about how to “life” (economics, civics, mental health, food &amp; nutrition, etc.)</a:t>
-            </a:r>
-          </a:p>
-          <a:p>
-            <a:r>
-              <a:rPr lang="en-US" dirty="0"/>
-              <a:t>After first year you declare degree path. </a:t>
-            </a:r>
-          </a:p>
-          <a:p>
-            <a:r>
-              <a:rPr lang="en-US" dirty="0"/>
-              <a:t>Allows for students to learn more about the world. </a:t>
-            </a:r>
-          </a:p>
-          <a:p>
-            <a:r>
-              <a:rPr lang="en-US" dirty="0"/>
-              <a:t>4 years in total</a:t>
-            </a:r>
-          </a:p>
-          <a:p>
-            <a:endParaRPr lang="en-US" dirty="0"/>
-          </a:p>
-          <a:p>
-            <a:endParaRPr lang="en-US" dirty="0"/>
-          </a:p>
-          <a:p>
-            <a:endParaRPr lang="en-US" dirty="0"/>
-          </a:p>
-        </p:txBody>
-      </p:sp>
-      <p:pic>
-        <p:nvPicPr>
-          <p:cNvPr id="15" name="Content Placeholder 14" descr="A screenshot of a cell phone&#10;&#10;Description automatically generated">
-            <a:extLst>
-              <a:ext uri="{FF2B5EF4-FFF2-40B4-BE49-F238E27FC236}">
-                <a16:creationId xmlns:a16="http://schemas.microsoft.com/office/drawing/2014/main" id="{45FBD069-E11B-4285-8EFB-CCAC3A81BF09}"/>
-              </a:ext>
-            </a:extLst>
-          </p:cNvPr>
-          <p:cNvPicPr>
-            <a:picLocks noGrp="1" noChangeAspect="1"/>
-          </p:cNvPicPr>
-          <p:nvPr>
-            <p:ph sz="half" idx="2"/>
-          </p:nvPr>
-        </p:nvPicPr>
-        <p:blipFill>
-          <a:blip r:embed="rId3">
-            <a:extLst>
-              <a:ext uri="{28A0092B-C50C-407E-A947-70E740481C1C}">
-                <a14:useLocalDpi xmlns:a14="http://schemas.microsoft.com/office/drawing/2010/main" val="0"/>
-              </a:ext>
-            </a:extLst>
-          </a:blip>
-          <a:stretch>
-            <a:fillRect/>
-          </a:stretch>
-        </p:blipFill>
-        <p:spPr>
-          <a:xfrm>
-            <a:off x="7945820" y="1533195"/>
-            <a:ext cx="3815255" cy="5087007"/>
-          </a:xfrm>
-        </p:spPr>
-      </p:pic>
     </p:spTree>
     <p:extLst>
       <p:ext uri="{BB962C8B-B14F-4D97-AF65-F5344CB8AC3E}">
-        <p14:creationId xmlns:p14="http://schemas.microsoft.com/office/powerpoint/2010/main" val="180117884"/>
+        <p14:creationId xmlns:p14="http://schemas.microsoft.com/office/powerpoint/2010/main" val="3874053597"/>
       </p:ext>
     </p:extLst>
   </p:cSld>
@@ -4675,6 +5653,14 @@
 <file path=ppt/slides/slide12.xml><?xml version="1.0" encoding="utf-8"?>
 <p:sld xmlns:a="http://schemas.openxmlformats.org/drawingml/2006/main" xmlns:r="http://schemas.openxmlformats.org/officeDocument/2006/relationships" xmlns:p="http://schemas.openxmlformats.org/presentationml/2006/main">
   <p:cSld>
+    <p:bg>
+      <p:bgPr>
+        <a:solidFill>
+          <a:schemeClr val="bg2"/>
+        </a:solidFill>
+        <a:effectLst/>
+      </p:bgPr>
+    </p:bg>
     <p:spTree>
       <p:nvGrpSpPr>
         <p:cNvPr id="1" name=""/>
@@ -4689,12 +5675,441 @@
           <a:chExt cx="0" cy="0"/>
         </a:xfrm>
       </p:grpSpPr>
+      <p:grpSp>
+        <p:nvGrpSpPr>
+          <p:cNvPr id="24" name="Group 23">
+            <a:extLst>
+              <a:ext uri="{FF2B5EF4-FFF2-40B4-BE49-F238E27FC236}">
+                <a16:creationId xmlns:a16="http://schemas.microsoft.com/office/drawing/2014/main" id="{9D9D6BF1-DFF2-4526-9D13-BF339D8C4163}"/>
+              </a:ext>
+              <a:ext uri="{C183D7F6-B498-43B3-948B-1728B52AA6E4}">
+                <adec:decorative xmlns:adec="http://schemas.microsoft.com/office/drawing/2017/decorative" val="1"/>
+              </a:ext>
+            </a:extLst>
+          </p:cNvPr>
+          <p:cNvGrpSpPr>
+            <a:grpSpLocks noGrp="1" noUngrp="1" noRot="1" noChangeAspect="1" noMove="1" noResize="1"/>
+          </p:cNvGrpSpPr>
+          <p:nvPr>
+            <p:extLst>
+              <p:ext uri="{386F3935-93C4-4BCD-93E2-E3B085C9AB24}">
+                <p16:designElem xmlns:p16="http://schemas.microsoft.com/office/powerpoint/2015/main" val="1"/>
+              </p:ext>
+            </p:extLst>
+          </p:nvPr>
+        </p:nvGrpSpPr>
+        <p:grpSpPr>
+          <a:xfrm>
+            <a:off x="752858" y="744469"/>
+            <a:ext cx="10674117" cy="5349671"/>
+            <a:chOff x="752858" y="744469"/>
+            <a:chExt cx="10674117" cy="5349671"/>
+          </a:xfrm>
+        </p:grpSpPr>
+        <p:sp>
+          <p:nvSpPr>
+            <p:cNvPr id="25" name="Freeform 6">
+              <a:extLst>
+                <a:ext uri="{FF2B5EF4-FFF2-40B4-BE49-F238E27FC236}">
+                  <a16:creationId xmlns:a16="http://schemas.microsoft.com/office/drawing/2014/main" id="{A54D4DB6-FB18-4CAE-8905-E0053C92569E}"/>
+                </a:ext>
+                <a:ext uri="{C183D7F6-B498-43B3-948B-1728B52AA6E4}">
+                  <adec:decorative xmlns:adec="http://schemas.microsoft.com/office/drawing/2017/decorative" val="1"/>
+                </a:ext>
+              </a:extLst>
+            </p:cNvPr>
+            <p:cNvSpPr/>
+            <p:nvPr>
+              <p:extLst>
+                <p:ext uri="{386F3935-93C4-4BCD-93E2-E3B085C9AB24}">
+                  <p16:designElem xmlns:p16="http://schemas.microsoft.com/office/powerpoint/2015/main" val="1"/>
+                </p:ext>
+              </p:extLst>
+            </p:nvPr>
+          </p:nvSpPr>
+          <p:spPr bwMode="auto">
+            <a:xfrm>
+              <a:off x="8151962" y="1685652"/>
+              <a:ext cx="3275013" cy="4408488"/>
+            </a:xfrm>
+            <a:custGeom>
+              <a:avLst/>
+              <a:gdLst/>
+              <a:ahLst/>
+              <a:cxnLst/>
+              <a:rect l="l" t="t" r="r" b="b"/>
+              <a:pathLst>
+                <a:path w="10000" h="10000">
+                  <a:moveTo>
+                    <a:pt x="8761" y="0"/>
+                  </a:moveTo>
+                  <a:lnTo>
+                    <a:pt x="10000" y="0"/>
+                  </a:lnTo>
+                  <a:lnTo>
+                    <a:pt x="10000" y="10000"/>
+                  </a:lnTo>
+                  <a:lnTo>
+                    <a:pt x="0" y="10000"/>
+                  </a:lnTo>
+                  <a:lnTo>
+                    <a:pt x="0" y="9126"/>
+                  </a:lnTo>
+                  <a:lnTo>
+                    <a:pt x="8761" y="9127"/>
+                  </a:lnTo>
+                  <a:lnTo>
+                    <a:pt x="8761" y="0"/>
+                  </a:lnTo>
+                  <a:close/>
+                </a:path>
+              </a:pathLst>
+            </a:custGeom>
+            <a:solidFill>
+              <a:schemeClr val="tx2"/>
+            </a:solidFill>
+            <a:ln w="0">
+              <a:noFill/>
+              <a:prstDash val="solid"/>
+              <a:round/>
+              <a:headEnd/>
+              <a:tailEnd/>
+            </a:ln>
+          </p:spPr>
+        </p:sp>
+        <p:sp>
+          <p:nvSpPr>
+            <p:cNvPr id="26" name="Freeform 6">
+              <a:extLst>
+                <a:ext uri="{FF2B5EF4-FFF2-40B4-BE49-F238E27FC236}">
+                  <a16:creationId xmlns:a16="http://schemas.microsoft.com/office/drawing/2014/main" id="{1DBD6488-9429-4FFA-8AE8-C4022C39B0F2}"/>
+                </a:ext>
+                <a:ext uri="{C183D7F6-B498-43B3-948B-1728B52AA6E4}">
+                  <adec:decorative xmlns:adec="http://schemas.microsoft.com/office/drawing/2017/decorative" val="1"/>
+                </a:ext>
+              </a:extLst>
+            </p:cNvPr>
+            <p:cNvSpPr/>
+            <p:nvPr>
+              <p:extLst>
+                <p:ext uri="{386F3935-93C4-4BCD-93E2-E3B085C9AB24}">
+                  <p16:designElem xmlns:p16="http://schemas.microsoft.com/office/powerpoint/2015/main" val="1"/>
+                </p:ext>
+              </p:extLst>
+            </p:nvPr>
+          </p:nvSpPr>
+          <p:spPr bwMode="auto">
+            <a:xfrm flipH="1" flipV="1">
+              <a:off x="752858" y="744469"/>
+              <a:ext cx="3275668" cy="4408488"/>
+            </a:xfrm>
+            <a:custGeom>
+              <a:avLst/>
+              <a:gdLst/>
+              <a:ahLst/>
+              <a:cxnLst/>
+              <a:rect l="l" t="t" r="r" b="b"/>
+              <a:pathLst>
+                <a:path w="10002" h="10000">
+                  <a:moveTo>
+                    <a:pt x="8763" y="0"/>
+                  </a:moveTo>
+                  <a:lnTo>
+                    <a:pt x="10002" y="0"/>
+                  </a:lnTo>
+                  <a:lnTo>
+                    <a:pt x="10002" y="10000"/>
+                  </a:lnTo>
+                  <a:lnTo>
+                    <a:pt x="2" y="10000"/>
+                  </a:lnTo>
+                  <a:cubicBezTo>
+                    <a:pt x="-2" y="9698"/>
+                    <a:pt x="4" y="9427"/>
+                    <a:pt x="0" y="9125"/>
+                  </a:cubicBezTo>
+                  <a:lnTo>
+                    <a:pt x="8763" y="9128"/>
+                  </a:lnTo>
+                  <a:lnTo>
+                    <a:pt x="8763" y="0"/>
+                  </a:lnTo>
+                  <a:close/>
+                </a:path>
+              </a:pathLst>
+            </a:custGeom>
+            <a:solidFill>
+              <a:schemeClr val="tx2"/>
+            </a:solidFill>
+            <a:ln w="0">
+              <a:noFill/>
+              <a:prstDash val="solid"/>
+              <a:round/>
+              <a:headEnd/>
+              <a:tailEnd/>
+            </a:ln>
+          </p:spPr>
+        </p:sp>
+      </p:grpSp>
+      <p:pic>
+        <p:nvPicPr>
+          <p:cNvPr id="20" name="Picture 19">
+            <a:extLst>
+              <a:ext uri="{FF2B5EF4-FFF2-40B4-BE49-F238E27FC236}">
+                <a16:creationId xmlns:a16="http://schemas.microsoft.com/office/drawing/2014/main" id="{7574B472-5A0E-4391-A999-A850452FA5DE}"/>
+              </a:ext>
+            </a:extLst>
+          </p:cNvPr>
+          <p:cNvPicPr>
+            <a:picLocks noChangeAspect="1"/>
+          </p:cNvPicPr>
+          <p:nvPr/>
+        </p:nvPicPr>
+        <p:blipFill rotWithShape="1">
+          <a:blip r:embed="rId2"/>
+          <a:srcRect t="13667" b="11318"/>
+          <a:stretch/>
+        </p:blipFill>
+        <p:spPr>
+          <a:xfrm>
+            <a:off x="20" y="10"/>
+            <a:ext cx="12191980" cy="6859300"/>
+          </a:xfrm>
+          <a:prstGeom prst="rect">
+            <a:avLst/>
+          </a:prstGeom>
+        </p:spPr>
+      </p:pic>
+      <p:sp>
+        <p:nvSpPr>
+          <p:cNvPr id="28" name="Rectangle 27">
+            <a:extLst>
+              <a:ext uri="{FF2B5EF4-FFF2-40B4-BE49-F238E27FC236}">
+                <a16:creationId xmlns:a16="http://schemas.microsoft.com/office/drawing/2014/main" id="{310B1DD0-264A-47E3-A16A-C87AFA51E68A}"/>
+              </a:ext>
+              <a:ext uri="{C183D7F6-B498-43B3-948B-1728B52AA6E4}">
+                <adec:decorative xmlns:adec="http://schemas.microsoft.com/office/drawing/2017/decorative" val="1"/>
+              </a:ext>
+            </a:extLst>
+          </p:cNvPr>
+          <p:cNvSpPr>
+            <a:spLocks noGrp="1" noRot="1" noChangeAspect="1" noMove="1" noResize="1" noEditPoints="1" noAdjustHandles="1" noChangeArrowheads="1" noChangeShapeType="1" noTextEdit="1"/>
+          </p:cNvSpPr>
+          <p:nvPr>
+            <p:extLst>
+              <p:ext uri="{386F3935-93C4-4BCD-93E2-E3B085C9AB24}">
+                <p16:designElem xmlns:p16="http://schemas.microsoft.com/office/powerpoint/2015/main" val="1"/>
+              </p:ext>
+            </p:extLst>
+          </p:nvPr>
+        </p:nvSpPr>
+        <p:spPr bwMode="ltGray">
+          <a:xfrm>
+            <a:off x="-258" y="0"/>
+            <a:ext cx="12192000" cy="6858000"/>
+          </a:xfrm>
+          <a:prstGeom prst="rect">
+            <a:avLst/>
+          </a:prstGeom>
+          <a:gradFill flip="none" rotWithShape="1">
+            <a:gsLst>
+              <a:gs pos="20000">
+                <a:schemeClr val="tx2">
+                  <a:alpha val="70000"/>
+                </a:schemeClr>
+              </a:gs>
+              <a:gs pos="100000">
+                <a:schemeClr val="tx2"/>
+              </a:gs>
+            </a:gsLst>
+            <a:path path="circle">
+              <a:fillToRect l="50000" t="50000" r="50000" b="50000"/>
+            </a:path>
+            <a:tileRect/>
+          </a:gradFill>
+          <a:ln>
+            <a:noFill/>
+          </a:ln>
+        </p:spPr>
+        <p:style>
+          <a:lnRef idx="2">
+            <a:schemeClr val="accent1">
+              <a:shade val="50000"/>
+            </a:schemeClr>
+          </a:lnRef>
+          <a:fillRef idx="1">
+            <a:schemeClr val="accent1"/>
+          </a:fillRef>
+          <a:effectRef idx="0">
+            <a:schemeClr val="accent1"/>
+          </a:effectRef>
+          <a:fontRef idx="minor">
+            <a:schemeClr val="lt1"/>
+          </a:fontRef>
+        </p:style>
+        <p:txBody>
+          <a:bodyPr rtlCol="0" anchor="ctr"/>
+          <a:lstStyle/>
+          <a:p>
+            <a:pPr algn="ctr"/>
+            <a:endParaRPr lang="en-US"/>
+          </a:p>
+        </p:txBody>
+      </p:sp>
+      <p:sp>
+        <p:nvSpPr>
+          <p:cNvPr id="30" name="Freeform 6">
+            <a:extLst>
+              <a:ext uri="{FF2B5EF4-FFF2-40B4-BE49-F238E27FC236}">
+                <a16:creationId xmlns:a16="http://schemas.microsoft.com/office/drawing/2014/main" id="{69C1BB7B-F21E-41A2-B30C-D8507B960282}"/>
+              </a:ext>
+              <a:ext uri="{C183D7F6-B498-43B3-948B-1728B52AA6E4}">
+                <adec:decorative xmlns:adec="http://schemas.microsoft.com/office/drawing/2017/decorative" val="1"/>
+              </a:ext>
+            </a:extLst>
+          </p:cNvPr>
+          <p:cNvSpPr>
+            <a:spLocks noGrp="1" noRot="1" noChangeAspect="1" noMove="1" noResize="1" noEditPoints="1" noAdjustHandles="1" noChangeArrowheads="1" noChangeShapeType="1" noTextEdit="1"/>
+          </p:cNvSpPr>
+          <p:nvPr>
+            <p:extLst>
+              <p:ext uri="{386F3935-93C4-4BCD-93E2-E3B085C9AB24}">
+                <p16:designElem xmlns:p16="http://schemas.microsoft.com/office/powerpoint/2015/main" val="1"/>
+              </p:ext>
+            </p:extLst>
+          </p:nvPr>
+        </p:nvSpPr>
+        <p:spPr bwMode="auto">
+          <a:xfrm flipH="1" flipV="1">
+            <a:off x="752858" y="744469"/>
+            <a:ext cx="3275668" cy="4408488"/>
+          </a:xfrm>
+          <a:custGeom>
+            <a:avLst/>
+            <a:gdLst/>
+            <a:ahLst/>
+            <a:cxnLst/>
+            <a:rect l="l" t="t" r="r" b="b"/>
+            <a:pathLst>
+              <a:path w="10002" h="10000">
+                <a:moveTo>
+                  <a:pt x="8763" y="0"/>
+                </a:moveTo>
+                <a:lnTo>
+                  <a:pt x="10002" y="0"/>
+                </a:lnTo>
+                <a:lnTo>
+                  <a:pt x="10002" y="10000"/>
+                </a:lnTo>
+                <a:lnTo>
+                  <a:pt x="2" y="10000"/>
+                </a:lnTo>
+                <a:cubicBezTo>
+                  <a:pt x="-2" y="9698"/>
+                  <a:pt x="4" y="9427"/>
+                  <a:pt x="0" y="9125"/>
+                </a:cubicBezTo>
+                <a:lnTo>
+                  <a:pt x="8763" y="9128"/>
+                </a:lnTo>
+                <a:lnTo>
+                  <a:pt x="8763" y="0"/>
+                </a:lnTo>
+                <a:close/>
+              </a:path>
+            </a:pathLst>
+          </a:custGeom>
+          <a:solidFill>
+            <a:schemeClr val="bg2"/>
+          </a:solidFill>
+          <a:ln w="0">
+            <a:noFill/>
+            <a:prstDash val="solid"/>
+            <a:round/>
+            <a:headEnd/>
+            <a:tailEnd/>
+          </a:ln>
+        </p:spPr>
+      </p:sp>
+      <p:sp>
+        <p:nvSpPr>
+          <p:cNvPr id="32" name="Freeform 6">
+            <a:extLst>
+              <a:ext uri="{FF2B5EF4-FFF2-40B4-BE49-F238E27FC236}">
+                <a16:creationId xmlns:a16="http://schemas.microsoft.com/office/drawing/2014/main" id="{DF6D7DDE-F8A1-4105-9729-F9EB5F81A360}"/>
+              </a:ext>
+              <a:ext uri="{C183D7F6-B498-43B3-948B-1728B52AA6E4}">
+                <adec:decorative xmlns:adec="http://schemas.microsoft.com/office/drawing/2017/decorative" val="1"/>
+              </a:ext>
+            </a:extLst>
+          </p:cNvPr>
+          <p:cNvSpPr>
+            <a:spLocks noGrp="1" noRot="1" noChangeAspect="1" noMove="1" noResize="1" noEditPoints="1" noAdjustHandles="1" noChangeArrowheads="1" noChangeShapeType="1" noTextEdit="1"/>
+          </p:cNvSpPr>
+          <p:nvPr>
+            <p:extLst>
+              <p:ext uri="{386F3935-93C4-4BCD-93E2-E3B085C9AB24}">
+                <p16:designElem xmlns:p16="http://schemas.microsoft.com/office/powerpoint/2015/main" val="1"/>
+              </p:ext>
+            </p:extLst>
+          </p:nvPr>
+        </p:nvSpPr>
+        <p:spPr bwMode="auto">
+          <a:xfrm>
+            <a:off x="8151962" y="1685652"/>
+            <a:ext cx="3275013" cy="4408488"/>
+          </a:xfrm>
+          <a:custGeom>
+            <a:avLst/>
+            <a:gdLst/>
+            <a:ahLst/>
+            <a:cxnLst/>
+            <a:rect l="l" t="t" r="r" b="b"/>
+            <a:pathLst>
+              <a:path w="10000" h="10000">
+                <a:moveTo>
+                  <a:pt x="8761" y="0"/>
+                </a:moveTo>
+                <a:lnTo>
+                  <a:pt x="10000" y="0"/>
+                </a:lnTo>
+                <a:lnTo>
+                  <a:pt x="10000" y="10000"/>
+                </a:lnTo>
+                <a:lnTo>
+                  <a:pt x="0" y="10000"/>
+                </a:lnTo>
+                <a:lnTo>
+                  <a:pt x="0" y="9126"/>
+                </a:lnTo>
+                <a:lnTo>
+                  <a:pt x="8761" y="9127"/>
+                </a:lnTo>
+                <a:lnTo>
+                  <a:pt x="8761" y="0"/>
+                </a:lnTo>
+                <a:close/>
+              </a:path>
+            </a:pathLst>
+          </a:custGeom>
+          <a:solidFill>
+            <a:schemeClr val="bg2"/>
+          </a:solidFill>
+          <a:ln w="0">
+            <a:noFill/>
+            <a:prstDash val="solid"/>
+            <a:round/>
+            <a:headEnd/>
+            <a:tailEnd/>
+          </a:ln>
+        </p:spPr>
+      </p:sp>
       <p:sp>
         <p:nvSpPr>
           <p:cNvPr id="3" name="Title 2">
             <a:extLst>
               <a:ext uri="{FF2B5EF4-FFF2-40B4-BE49-F238E27FC236}">
-                <a16:creationId xmlns:a16="http://schemas.microsoft.com/office/drawing/2014/main" id="{7A12CC6C-B850-4CA2-9231-900672BAA7B7}"/>
+                <a16:creationId xmlns:a16="http://schemas.microsoft.com/office/drawing/2014/main" id="{B8B8ECDE-11F7-4D3C-96E5-5E7F79741AEC}"/>
               </a:ext>
             </a:extLst>
           </p:cNvPr>
@@ -4705,112 +6120,34 @@
             <p:ph type="title"/>
           </p:nvPr>
         </p:nvSpPr>
-        <p:spPr/>
+        <p:spPr>
+          <a:xfrm>
+            <a:off x="1915128" y="1788454"/>
+            <a:ext cx="8361229" cy="2098226"/>
+          </a:xfrm>
+        </p:spPr>
         <p:txBody>
-          <a:bodyPr/>
+          <a:bodyPr vert="horz" lIns="91440" tIns="45720" rIns="91440" bIns="45720" rtlCol="0" anchor="b">
+            <a:normAutofit/>
+          </a:bodyPr>
           <a:lstStyle/>
           <a:p>
+            <a:pPr algn="ctr"/>
             <a:r>
-              <a:rPr lang="en-US" dirty="0"/>
+              <a:rPr lang="en-US" sz="5600" cap="all" dirty="0">
+                <a:solidFill>
+                  <a:schemeClr val="bg2"/>
+                </a:solidFill>
+              </a:rPr>
               <a:t>OPTION 3 – Update degree’s</a:t>
             </a:r>
           </a:p>
         </p:txBody>
       </p:sp>
-      <p:sp>
-        <p:nvSpPr>
-          <p:cNvPr id="4" name="Content Placeholder 3">
-            <a:extLst>
-              <a:ext uri="{FF2B5EF4-FFF2-40B4-BE49-F238E27FC236}">
-                <a16:creationId xmlns:a16="http://schemas.microsoft.com/office/drawing/2014/main" id="{E2F6A9E8-A996-4B9C-9EB5-1B366E46AF5C}"/>
-              </a:ext>
-            </a:extLst>
-          </p:cNvPr>
-          <p:cNvSpPr>
-            <a:spLocks noGrp="1"/>
-          </p:cNvSpPr>
-          <p:nvPr>
-            <p:ph sz="half" idx="1"/>
-          </p:nvPr>
-        </p:nvSpPr>
-        <p:spPr/>
-        <p:txBody>
-          <a:bodyPr/>
-          <a:lstStyle/>
-          <a:p>
-            <a:r>
-              <a:rPr lang="en-US" dirty="0"/>
-              <a:t>Change degree requirements based on current career climate.</a:t>
-            </a:r>
-          </a:p>
-          <a:p>
-            <a:r>
-              <a:rPr lang="en-US" dirty="0"/>
-              <a:t>Possible add of other classes that are needed.</a:t>
-            </a:r>
-          </a:p>
-          <a:p>
-            <a:r>
-              <a:rPr lang="en-US" dirty="0"/>
-              <a:t>Require real world experience to finish degree.</a:t>
-            </a:r>
-          </a:p>
-          <a:p>
-            <a:r>
-              <a:rPr lang="en-US" dirty="0"/>
-              <a:t>Eliminate degrees that have low income/success rates.</a:t>
-            </a:r>
-          </a:p>
-          <a:p>
-            <a:endParaRPr lang="en-US" dirty="0"/>
-          </a:p>
-          <a:p>
-            <a:endParaRPr lang="en-US" dirty="0"/>
-          </a:p>
-          <a:p>
-            <a:endParaRPr lang="en-US" dirty="0"/>
-          </a:p>
-        </p:txBody>
-      </p:sp>
-      <p:pic>
-        <p:nvPicPr>
-          <p:cNvPr id="8" name="Content Placeholder 7" descr="A close up of a street sign on a pole&#10;&#10;Description automatically generated">
-            <a:extLst>
-              <a:ext uri="{FF2B5EF4-FFF2-40B4-BE49-F238E27FC236}">
-                <a16:creationId xmlns:a16="http://schemas.microsoft.com/office/drawing/2014/main" id="{4A5C3A0C-4723-44D6-89C4-DF25AE0512B9}"/>
-              </a:ext>
-            </a:extLst>
-          </p:cNvPr>
-          <p:cNvPicPr>
-            <a:picLocks noGrp="1" noChangeAspect="1"/>
-          </p:cNvPicPr>
-          <p:nvPr>
-            <p:ph sz="half" idx="2"/>
-          </p:nvPr>
-        </p:nvPicPr>
-        <p:blipFill>
-          <a:blip r:embed="rId3">
-            <a:extLst>
-              <a:ext uri="{28A0092B-C50C-407E-A947-70E740481C1C}">
-                <a14:useLocalDpi xmlns:a14="http://schemas.microsoft.com/office/drawing/2010/main" val="0"/>
-              </a:ext>
-            </a:extLst>
-          </a:blip>
-          <a:stretch>
-            <a:fillRect/>
-          </a:stretch>
-        </p:blipFill>
-        <p:spPr>
-          <a:xfrm>
-            <a:off x="6758090" y="2286000"/>
-            <a:ext cx="3981244" cy="3581400"/>
-          </a:xfrm>
-        </p:spPr>
-      </p:pic>
     </p:spTree>
     <p:extLst>
       <p:ext uri="{BB962C8B-B14F-4D97-AF65-F5344CB8AC3E}">
-        <p14:creationId xmlns:p14="http://schemas.microsoft.com/office/powerpoint/2010/main" val="2150291972"/>
+        <p14:creationId xmlns:p14="http://schemas.microsoft.com/office/powerpoint/2010/main" val="1583562119"/>
       </p:ext>
     </p:extLst>
   </p:cSld>
@@ -4821,6 +6158,513 @@
 </file>
 
 <file path=ppt/slides/slide13.xml><?xml version="1.0" encoding="utf-8"?>
+<p:sld xmlns:a="http://schemas.openxmlformats.org/drawingml/2006/main" xmlns:r="http://schemas.openxmlformats.org/officeDocument/2006/relationships" xmlns:p="http://schemas.openxmlformats.org/presentationml/2006/main">
+  <p:cSld>
+    <p:bg>
+      <p:bgPr>
+        <a:solidFill>
+          <a:schemeClr val="bg2"/>
+        </a:solidFill>
+        <a:effectLst/>
+      </p:bgPr>
+    </p:bg>
+    <p:spTree>
+      <p:nvGrpSpPr>
+        <p:cNvPr id="1" name=""/>
+        <p:cNvGrpSpPr/>
+        <p:nvPr/>
+      </p:nvGrpSpPr>
+      <p:grpSpPr>
+        <a:xfrm>
+          <a:off x="0" y="0"/>
+          <a:ext cx="0" cy="0"/>
+          <a:chOff x="0" y="0"/>
+          <a:chExt cx="0" cy="0"/>
+        </a:xfrm>
+      </p:grpSpPr>
+      <p:grpSp>
+        <p:nvGrpSpPr>
+          <p:cNvPr id="24" name="Group 23">
+            <a:extLst>
+              <a:ext uri="{FF2B5EF4-FFF2-40B4-BE49-F238E27FC236}">
+                <a16:creationId xmlns:a16="http://schemas.microsoft.com/office/drawing/2014/main" id="{9D9D6BF1-DFF2-4526-9D13-BF339D8C4163}"/>
+              </a:ext>
+              <a:ext uri="{C183D7F6-B498-43B3-948B-1728B52AA6E4}">
+                <adec:decorative xmlns:adec="http://schemas.microsoft.com/office/drawing/2017/decorative" val="1"/>
+              </a:ext>
+            </a:extLst>
+          </p:cNvPr>
+          <p:cNvGrpSpPr>
+            <a:grpSpLocks noGrp="1" noUngrp="1" noRot="1" noChangeAspect="1" noMove="1" noResize="1"/>
+          </p:cNvGrpSpPr>
+          <p:nvPr>
+            <p:extLst>
+              <p:ext uri="{386F3935-93C4-4BCD-93E2-E3B085C9AB24}">
+                <p16:designElem xmlns:p16="http://schemas.microsoft.com/office/powerpoint/2015/main" val="1"/>
+              </p:ext>
+            </p:extLst>
+          </p:nvPr>
+        </p:nvGrpSpPr>
+        <p:grpSpPr>
+          <a:xfrm>
+            <a:off x="752858" y="744469"/>
+            <a:ext cx="10674117" cy="5349671"/>
+            <a:chOff x="752858" y="744469"/>
+            <a:chExt cx="10674117" cy="5349671"/>
+          </a:xfrm>
+        </p:grpSpPr>
+        <p:sp>
+          <p:nvSpPr>
+            <p:cNvPr id="25" name="Freeform 6">
+              <a:extLst>
+                <a:ext uri="{FF2B5EF4-FFF2-40B4-BE49-F238E27FC236}">
+                  <a16:creationId xmlns:a16="http://schemas.microsoft.com/office/drawing/2014/main" id="{A54D4DB6-FB18-4CAE-8905-E0053C92569E}"/>
+                </a:ext>
+                <a:ext uri="{C183D7F6-B498-43B3-948B-1728B52AA6E4}">
+                  <adec:decorative xmlns:adec="http://schemas.microsoft.com/office/drawing/2017/decorative" val="1"/>
+                </a:ext>
+              </a:extLst>
+            </p:cNvPr>
+            <p:cNvSpPr/>
+            <p:nvPr>
+              <p:extLst>
+                <p:ext uri="{386F3935-93C4-4BCD-93E2-E3B085C9AB24}">
+                  <p16:designElem xmlns:p16="http://schemas.microsoft.com/office/powerpoint/2015/main" val="1"/>
+                </p:ext>
+              </p:extLst>
+            </p:nvPr>
+          </p:nvSpPr>
+          <p:spPr bwMode="auto">
+            <a:xfrm>
+              <a:off x="8151962" y="1685652"/>
+              <a:ext cx="3275013" cy="4408488"/>
+            </a:xfrm>
+            <a:custGeom>
+              <a:avLst/>
+              <a:gdLst/>
+              <a:ahLst/>
+              <a:cxnLst/>
+              <a:rect l="l" t="t" r="r" b="b"/>
+              <a:pathLst>
+                <a:path w="10000" h="10000">
+                  <a:moveTo>
+                    <a:pt x="8761" y="0"/>
+                  </a:moveTo>
+                  <a:lnTo>
+                    <a:pt x="10000" y="0"/>
+                  </a:lnTo>
+                  <a:lnTo>
+                    <a:pt x="10000" y="10000"/>
+                  </a:lnTo>
+                  <a:lnTo>
+                    <a:pt x="0" y="10000"/>
+                  </a:lnTo>
+                  <a:lnTo>
+                    <a:pt x="0" y="9126"/>
+                  </a:lnTo>
+                  <a:lnTo>
+                    <a:pt x="8761" y="9127"/>
+                  </a:lnTo>
+                  <a:lnTo>
+                    <a:pt x="8761" y="0"/>
+                  </a:lnTo>
+                  <a:close/>
+                </a:path>
+              </a:pathLst>
+            </a:custGeom>
+            <a:solidFill>
+              <a:schemeClr val="tx2"/>
+            </a:solidFill>
+            <a:ln w="0">
+              <a:noFill/>
+              <a:prstDash val="solid"/>
+              <a:round/>
+              <a:headEnd/>
+              <a:tailEnd/>
+            </a:ln>
+          </p:spPr>
+        </p:sp>
+        <p:sp>
+          <p:nvSpPr>
+            <p:cNvPr id="26" name="Freeform 6">
+              <a:extLst>
+                <a:ext uri="{FF2B5EF4-FFF2-40B4-BE49-F238E27FC236}">
+                  <a16:creationId xmlns:a16="http://schemas.microsoft.com/office/drawing/2014/main" id="{1DBD6488-9429-4FFA-8AE8-C4022C39B0F2}"/>
+                </a:ext>
+                <a:ext uri="{C183D7F6-B498-43B3-948B-1728B52AA6E4}">
+                  <adec:decorative xmlns:adec="http://schemas.microsoft.com/office/drawing/2017/decorative" val="1"/>
+                </a:ext>
+              </a:extLst>
+            </p:cNvPr>
+            <p:cNvSpPr/>
+            <p:nvPr>
+              <p:extLst>
+                <p:ext uri="{386F3935-93C4-4BCD-93E2-E3B085C9AB24}">
+                  <p16:designElem xmlns:p16="http://schemas.microsoft.com/office/powerpoint/2015/main" val="1"/>
+                </p:ext>
+              </p:extLst>
+            </p:nvPr>
+          </p:nvSpPr>
+          <p:spPr bwMode="auto">
+            <a:xfrm flipH="1" flipV="1">
+              <a:off x="752858" y="744469"/>
+              <a:ext cx="3275668" cy="4408488"/>
+            </a:xfrm>
+            <a:custGeom>
+              <a:avLst/>
+              <a:gdLst/>
+              <a:ahLst/>
+              <a:cxnLst/>
+              <a:rect l="l" t="t" r="r" b="b"/>
+              <a:pathLst>
+                <a:path w="10002" h="10000">
+                  <a:moveTo>
+                    <a:pt x="8763" y="0"/>
+                  </a:moveTo>
+                  <a:lnTo>
+                    <a:pt x="10002" y="0"/>
+                  </a:lnTo>
+                  <a:lnTo>
+                    <a:pt x="10002" y="10000"/>
+                  </a:lnTo>
+                  <a:lnTo>
+                    <a:pt x="2" y="10000"/>
+                  </a:lnTo>
+                  <a:cubicBezTo>
+                    <a:pt x="-2" y="9698"/>
+                    <a:pt x="4" y="9427"/>
+                    <a:pt x="0" y="9125"/>
+                  </a:cubicBezTo>
+                  <a:lnTo>
+                    <a:pt x="8763" y="9128"/>
+                  </a:lnTo>
+                  <a:lnTo>
+                    <a:pt x="8763" y="0"/>
+                  </a:lnTo>
+                  <a:close/>
+                </a:path>
+              </a:pathLst>
+            </a:custGeom>
+            <a:solidFill>
+              <a:schemeClr val="tx2"/>
+            </a:solidFill>
+            <a:ln w="0">
+              <a:noFill/>
+              <a:prstDash val="solid"/>
+              <a:round/>
+              <a:headEnd/>
+              <a:tailEnd/>
+            </a:ln>
+          </p:spPr>
+        </p:sp>
+      </p:grpSp>
+      <p:pic>
+        <p:nvPicPr>
+          <p:cNvPr id="20" name="Picture 19">
+            <a:extLst>
+              <a:ext uri="{FF2B5EF4-FFF2-40B4-BE49-F238E27FC236}">
+                <a16:creationId xmlns:a16="http://schemas.microsoft.com/office/drawing/2014/main" id="{7574B472-5A0E-4391-A999-A850452FA5DE}"/>
+              </a:ext>
+            </a:extLst>
+          </p:cNvPr>
+          <p:cNvPicPr>
+            <a:picLocks noChangeAspect="1"/>
+          </p:cNvPicPr>
+          <p:nvPr/>
+        </p:nvPicPr>
+        <p:blipFill rotWithShape="1">
+          <a:blip r:embed="rId3"/>
+          <a:srcRect t="13667" b="11318"/>
+          <a:stretch/>
+        </p:blipFill>
+        <p:spPr>
+          <a:xfrm>
+            <a:off x="20" y="10"/>
+            <a:ext cx="12191980" cy="6859300"/>
+          </a:xfrm>
+          <a:prstGeom prst="rect">
+            <a:avLst/>
+          </a:prstGeom>
+        </p:spPr>
+      </p:pic>
+      <p:sp>
+        <p:nvSpPr>
+          <p:cNvPr id="28" name="Rectangle 27">
+            <a:extLst>
+              <a:ext uri="{FF2B5EF4-FFF2-40B4-BE49-F238E27FC236}">
+                <a16:creationId xmlns:a16="http://schemas.microsoft.com/office/drawing/2014/main" id="{310B1DD0-264A-47E3-A16A-C87AFA51E68A}"/>
+              </a:ext>
+              <a:ext uri="{C183D7F6-B498-43B3-948B-1728B52AA6E4}">
+                <adec:decorative xmlns:adec="http://schemas.microsoft.com/office/drawing/2017/decorative" val="1"/>
+              </a:ext>
+            </a:extLst>
+          </p:cNvPr>
+          <p:cNvSpPr>
+            <a:spLocks noGrp="1" noRot="1" noChangeAspect="1" noMove="1" noResize="1" noEditPoints="1" noAdjustHandles="1" noChangeArrowheads="1" noChangeShapeType="1" noTextEdit="1"/>
+          </p:cNvSpPr>
+          <p:nvPr>
+            <p:extLst>
+              <p:ext uri="{386F3935-93C4-4BCD-93E2-E3B085C9AB24}">
+                <p16:designElem xmlns:p16="http://schemas.microsoft.com/office/powerpoint/2015/main" val="1"/>
+              </p:ext>
+            </p:extLst>
+          </p:nvPr>
+        </p:nvSpPr>
+        <p:spPr bwMode="ltGray">
+          <a:xfrm>
+            <a:off x="-258" y="0"/>
+            <a:ext cx="12192000" cy="6858000"/>
+          </a:xfrm>
+          <a:prstGeom prst="rect">
+            <a:avLst/>
+          </a:prstGeom>
+          <a:gradFill flip="none" rotWithShape="1">
+            <a:gsLst>
+              <a:gs pos="20000">
+                <a:schemeClr val="tx2">
+                  <a:alpha val="70000"/>
+                </a:schemeClr>
+              </a:gs>
+              <a:gs pos="100000">
+                <a:schemeClr val="tx2"/>
+              </a:gs>
+            </a:gsLst>
+            <a:path path="circle">
+              <a:fillToRect l="50000" t="50000" r="50000" b="50000"/>
+            </a:path>
+            <a:tileRect/>
+          </a:gradFill>
+          <a:ln>
+            <a:noFill/>
+          </a:ln>
+        </p:spPr>
+        <p:style>
+          <a:lnRef idx="2">
+            <a:schemeClr val="accent1">
+              <a:shade val="50000"/>
+            </a:schemeClr>
+          </a:lnRef>
+          <a:fillRef idx="1">
+            <a:schemeClr val="accent1"/>
+          </a:fillRef>
+          <a:effectRef idx="0">
+            <a:schemeClr val="accent1"/>
+          </a:effectRef>
+          <a:fontRef idx="minor">
+            <a:schemeClr val="lt1"/>
+          </a:fontRef>
+        </p:style>
+        <p:txBody>
+          <a:bodyPr rtlCol="0" anchor="ctr"/>
+          <a:lstStyle/>
+          <a:p>
+            <a:pPr algn="ctr"/>
+            <a:endParaRPr lang="en-US"/>
+          </a:p>
+        </p:txBody>
+      </p:sp>
+      <p:sp>
+        <p:nvSpPr>
+          <p:cNvPr id="30" name="Freeform 6">
+            <a:extLst>
+              <a:ext uri="{FF2B5EF4-FFF2-40B4-BE49-F238E27FC236}">
+                <a16:creationId xmlns:a16="http://schemas.microsoft.com/office/drawing/2014/main" id="{69C1BB7B-F21E-41A2-B30C-D8507B960282}"/>
+              </a:ext>
+              <a:ext uri="{C183D7F6-B498-43B3-948B-1728B52AA6E4}">
+                <adec:decorative xmlns:adec="http://schemas.microsoft.com/office/drawing/2017/decorative" val="1"/>
+              </a:ext>
+            </a:extLst>
+          </p:cNvPr>
+          <p:cNvSpPr>
+            <a:spLocks noGrp="1" noRot="1" noChangeAspect="1" noMove="1" noResize="1" noEditPoints="1" noAdjustHandles="1" noChangeArrowheads="1" noChangeShapeType="1" noTextEdit="1"/>
+          </p:cNvSpPr>
+          <p:nvPr>
+            <p:extLst>
+              <p:ext uri="{386F3935-93C4-4BCD-93E2-E3B085C9AB24}">
+                <p16:designElem xmlns:p16="http://schemas.microsoft.com/office/powerpoint/2015/main" val="1"/>
+              </p:ext>
+            </p:extLst>
+          </p:nvPr>
+        </p:nvSpPr>
+        <p:spPr bwMode="auto">
+          <a:xfrm flipH="1" flipV="1">
+            <a:off x="752858" y="744469"/>
+            <a:ext cx="3275668" cy="4408488"/>
+          </a:xfrm>
+          <a:custGeom>
+            <a:avLst/>
+            <a:gdLst/>
+            <a:ahLst/>
+            <a:cxnLst/>
+            <a:rect l="l" t="t" r="r" b="b"/>
+            <a:pathLst>
+              <a:path w="10002" h="10000">
+                <a:moveTo>
+                  <a:pt x="8763" y="0"/>
+                </a:moveTo>
+                <a:lnTo>
+                  <a:pt x="10002" y="0"/>
+                </a:lnTo>
+                <a:lnTo>
+                  <a:pt x="10002" y="10000"/>
+                </a:lnTo>
+                <a:lnTo>
+                  <a:pt x="2" y="10000"/>
+                </a:lnTo>
+                <a:cubicBezTo>
+                  <a:pt x="-2" y="9698"/>
+                  <a:pt x="4" y="9427"/>
+                  <a:pt x="0" y="9125"/>
+                </a:cubicBezTo>
+                <a:lnTo>
+                  <a:pt x="8763" y="9128"/>
+                </a:lnTo>
+                <a:lnTo>
+                  <a:pt x="8763" y="0"/>
+                </a:lnTo>
+                <a:close/>
+              </a:path>
+            </a:pathLst>
+          </a:custGeom>
+          <a:solidFill>
+            <a:schemeClr val="bg2"/>
+          </a:solidFill>
+          <a:ln w="0">
+            <a:noFill/>
+            <a:prstDash val="solid"/>
+            <a:round/>
+            <a:headEnd/>
+            <a:tailEnd/>
+          </a:ln>
+        </p:spPr>
+      </p:sp>
+      <p:sp>
+        <p:nvSpPr>
+          <p:cNvPr id="32" name="Freeform 6">
+            <a:extLst>
+              <a:ext uri="{FF2B5EF4-FFF2-40B4-BE49-F238E27FC236}">
+                <a16:creationId xmlns:a16="http://schemas.microsoft.com/office/drawing/2014/main" id="{DF6D7DDE-F8A1-4105-9729-F9EB5F81A360}"/>
+              </a:ext>
+              <a:ext uri="{C183D7F6-B498-43B3-948B-1728B52AA6E4}">
+                <adec:decorative xmlns:adec="http://schemas.microsoft.com/office/drawing/2017/decorative" val="1"/>
+              </a:ext>
+            </a:extLst>
+          </p:cNvPr>
+          <p:cNvSpPr>
+            <a:spLocks noGrp="1" noRot="1" noChangeAspect="1" noMove="1" noResize="1" noEditPoints="1" noAdjustHandles="1" noChangeArrowheads="1" noChangeShapeType="1" noTextEdit="1"/>
+          </p:cNvSpPr>
+          <p:nvPr>
+            <p:extLst>
+              <p:ext uri="{386F3935-93C4-4BCD-93E2-E3B085C9AB24}">
+                <p16:designElem xmlns:p16="http://schemas.microsoft.com/office/powerpoint/2015/main" val="1"/>
+              </p:ext>
+            </p:extLst>
+          </p:nvPr>
+        </p:nvSpPr>
+        <p:spPr bwMode="auto">
+          <a:xfrm>
+            <a:off x="8151962" y="1685652"/>
+            <a:ext cx="3275013" cy="4408488"/>
+          </a:xfrm>
+          <a:custGeom>
+            <a:avLst/>
+            <a:gdLst/>
+            <a:ahLst/>
+            <a:cxnLst/>
+            <a:rect l="l" t="t" r="r" b="b"/>
+            <a:pathLst>
+              <a:path w="10000" h="10000">
+                <a:moveTo>
+                  <a:pt x="8761" y="0"/>
+                </a:moveTo>
+                <a:lnTo>
+                  <a:pt x="10000" y="0"/>
+                </a:lnTo>
+                <a:lnTo>
+                  <a:pt x="10000" y="10000"/>
+                </a:lnTo>
+                <a:lnTo>
+                  <a:pt x="0" y="10000"/>
+                </a:lnTo>
+                <a:lnTo>
+                  <a:pt x="0" y="9126"/>
+                </a:lnTo>
+                <a:lnTo>
+                  <a:pt x="8761" y="9127"/>
+                </a:lnTo>
+                <a:lnTo>
+                  <a:pt x="8761" y="0"/>
+                </a:lnTo>
+                <a:close/>
+              </a:path>
+            </a:pathLst>
+          </a:custGeom>
+          <a:solidFill>
+            <a:schemeClr val="bg2"/>
+          </a:solidFill>
+          <a:ln w="0">
+            <a:noFill/>
+            <a:prstDash val="solid"/>
+            <a:round/>
+            <a:headEnd/>
+            <a:tailEnd/>
+          </a:ln>
+        </p:spPr>
+      </p:sp>
+      <p:sp>
+        <p:nvSpPr>
+          <p:cNvPr id="3" name="Title 2">
+            <a:extLst>
+              <a:ext uri="{FF2B5EF4-FFF2-40B4-BE49-F238E27FC236}">
+                <a16:creationId xmlns:a16="http://schemas.microsoft.com/office/drawing/2014/main" id="{B8B8ECDE-11F7-4D3C-96E5-5E7F79741AEC}"/>
+              </a:ext>
+            </a:extLst>
+          </p:cNvPr>
+          <p:cNvSpPr>
+            <a:spLocks noGrp="1"/>
+          </p:cNvSpPr>
+          <p:nvPr>
+            <p:ph type="title"/>
+          </p:nvPr>
+        </p:nvSpPr>
+        <p:spPr>
+          <a:xfrm>
+            <a:off x="1915128" y="1788454"/>
+            <a:ext cx="8361229" cy="2098226"/>
+          </a:xfrm>
+        </p:spPr>
+        <p:txBody>
+          <a:bodyPr vert="horz" lIns="91440" tIns="45720" rIns="91440" bIns="45720" rtlCol="0" anchor="b">
+            <a:normAutofit/>
+          </a:bodyPr>
+          <a:lstStyle/>
+          <a:p>
+            <a:pPr algn="ctr"/>
+            <a:r>
+              <a:rPr lang="en-US" sz="5600" cap="all" dirty="0">
+                <a:solidFill>
+                  <a:schemeClr val="bg2"/>
+                </a:solidFill>
+              </a:rPr>
+              <a:t>OPTION 4 – ALL OF THE ABOVE !!!!!</a:t>
+            </a:r>
+          </a:p>
+        </p:txBody>
+      </p:sp>
+    </p:spTree>
+    <p:extLst>
+      <p:ext uri="{BB962C8B-B14F-4D97-AF65-F5344CB8AC3E}">
+        <p14:creationId xmlns:p14="http://schemas.microsoft.com/office/powerpoint/2010/main" val="4283340550"/>
+      </p:ext>
+    </p:extLst>
+  </p:cSld>
+  <p:clrMapOvr>
+    <a:masterClrMapping/>
+  </p:clrMapOvr>
+</p:sld>
+</file>
+
+<file path=ppt/slides/slide14.xml><?xml version="1.0" encoding="utf-8"?>
 <p:sld xmlns:a="http://schemas.openxmlformats.org/drawingml/2006/main" xmlns:r="http://schemas.openxmlformats.org/officeDocument/2006/relationships" xmlns:p="http://schemas.openxmlformats.org/presentationml/2006/main">
   <p:cSld>
     <p:bg>
@@ -5180,7 +7024,7 @@
                   <a:srgbClr val="FFFFFF"/>
                 </a:solidFill>
               </a:rPr>
-              <a:t>HOW WILL THIS SOLUTION IMPROVE THE EDUCATION SYSTEM?</a:t>
+              <a:t>HOW WILL these SOLUTIONs IMPROVE THE EDUCATION SYSTEM?</a:t>
             </a:r>
           </a:p>
         </p:txBody>
@@ -5381,7 +7225,1462 @@
 </p:sld>
 </file>
 
-<file path=ppt/slides/slide14.xml><?xml version="1.0" encoding="utf-8"?>
+<file path=ppt/slides/slide15.xml><?xml version="1.0" encoding="utf-8"?>
+<p:sld xmlns:a="http://schemas.openxmlformats.org/drawingml/2006/main" xmlns:r="http://schemas.openxmlformats.org/officeDocument/2006/relationships" xmlns:p="http://schemas.openxmlformats.org/presentationml/2006/main">
+  <p:cSld>
+    <p:spTree>
+      <p:nvGrpSpPr>
+        <p:cNvPr id="1" name=""/>
+        <p:cNvGrpSpPr/>
+        <p:nvPr/>
+      </p:nvGrpSpPr>
+      <p:grpSpPr>
+        <a:xfrm>
+          <a:off x="0" y="0"/>
+          <a:ext cx="0" cy="0"/>
+          <a:chOff x="0" y="0"/>
+          <a:chExt cx="0" cy="0"/>
+        </a:xfrm>
+      </p:grpSpPr>
+      <p:sp>
+        <p:nvSpPr>
+          <p:cNvPr id="3" name="Title 2">
+            <a:extLst>
+              <a:ext uri="{FF2B5EF4-FFF2-40B4-BE49-F238E27FC236}">
+                <a16:creationId xmlns:a16="http://schemas.microsoft.com/office/drawing/2014/main" id="{7A12CC6C-B850-4CA2-9231-900672BAA7B7}"/>
+              </a:ext>
+            </a:extLst>
+          </p:cNvPr>
+          <p:cNvSpPr>
+            <a:spLocks noGrp="1"/>
+          </p:cNvSpPr>
+          <p:nvPr>
+            <p:ph type="title"/>
+          </p:nvPr>
+        </p:nvSpPr>
+        <p:spPr/>
+        <p:txBody>
+          <a:bodyPr/>
+          <a:lstStyle/>
+          <a:p>
+            <a:r>
+              <a:rPr lang="en-US" dirty="0"/>
+              <a:t>OPTION 1 – More trade school degrees</a:t>
+            </a:r>
+          </a:p>
+        </p:txBody>
+      </p:sp>
+      <p:sp>
+        <p:nvSpPr>
+          <p:cNvPr id="4" name="Content Placeholder 3">
+            <a:extLst>
+              <a:ext uri="{FF2B5EF4-FFF2-40B4-BE49-F238E27FC236}">
+                <a16:creationId xmlns:a16="http://schemas.microsoft.com/office/drawing/2014/main" id="{E2F6A9E8-A996-4B9C-9EB5-1B366E46AF5C}"/>
+              </a:ext>
+            </a:extLst>
+          </p:cNvPr>
+          <p:cNvSpPr>
+            <a:spLocks noGrp="1"/>
+          </p:cNvSpPr>
+          <p:nvPr>
+            <p:ph sz="half" idx="1"/>
+          </p:nvPr>
+        </p:nvSpPr>
+        <p:spPr/>
+        <p:txBody>
+          <a:bodyPr/>
+          <a:lstStyle/>
+          <a:p>
+            <a:r>
+              <a:rPr lang="en-US" dirty="0"/>
+              <a:t>2 years (more time to work)</a:t>
+            </a:r>
+          </a:p>
+          <a:p>
+            <a:r>
+              <a:rPr lang="en-US" dirty="0"/>
+              <a:t>Lower average cost</a:t>
+            </a:r>
+          </a:p>
+          <a:p>
+            <a:r>
+              <a:rPr lang="en-US" dirty="0"/>
+              <a:t>In person, hands on learning</a:t>
+            </a:r>
+          </a:p>
+          <a:p>
+            <a:r>
+              <a:rPr lang="en-US" dirty="0"/>
+              <a:t>Lower dropout rate</a:t>
+            </a:r>
+          </a:p>
+          <a:p>
+            <a:endParaRPr lang="en-US" dirty="0"/>
+          </a:p>
+          <a:p>
+            <a:endParaRPr lang="en-US" dirty="0"/>
+          </a:p>
+        </p:txBody>
+      </p:sp>
+      <p:pic>
+        <p:nvPicPr>
+          <p:cNvPr id="11" name="Content Placeholder 10" descr="A screenshot of a cell phone&#10;&#10;Description automatically generated">
+            <a:extLst>
+              <a:ext uri="{FF2B5EF4-FFF2-40B4-BE49-F238E27FC236}">
+                <a16:creationId xmlns:a16="http://schemas.microsoft.com/office/drawing/2014/main" id="{9EC35628-D1C0-4971-8D6F-DF96A4632BD6}"/>
+              </a:ext>
+            </a:extLst>
+          </p:cNvPr>
+          <p:cNvPicPr>
+            <a:picLocks noGrp="1" noChangeAspect="1"/>
+          </p:cNvPicPr>
+          <p:nvPr>
+            <p:ph sz="half" idx="2"/>
+          </p:nvPr>
+        </p:nvPicPr>
+        <p:blipFill>
+          <a:blip r:embed="rId2">
+            <a:extLst>
+              <a:ext uri="{28A0092B-C50C-407E-A947-70E740481C1C}">
+                <a14:useLocalDpi xmlns:a14="http://schemas.microsoft.com/office/drawing/2010/main" val="0"/>
+              </a:ext>
+            </a:extLst>
+          </a:blip>
+          <a:stretch>
+            <a:fillRect/>
+          </a:stretch>
+        </p:blipFill>
+        <p:spPr>
+          <a:xfrm>
+            <a:off x="6714199" y="1612088"/>
+            <a:ext cx="4789369" cy="4797392"/>
+          </a:xfrm>
+        </p:spPr>
+      </p:pic>
+    </p:spTree>
+    <p:extLst>
+      <p:ext uri="{BB962C8B-B14F-4D97-AF65-F5344CB8AC3E}">
+        <p14:creationId xmlns:p14="http://schemas.microsoft.com/office/powerpoint/2010/main" val="1964530449"/>
+      </p:ext>
+    </p:extLst>
+  </p:cSld>
+  <p:clrMapOvr>
+    <a:masterClrMapping/>
+  </p:clrMapOvr>
+</p:sld>
+</file>
+
+<file path=ppt/slides/slide16.xml><?xml version="1.0" encoding="utf-8"?>
+<p:sld xmlns:a="http://schemas.openxmlformats.org/drawingml/2006/main" xmlns:r="http://schemas.openxmlformats.org/officeDocument/2006/relationships" xmlns:p="http://schemas.openxmlformats.org/presentationml/2006/main">
+  <p:cSld>
+    <p:bg>
+      <p:bgPr>
+        <a:solidFill>
+          <a:schemeClr val="bg2"/>
+        </a:solidFill>
+        <a:effectLst/>
+      </p:bgPr>
+    </p:bg>
+    <p:spTree>
+      <p:nvGrpSpPr>
+        <p:cNvPr id="1" name=""/>
+        <p:cNvGrpSpPr/>
+        <p:nvPr/>
+      </p:nvGrpSpPr>
+      <p:grpSpPr>
+        <a:xfrm>
+          <a:off x="0" y="0"/>
+          <a:ext cx="0" cy="0"/>
+          <a:chOff x="0" y="0"/>
+          <a:chExt cx="0" cy="0"/>
+        </a:xfrm>
+      </p:grpSpPr>
+      <p:sp>
+        <p:nvSpPr>
+          <p:cNvPr id="8" name="Rectangle 7">
+            <a:extLst>
+              <a:ext uri="{FF2B5EF4-FFF2-40B4-BE49-F238E27FC236}">
+                <a16:creationId xmlns:a16="http://schemas.microsoft.com/office/drawing/2014/main" id="{69805AF4-7989-43AB-9A60-14E3F851FB30}"/>
+              </a:ext>
+              <a:ext uri="{C183D7F6-B498-43B3-948B-1728B52AA6E4}">
+                <adec:decorative xmlns:adec="http://schemas.microsoft.com/office/drawing/2017/decorative" val="1"/>
+              </a:ext>
+            </a:extLst>
+          </p:cNvPr>
+          <p:cNvSpPr>
+            <a:spLocks noGrp="1" noRot="1" noChangeAspect="1" noMove="1" noResize="1" noEditPoints="1" noAdjustHandles="1" noChangeArrowheads="1" noChangeShapeType="1" noTextEdit="1"/>
+          </p:cNvSpPr>
+          <p:nvPr>
+            <p:extLst>
+              <p:ext uri="{386F3935-93C4-4BCD-93E2-E3B085C9AB24}">
+                <p16:designElem xmlns:p16="http://schemas.microsoft.com/office/powerpoint/2015/main" val="1"/>
+              </p:ext>
+            </p:extLst>
+          </p:nvPr>
+        </p:nvSpPr>
+        <p:spPr>
+          <a:xfrm>
+            <a:off x="0" y="0"/>
+            <a:ext cx="12192000" cy="6858000"/>
+          </a:xfrm>
+          <a:prstGeom prst="rect">
+            <a:avLst/>
+          </a:prstGeom>
+          <a:solidFill>
+            <a:srgbClr val="2B2F6B"/>
+          </a:solidFill>
+          <a:ln>
+            <a:noFill/>
+          </a:ln>
+        </p:spPr>
+        <p:style>
+          <a:lnRef idx="2">
+            <a:schemeClr val="accent1">
+              <a:shade val="50000"/>
+            </a:schemeClr>
+          </a:lnRef>
+          <a:fillRef idx="1">
+            <a:schemeClr val="accent1"/>
+          </a:fillRef>
+          <a:effectRef idx="0">
+            <a:schemeClr val="accent1"/>
+          </a:effectRef>
+          <a:fontRef idx="minor">
+            <a:schemeClr val="lt1"/>
+          </a:fontRef>
+        </p:style>
+        <p:txBody>
+          <a:bodyPr rtlCol="0" anchor="ctr"/>
+          <a:lstStyle/>
+          <a:p>
+            <a:pPr algn="ctr"/>
+            <a:endParaRPr lang="en-US"/>
+          </a:p>
+        </p:txBody>
+      </p:sp>
+      <p:sp>
+        <p:nvSpPr>
+          <p:cNvPr id="10" name="Rectangle 9">
+            <a:extLst>
+              <a:ext uri="{FF2B5EF4-FFF2-40B4-BE49-F238E27FC236}">
+                <a16:creationId xmlns:a16="http://schemas.microsoft.com/office/drawing/2014/main" id="{E0036B63-B0EC-4AF3-95D3-2E2DCA25FBC6}"/>
+              </a:ext>
+              <a:ext uri="{C183D7F6-B498-43B3-948B-1728B52AA6E4}">
+                <adec:decorative xmlns:adec="http://schemas.microsoft.com/office/drawing/2017/decorative" val="1"/>
+              </a:ext>
+            </a:extLst>
+          </p:cNvPr>
+          <p:cNvSpPr>
+            <a:spLocks noGrp="1" noRot="1" noChangeAspect="1" noMove="1" noResize="1" noEditPoints="1" noAdjustHandles="1" noChangeArrowheads="1" noChangeShapeType="1" noTextEdit="1"/>
+          </p:cNvSpPr>
+          <p:nvPr>
+            <p:extLst>
+              <p:ext uri="{386F3935-93C4-4BCD-93E2-E3B085C9AB24}">
+                <p16:designElem xmlns:p16="http://schemas.microsoft.com/office/powerpoint/2015/main" val="1"/>
+              </p:ext>
+            </p:extLst>
+          </p:nvPr>
+        </p:nvSpPr>
+        <p:spPr>
+          <a:xfrm>
+            <a:off x="477012" y="480060"/>
+            <a:ext cx="11237976" cy="5897880"/>
+          </a:xfrm>
+          <a:prstGeom prst="rect">
+            <a:avLst/>
+          </a:prstGeom>
+          <a:solidFill>
+            <a:srgbClr val="FFFFFF"/>
+          </a:solidFill>
+          <a:ln>
+            <a:noFill/>
+          </a:ln>
+        </p:spPr>
+        <p:style>
+          <a:lnRef idx="2">
+            <a:schemeClr val="accent1">
+              <a:shade val="50000"/>
+            </a:schemeClr>
+          </a:lnRef>
+          <a:fillRef idx="1">
+            <a:schemeClr val="accent1"/>
+          </a:fillRef>
+          <a:effectRef idx="0">
+            <a:schemeClr val="accent1"/>
+          </a:effectRef>
+          <a:fontRef idx="minor">
+            <a:schemeClr val="lt1"/>
+          </a:fontRef>
+        </p:style>
+        <p:txBody>
+          <a:bodyPr rtlCol="0" anchor="ctr"/>
+          <a:lstStyle/>
+          <a:p>
+            <a:pPr algn="ctr"/>
+            <a:endParaRPr lang="en-US"/>
+          </a:p>
+        </p:txBody>
+      </p:sp>
+      <p:pic>
+        <p:nvPicPr>
+          <p:cNvPr id="3" name="Picture 2" descr="A screenshot of a cell phone&#10;&#10;Description automatically generated">
+            <a:extLst>
+              <a:ext uri="{FF2B5EF4-FFF2-40B4-BE49-F238E27FC236}">
+                <a16:creationId xmlns:a16="http://schemas.microsoft.com/office/drawing/2014/main" id="{26082C5F-F966-45EC-9D93-87B4B049A058}"/>
+              </a:ext>
+            </a:extLst>
+          </p:cNvPr>
+          <p:cNvPicPr>
+            <a:picLocks noChangeAspect="1"/>
+          </p:cNvPicPr>
+          <p:nvPr/>
+        </p:nvPicPr>
+        <p:blipFill>
+          <a:blip r:embed="rId2">
+            <a:extLst>
+              <a:ext uri="{28A0092B-C50C-407E-A947-70E740481C1C}">
+                <a14:useLocalDpi xmlns:a14="http://schemas.microsoft.com/office/drawing/2010/main" val="0"/>
+              </a:ext>
+            </a:extLst>
+          </a:blip>
+          <a:stretch>
+            <a:fillRect/>
+          </a:stretch>
+        </p:blipFill>
+        <p:spPr>
+          <a:xfrm>
+            <a:off x="3467100" y="800100"/>
+            <a:ext cx="5257801" cy="5257801"/>
+          </a:xfrm>
+          <a:prstGeom prst="rect">
+            <a:avLst/>
+          </a:prstGeom>
+        </p:spPr>
+      </p:pic>
+    </p:spTree>
+    <p:extLst>
+      <p:ext uri="{BB962C8B-B14F-4D97-AF65-F5344CB8AC3E}">
+        <p14:creationId xmlns:p14="http://schemas.microsoft.com/office/powerpoint/2010/main" val="1603114761"/>
+      </p:ext>
+    </p:extLst>
+  </p:cSld>
+  <p:clrMapOvr>
+    <a:masterClrMapping/>
+  </p:clrMapOvr>
+</p:sld>
+</file>
+
+<file path=ppt/slides/slide17.xml><?xml version="1.0" encoding="utf-8"?>
+<p:sld xmlns:a="http://schemas.openxmlformats.org/drawingml/2006/main" xmlns:r="http://schemas.openxmlformats.org/officeDocument/2006/relationships" xmlns:p="http://schemas.openxmlformats.org/presentationml/2006/main">
+  <p:cSld>
+    <p:bg>
+      <p:bgPr>
+        <a:solidFill>
+          <a:schemeClr val="bg2"/>
+        </a:solidFill>
+        <a:effectLst/>
+      </p:bgPr>
+    </p:bg>
+    <p:spTree>
+      <p:nvGrpSpPr>
+        <p:cNvPr id="1" name=""/>
+        <p:cNvGrpSpPr/>
+        <p:nvPr/>
+      </p:nvGrpSpPr>
+      <p:grpSpPr>
+        <a:xfrm>
+          <a:off x="0" y="0"/>
+          <a:ext cx="0" cy="0"/>
+          <a:chOff x="0" y="0"/>
+          <a:chExt cx="0" cy="0"/>
+        </a:xfrm>
+      </p:grpSpPr>
+      <p:sp>
+        <p:nvSpPr>
+          <p:cNvPr id="71" name="Rectangle 70">
+            <a:extLst>
+              <a:ext uri="{FF2B5EF4-FFF2-40B4-BE49-F238E27FC236}">
+                <a16:creationId xmlns:a16="http://schemas.microsoft.com/office/drawing/2014/main" id="{C8E50D4F-7A5A-4BF8-A5ED-67765D3AAC3E}"/>
+              </a:ext>
+              <a:ext uri="{C183D7F6-B498-43B3-948B-1728B52AA6E4}">
+                <adec:decorative xmlns:adec="http://schemas.microsoft.com/office/drawing/2017/decorative" val="1"/>
+              </a:ext>
+            </a:extLst>
+          </p:cNvPr>
+          <p:cNvSpPr>
+            <a:spLocks noGrp="1" noRot="1" noChangeAspect="1" noMove="1" noResize="1" noEditPoints="1" noAdjustHandles="1" noChangeArrowheads="1" noChangeShapeType="1" noTextEdit="1"/>
+          </p:cNvSpPr>
+          <p:nvPr>
+            <p:extLst>
+              <p:ext uri="{386F3935-93C4-4BCD-93E2-E3B085C9AB24}">
+                <p16:designElem xmlns:p16="http://schemas.microsoft.com/office/powerpoint/2015/main" val="1"/>
+              </p:ext>
+            </p:extLst>
+          </p:nvPr>
+        </p:nvSpPr>
+        <p:spPr>
+          <a:xfrm>
+            <a:off x="0" y="0"/>
+            <a:ext cx="12192000" cy="6858000"/>
+          </a:xfrm>
+          <a:prstGeom prst="rect">
+            <a:avLst/>
+          </a:prstGeom>
+          <a:solidFill>
+            <a:schemeClr val="bg2"/>
+          </a:solidFill>
+          <a:ln>
+            <a:noFill/>
+          </a:ln>
+        </p:spPr>
+        <p:style>
+          <a:lnRef idx="2">
+            <a:schemeClr val="accent1">
+              <a:shade val="50000"/>
+            </a:schemeClr>
+          </a:lnRef>
+          <a:fillRef idx="1">
+            <a:schemeClr val="accent1"/>
+          </a:fillRef>
+          <a:effectRef idx="0">
+            <a:schemeClr val="accent1"/>
+          </a:effectRef>
+          <a:fontRef idx="minor">
+            <a:schemeClr val="lt1"/>
+          </a:fontRef>
+        </p:style>
+        <p:txBody>
+          <a:bodyPr rtlCol="0" anchor="ctr"/>
+          <a:lstStyle/>
+          <a:p>
+            <a:pPr algn="ctr"/>
+            <a:endParaRPr lang="en-US"/>
+          </a:p>
+        </p:txBody>
+      </p:sp>
+      <p:sp>
+        <p:nvSpPr>
+          <p:cNvPr id="73" name="Rectangle 72">
+            <a:extLst>
+              <a:ext uri="{FF2B5EF4-FFF2-40B4-BE49-F238E27FC236}">
+                <a16:creationId xmlns:a16="http://schemas.microsoft.com/office/drawing/2014/main" id="{1A2BA875-DA32-4243-91A6-470E0A0A45B9}"/>
+              </a:ext>
+              <a:ext uri="{C183D7F6-B498-43B3-948B-1728B52AA6E4}">
+                <adec:decorative xmlns:adec="http://schemas.microsoft.com/office/drawing/2017/decorative" val="1"/>
+              </a:ext>
+            </a:extLst>
+          </p:cNvPr>
+          <p:cNvSpPr>
+            <a:spLocks noGrp="1" noRot="1" noChangeAspect="1" noMove="1" noResize="1" noEditPoints="1" noAdjustHandles="1" noChangeArrowheads="1" noChangeShapeType="1" noTextEdit="1"/>
+          </p:cNvSpPr>
+          <p:nvPr>
+            <p:extLst>
+              <p:ext uri="{386F3935-93C4-4BCD-93E2-E3B085C9AB24}">
+                <p16:designElem xmlns:p16="http://schemas.microsoft.com/office/powerpoint/2015/main" val="1"/>
+              </p:ext>
+            </p:extLst>
+          </p:nvPr>
+        </p:nvSpPr>
+        <p:spPr>
+          <a:xfrm>
+            <a:off x="477012" y="480060"/>
+            <a:ext cx="11237976" cy="5897880"/>
+          </a:xfrm>
+          <a:prstGeom prst="rect">
+            <a:avLst/>
+          </a:prstGeom>
+          <a:solidFill>
+            <a:srgbClr val="FFFFFF"/>
+          </a:solidFill>
+          <a:ln w="9525">
+            <a:noFill/>
+          </a:ln>
+          <a:effectLst>
+            <a:outerShdw blurRad="63500" dist="17780" dir="5400000" algn="t" rotWithShape="0">
+              <a:prstClr val="black">
+                <a:alpha val="43000"/>
+              </a:prstClr>
+            </a:outerShdw>
+          </a:effectLst>
+        </p:spPr>
+        <p:style>
+          <a:lnRef idx="2">
+            <a:schemeClr val="accent1">
+              <a:shade val="50000"/>
+            </a:schemeClr>
+          </a:lnRef>
+          <a:fillRef idx="1">
+            <a:schemeClr val="accent1"/>
+          </a:fillRef>
+          <a:effectRef idx="0">
+            <a:schemeClr val="accent1"/>
+          </a:effectRef>
+          <a:fontRef idx="minor">
+            <a:schemeClr val="lt1"/>
+          </a:fontRef>
+        </p:style>
+        <p:txBody>
+          <a:bodyPr rtlCol="0" anchor="ctr"/>
+          <a:lstStyle/>
+          <a:p>
+            <a:pPr algn="ctr"/>
+            <a:endParaRPr lang="en-US"/>
+          </a:p>
+        </p:txBody>
+      </p:sp>
+      <p:pic>
+        <p:nvPicPr>
+          <p:cNvPr id="6146" name="Picture 2" descr="Average Cost of College in America - ValuePenguin">
+            <a:extLst>
+              <a:ext uri="{FF2B5EF4-FFF2-40B4-BE49-F238E27FC236}">
+                <a16:creationId xmlns:a16="http://schemas.microsoft.com/office/drawing/2014/main" id="{01A84D3A-7BD0-425C-AD3D-CB37AC59FE5A}"/>
+              </a:ext>
+            </a:extLst>
+          </p:cNvPr>
+          <p:cNvPicPr>
+            <a:picLocks noChangeAspect="1" noChangeArrowheads="1"/>
+          </p:cNvPicPr>
+          <p:nvPr/>
+        </p:nvPicPr>
+        <p:blipFill>
+          <a:blip r:embed="rId2">
+            <a:extLst>
+              <a:ext uri="{28A0092B-C50C-407E-A947-70E740481C1C}">
+                <a14:useLocalDpi xmlns:a14="http://schemas.microsoft.com/office/drawing/2010/main" val="0"/>
+              </a:ext>
+            </a:extLst>
+          </a:blip>
+          <a:stretch>
+            <a:fillRect/>
+          </a:stretch>
+        </p:blipFill>
+        <p:spPr bwMode="auto">
+          <a:xfrm>
+            <a:off x="1535016" y="800100"/>
+            <a:ext cx="9121968" cy="5257801"/>
+          </a:xfrm>
+          <a:prstGeom prst="rect">
+            <a:avLst/>
+          </a:prstGeom>
+          <a:noFill/>
+          <a:extLst>
+            <a:ext uri="{909E8E84-426E-40DD-AFC4-6F175D3DCCD1}">
+              <a14:hiddenFill xmlns:a14="http://schemas.microsoft.com/office/drawing/2010/main">
+                <a:solidFill>
+                  <a:srgbClr val="FFFFFF"/>
+                </a:solidFill>
+              </a14:hiddenFill>
+            </a:ext>
+          </a:extLst>
+        </p:spPr>
+      </p:pic>
+    </p:spTree>
+    <p:extLst>
+      <p:ext uri="{BB962C8B-B14F-4D97-AF65-F5344CB8AC3E}">
+        <p14:creationId xmlns:p14="http://schemas.microsoft.com/office/powerpoint/2010/main" val="232245670"/>
+      </p:ext>
+    </p:extLst>
+  </p:cSld>
+  <p:clrMapOvr>
+    <a:masterClrMapping/>
+  </p:clrMapOvr>
+</p:sld>
+</file>
+
+<file path=ppt/slides/slide18.xml><?xml version="1.0" encoding="utf-8"?>
+<p:sld xmlns:a="http://schemas.openxmlformats.org/drawingml/2006/main" xmlns:r="http://schemas.openxmlformats.org/officeDocument/2006/relationships" xmlns:p="http://schemas.openxmlformats.org/presentationml/2006/main">
+  <p:cSld>
+    <p:spTree>
+      <p:nvGrpSpPr>
+        <p:cNvPr id="1" name=""/>
+        <p:cNvGrpSpPr/>
+        <p:nvPr/>
+      </p:nvGrpSpPr>
+      <p:grpSpPr>
+        <a:xfrm>
+          <a:off x="0" y="0"/>
+          <a:ext cx="0" cy="0"/>
+          <a:chOff x="0" y="0"/>
+          <a:chExt cx="0" cy="0"/>
+        </a:xfrm>
+      </p:grpSpPr>
+      <p:sp>
+        <p:nvSpPr>
+          <p:cNvPr id="3" name="Title 2">
+            <a:extLst>
+              <a:ext uri="{FF2B5EF4-FFF2-40B4-BE49-F238E27FC236}">
+                <a16:creationId xmlns:a16="http://schemas.microsoft.com/office/drawing/2014/main" id="{7A12CC6C-B850-4CA2-9231-900672BAA7B7}"/>
+              </a:ext>
+            </a:extLst>
+          </p:cNvPr>
+          <p:cNvSpPr>
+            <a:spLocks noGrp="1"/>
+          </p:cNvSpPr>
+          <p:nvPr>
+            <p:ph type="title"/>
+          </p:nvPr>
+        </p:nvSpPr>
+        <p:spPr/>
+        <p:txBody>
+          <a:bodyPr/>
+          <a:lstStyle/>
+          <a:p>
+            <a:r>
+              <a:rPr lang="en-US" dirty="0"/>
+              <a:t>OPTION 2 – Format change</a:t>
+            </a:r>
+          </a:p>
+        </p:txBody>
+      </p:sp>
+      <p:sp>
+        <p:nvSpPr>
+          <p:cNvPr id="4" name="Content Placeholder 3">
+            <a:extLst>
+              <a:ext uri="{FF2B5EF4-FFF2-40B4-BE49-F238E27FC236}">
+                <a16:creationId xmlns:a16="http://schemas.microsoft.com/office/drawing/2014/main" id="{E2F6A9E8-A996-4B9C-9EB5-1B366E46AF5C}"/>
+              </a:ext>
+            </a:extLst>
+          </p:cNvPr>
+          <p:cNvSpPr>
+            <a:spLocks noGrp="1"/>
+          </p:cNvSpPr>
+          <p:nvPr>
+            <p:ph sz="half" idx="1"/>
+          </p:nvPr>
+        </p:nvSpPr>
+        <p:spPr/>
+        <p:txBody>
+          <a:bodyPr>
+            <a:normAutofit lnSpcReduction="10000"/>
+          </a:bodyPr>
+          <a:lstStyle/>
+          <a:p>
+            <a:r>
+              <a:rPr lang="en-US" dirty="0"/>
+              <a:t>First year no official declared degree</a:t>
+            </a:r>
+          </a:p>
+          <a:p>
+            <a:r>
+              <a:rPr lang="en-US" dirty="0"/>
+              <a:t>1 year of required classes about how to “life” (economics, civics, mental health, food &amp; nutrition, etc.)</a:t>
+            </a:r>
+          </a:p>
+          <a:p>
+            <a:r>
+              <a:rPr lang="en-US" dirty="0"/>
+              <a:t>After first year you declare degree path. </a:t>
+            </a:r>
+          </a:p>
+          <a:p>
+            <a:r>
+              <a:rPr lang="en-US" dirty="0"/>
+              <a:t>Allows for students to learn more about the world. </a:t>
+            </a:r>
+          </a:p>
+          <a:p>
+            <a:r>
+              <a:rPr lang="en-US" dirty="0"/>
+              <a:t>4 years in total</a:t>
+            </a:r>
+          </a:p>
+          <a:p>
+            <a:endParaRPr lang="en-US" dirty="0"/>
+          </a:p>
+          <a:p>
+            <a:endParaRPr lang="en-US" dirty="0"/>
+          </a:p>
+          <a:p>
+            <a:endParaRPr lang="en-US" dirty="0"/>
+          </a:p>
+        </p:txBody>
+      </p:sp>
+      <p:pic>
+        <p:nvPicPr>
+          <p:cNvPr id="15" name="Content Placeholder 14" descr="A screenshot of a cell phone&#10;&#10;Description automatically generated">
+            <a:extLst>
+              <a:ext uri="{FF2B5EF4-FFF2-40B4-BE49-F238E27FC236}">
+                <a16:creationId xmlns:a16="http://schemas.microsoft.com/office/drawing/2014/main" id="{45FBD069-E11B-4285-8EFB-CCAC3A81BF09}"/>
+              </a:ext>
+            </a:extLst>
+          </p:cNvPr>
+          <p:cNvPicPr>
+            <a:picLocks noGrp="1" noChangeAspect="1"/>
+          </p:cNvPicPr>
+          <p:nvPr>
+            <p:ph sz="half" idx="2"/>
+          </p:nvPr>
+        </p:nvPicPr>
+        <p:blipFill>
+          <a:blip r:embed="rId3">
+            <a:extLst>
+              <a:ext uri="{28A0092B-C50C-407E-A947-70E740481C1C}">
+                <a14:useLocalDpi xmlns:a14="http://schemas.microsoft.com/office/drawing/2010/main" val="0"/>
+              </a:ext>
+            </a:extLst>
+          </a:blip>
+          <a:stretch>
+            <a:fillRect/>
+          </a:stretch>
+        </p:blipFill>
+        <p:spPr>
+          <a:xfrm>
+            <a:off x="7945820" y="1533195"/>
+            <a:ext cx="3815255" cy="5087007"/>
+          </a:xfrm>
+        </p:spPr>
+      </p:pic>
+    </p:spTree>
+    <p:extLst>
+      <p:ext uri="{BB962C8B-B14F-4D97-AF65-F5344CB8AC3E}">
+        <p14:creationId xmlns:p14="http://schemas.microsoft.com/office/powerpoint/2010/main" val="180117884"/>
+      </p:ext>
+    </p:extLst>
+  </p:cSld>
+  <p:clrMapOvr>
+    <a:masterClrMapping/>
+  </p:clrMapOvr>
+</p:sld>
+</file>
+
+<file path=ppt/slides/slide19.xml><?xml version="1.0" encoding="utf-8"?>
+<p:sld xmlns:a="http://schemas.openxmlformats.org/drawingml/2006/main" xmlns:r="http://schemas.openxmlformats.org/officeDocument/2006/relationships" xmlns:p="http://schemas.openxmlformats.org/presentationml/2006/main">
+  <p:cSld>
+    <p:spTree>
+      <p:nvGrpSpPr>
+        <p:cNvPr id="1" name=""/>
+        <p:cNvGrpSpPr/>
+        <p:nvPr/>
+      </p:nvGrpSpPr>
+      <p:grpSpPr>
+        <a:xfrm>
+          <a:off x="0" y="0"/>
+          <a:ext cx="0" cy="0"/>
+          <a:chOff x="0" y="0"/>
+          <a:chExt cx="0" cy="0"/>
+        </a:xfrm>
+      </p:grpSpPr>
+      <p:sp>
+        <p:nvSpPr>
+          <p:cNvPr id="3" name="Title 2">
+            <a:extLst>
+              <a:ext uri="{FF2B5EF4-FFF2-40B4-BE49-F238E27FC236}">
+                <a16:creationId xmlns:a16="http://schemas.microsoft.com/office/drawing/2014/main" id="{7A12CC6C-B850-4CA2-9231-900672BAA7B7}"/>
+              </a:ext>
+            </a:extLst>
+          </p:cNvPr>
+          <p:cNvSpPr>
+            <a:spLocks noGrp="1"/>
+          </p:cNvSpPr>
+          <p:nvPr>
+            <p:ph type="title"/>
+          </p:nvPr>
+        </p:nvSpPr>
+        <p:spPr/>
+        <p:txBody>
+          <a:bodyPr/>
+          <a:lstStyle/>
+          <a:p>
+            <a:r>
+              <a:rPr lang="en-US" dirty="0"/>
+              <a:t>OPTION 3 – Update degree’s</a:t>
+            </a:r>
+          </a:p>
+        </p:txBody>
+      </p:sp>
+      <p:sp>
+        <p:nvSpPr>
+          <p:cNvPr id="4" name="Content Placeholder 3">
+            <a:extLst>
+              <a:ext uri="{FF2B5EF4-FFF2-40B4-BE49-F238E27FC236}">
+                <a16:creationId xmlns:a16="http://schemas.microsoft.com/office/drawing/2014/main" id="{E2F6A9E8-A996-4B9C-9EB5-1B366E46AF5C}"/>
+              </a:ext>
+            </a:extLst>
+          </p:cNvPr>
+          <p:cNvSpPr>
+            <a:spLocks noGrp="1"/>
+          </p:cNvSpPr>
+          <p:nvPr>
+            <p:ph sz="half" idx="1"/>
+          </p:nvPr>
+        </p:nvSpPr>
+        <p:spPr/>
+        <p:txBody>
+          <a:bodyPr/>
+          <a:lstStyle/>
+          <a:p>
+            <a:r>
+              <a:rPr lang="en-US" dirty="0"/>
+              <a:t>Change degree requirements based on current career climate.</a:t>
+            </a:r>
+          </a:p>
+          <a:p>
+            <a:r>
+              <a:rPr lang="en-US" dirty="0"/>
+              <a:t>Possible add of other classes that are needed.</a:t>
+            </a:r>
+          </a:p>
+          <a:p>
+            <a:r>
+              <a:rPr lang="en-US" dirty="0"/>
+              <a:t>Require real world experience to finish degree.</a:t>
+            </a:r>
+          </a:p>
+          <a:p>
+            <a:r>
+              <a:rPr lang="en-US" dirty="0"/>
+              <a:t>Eliminate degrees that have low income/success rates.</a:t>
+            </a:r>
+          </a:p>
+          <a:p>
+            <a:endParaRPr lang="en-US" dirty="0"/>
+          </a:p>
+          <a:p>
+            <a:endParaRPr lang="en-US" dirty="0"/>
+          </a:p>
+          <a:p>
+            <a:endParaRPr lang="en-US" dirty="0"/>
+          </a:p>
+        </p:txBody>
+      </p:sp>
+      <p:pic>
+        <p:nvPicPr>
+          <p:cNvPr id="8" name="Content Placeholder 7" descr="A close up of a street sign on a pole&#10;&#10;Description automatically generated">
+            <a:extLst>
+              <a:ext uri="{FF2B5EF4-FFF2-40B4-BE49-F238E27FC236}">
+                <a16:creationId xmlns:a16="http://schemas.microsoft.com/office/drawing/2014/main" id="{4A5C3A0C-4723-44D6-89C4-DF25AE0512B9}"/>
+              </a:ext>
+            </a:extLst>
+          </p:cNvPr>
+          <p:cNvPicPr>
+            <a:picLocks noGrp="1" noChangeAspect="1"/>
+          </p:cNvPicPr>
+          <p:nvPr>
+            <p:ph sz="half" idx="2"/>
+          </p:nvPr>
+        </p:nvPicPr>
+        <p:blipFill>
+          <a:blip r:embed="rId3">
+            <a:extLst>
+              <a:ext uri="{28A0092B-C50C-407E-A947-70E740481C1C}">
+                <a14:useLocalDpi xmlns:a14="http://schemas.microsoft.com/office/drawing/2010/main" val="0"/>
+              </a:ext>
+            </a:extLst>
+          </a:blip>
+          <a:stretch>
+            <a:fillRect/>
+          </a:stretch>
+        </p:blipFill>
+        <p:spPr>
+          <a:xfrm>
+            <a:off x="6758090" y="2286000"/>
+            <a:ext cx="3981244" cy="3581400"/>
+          </a:xfrm>
+        </p:spPr>
+      </p:pic>
+    </p:spTree>
+    <p:extLst>
+      <p:ext uri="{BB962C8B-B14F-4D97-AF65-F5344CB8AC3E}">
+        <p14:creationId xmlns:p14="http://schemas.microsoft.com/office/powerpoint/2010/main" val="2150291972"/>
+      </p:ext>
+    </p:extLst>
+  </p:cSld>
+  <p:clrMapOvr>
+    <a:masterClrMapping/>
+  </p:clrMapOvr>
+</p:sld>
+</file>
+
+<file path=ppt/slides/slide2.xml><?xml version="1.0" encoding="utf-8"?>
+<p:sld xmlns:a="http://schemas.openxmlformats.org/drawingml/2006/main" xmlns:r="http://schemas.openxmlformats.org/officeDocument/2006/relationships" xmlns:p="http://schemas.openxmlformats.org/presentationml/2006/main">
+  <p:cSld>
+    <p:bg>
+      <p:bgPr>
+        <a:solidFill>
+          <a:schemeClr val="bg2"/>
+        </a:solidFill>
+        <a:effectLst/>
+      </p:bgPr>
+    </p:bg>
+    <p:spTree>
+      <p:nvGrpSpPr>
+        <p:cNvPr id="1" name=""/>
+        <p:cNvGrpSpPr/>
+        <p:nvPr/>
+      </p:nvGrpSpPr>
+      <p:grpSpPr>
+        <a:xfrm>
+          <a:off x="0" y="0"/>
+          <a:ext cx="0" cy="0"/>
+          <a:chOff x="0" y="0"/>
+          <a:chExt cx="0" cy="0"/>
+        </a:xfrm>
+      </p:grpSpPr>
+      <p:grpSp>
+        <p:nvGrpSpPr>
+          <p:cNvPr id="9" name="Group 8">
+            <a:extLst>
+              <a:ext uri="{FF2B5EF4-FFF2-40B4-BE49-F238E27FC236}">
+                <a16:creationId xmlns:a16="http://schemas.microsoft.com/office/drawing/2014/main" id="{8C89EA62-F38E-4285-A105-C5E1BD360093}"/>
+              </a:ext>
+              <a:ext uri="{C183D7F6-B498-43B3-948B-1728B52AA6E4}">
+                <adec:decorative xmlns:adec="http://schemas.microsoft.com/office/drawing/2017/decorative" val="1"/>
+              </a:ext>
+            </a:extLst>
+          </p:cNvPr>
+          <p:cNvGrpSpPr>
+            <a:grpSpLocks noGrp="1" noUngrp="1" noRot="1" noChangeAspect="1" noMove="1" noResize="1"/>
+          </p:cNvGrpSpPr>
+          <p:nvPr>
+            <p:extLst>
+              <p:ext uri="{386F3935-93C4-4BCD-93E2-E3B085C9AB24}">
+                <p16:designElem xmlns:p16="http://schemas.microsoft.com/office/powerpoint/2015/main" val="1"/>
+              </p:ext>
+            </p:extLst>
+          </p:nvPr>
+        </p:nvGrpSpPr>
+        <p:grpSpPr>
+          <a:xfrm>
+            <a:off x="752858" y="744469"/>
+            <a:ext cx="10674117" cy="5349671"/>
+            <a:chOff x="752858" y="744469"/>
+            <a:chExt cx="10674117" cy="5349671"/>
+          </a:xfrm>
+        </p:grpSpPr>
+        <p:sp>
+          <p:nvSpPr>
+            <p:cNvPr id="10" name="Freeform 6">
+              <a:extLst>
+                <a:ext uri="{FF2B5EF4-FFF2-40B4-BE49-F238E27FC236}">
+                  <a16:creationId xmlns:a16="http://schemas.microsoft.com/office/drawing/2014/main" id="{2CF6E46A-CCCD-4728-B011-E147B23629A3}"/>
+                </a:ext>
+                <a:ext uri="{C183D7F6-B498-43B3-948B-1728B52AA6E4}">
+                  <adec:decorative xmlns:adec="http://schemas.microsoft.com/office/drawing/2017/decorative" val="1"/>
+                </a:ext>
+              </a:extLst>
+            </p:cNvPr>
+            <p:cNvSpPr/>
+            <p:nvPr>
+              <p:extLst>
+                <p:ext uri="{386F3935-93C4-4BCD-93E2-E3B085C9AB24}">
+                  <p16:designElem xmlns:p16="http://schemas.microsoft.com/office/powerpoint/2015/main" val="1"/>
+                </p:ext>
+              </p:extLst>
+            </p:nvPr>
+          </p:nvSpPr>
+          <p:spPr bwMode="auto">
+            <a:xfrm>
+              <a:off x="8151962" y="1685652"/>
+              <a:ext cx="3275013" cy="4408488"/>
+            </a:xfrm>
+            <a:custGeom>
+              <a:avLst/>
+              <a:gdLst/>
+              <a:ahLst/>
+              <a:cxnLst/>
+              <a:rect l="l" t="t" r="r" b="b"/>
+              <a:pathLst>
+                <a:path w="10000" h="10000">
+                  <a:moveTo>
+                    <a:pt x="8761" y="0"/>
+                  </a:moveTo>
+                  <a:lnTo>
+                    <a:pt x="10000" y="0"/>
+                  </a:lnTo>
+                  <a:lnTo>
+                    <a:pt x="10000" y="10000"/>
+                  </a:lnTo>
+                  <a:lnTo>
+                    <a:pt x="0" y="10000"/>
+                  </a:lnTo>
+                  <a:lnTo>
+                    <a:pt x="0" y="9126"/>
+                  </a:lnTo>
+                  <a:lnTo>
+                    <a:pt x="8761" y="9127"/>
+                  </a:lnTo>
+                  <a:lnTo>
+                    <a:pt x="8761" y="0"/>
+                  </a:lnTo>
+                  <a:close/>
+                </a:path>
+              </a:pathLst>
+            </a:custGeom>
+            <a:solidFill>
+              <a:schemeClr val="tx2"/>
+            </a:solidFill>
+            <a:ln w="0">
+              <a:noFill/>
+              <a:prstDash val="solid"/>
+              <a:round/>
+              <a:headEnd/>
+              <a:tailEnd/>
+            </a:ln>
+          </p:spPr>
+        </p:sp>
+        <p:sp>
+          <p:nvSpPr>
+            <p:cNvPr id="11" name="Freeform 6">
+              <a:extLst>
+                <a:ext uri="{FF2B5EF4-FFF2-40B4-BE49-F238E27FC236}">
+                  <a16:creationId xmlns:a16="http://schemas.microsoft.com/office/drawing/2014/main" id="{2E2C684B-30C9-4689-A529-EBF1B8ADB215}"/>
+                </a:ext>
+                <a:ext uri="{C183D7F6-B498-43B3-948B-1728B52AA6E4}">
+                  <adec:decorative xmlns:adec="http://schemas.microsoft.com/office/drawing/2017/decorative" val="1"/>
+                </a:ext>
+              </a:extLst>
+            </p:cNvPr>
+            <p:cNvSpPr/>
+            <p:nvPr>
+              <p:extLst>
+                <p:ext uri="{386F3935-93C4-4BCD-93E2-E3B085C9AB24}">
+                  <p16:designElem xmlns:p16="http://schemas.microsoft.com/office/powerpoint/2015/main" val="1"/>
+                </p:ext>
+              </p:extLst>
+            </p:nvPr>
+          </p:nvSpPr>
+          <p:spPr bwMode="auto">
+            <a:xfrm flipH="1" flipV="1">
+              <a:off x="752858" y="744469"/>
+              <a:ext cx="3275668" cy="4408488"/>
+            </a:xfrm>
+            <a:custGeom>
+              <a:avLst/>
+              <a:gdLst/>
+              <a:ahLst/>
+              <a:cxnLst/>
+              <a:rect l="l" t="t" r="r" b="b"/>
+              <a:pathLst>
+                <a:path w="10002" h="10000">
+                  <a:moveTo>
+                    <a:pt x="8763" y="0"/>
+                  </a:moveTo>
+                  <a:lnTo>
+                    <a:pt x="10002" y="0"/>
+                  </a:lnTo>
+                  <a:lnTo>
+                    <a:pt x="10002" y="10000"/>
+                  </a:lnTo>
+                  <a:lnTo>
+                    <a:pt x="2" y="10000"/>
+                  </a:lnTo>
+                  <a:cubicBezTo>
+                    <a:pt x="-2" y="9698"/>
+                    <a:pt x="4" y="9427"/>
+                    <a:pt x="0" y="9125"/>
+                  </a:cubicBezTo>
+                  <a:lnTo>
+                    <a:pt x="8763" y="9128"/>
+                  </a:lnTo>
+                  <a:lnTo>
+                    <a:pt x="8763" y="0"/>
+                  </a:lnTo>
+                  <a:close/>
+                </a:path>
+              </a:pathLst>
+            </a:custGeom>
+            <a:solidFill>
+              <a:schemeClr val="tx2"/>
+            </a:solidFill>
+            <a:ln w="0">
+              <a:noFill/>
+              <a:prstDash val="solid"/>
+              <a:round/>
+              <a:headEnd/>
+              <a:tailEnd/>
+            </a:ln>
+          </p:spPr>
+        </p:sp>
+      </p:grpSp>
+      <p:sp useBgFill="1">
+        <p:nvSpPr>
+          <p:cNvPr id="13" name="Rectangle 12">
+            <a:extLst>
+              <a:ext uri="{FF2B5EF4-FFF2-40B4-BE49-F238E27FC236}">
+                <a16:creationId xmlns:a16="http://schemas.microsoft.com/office/drawing/2014/main" id="{EC2B4A13-0632-456F-A66A-2D0CDB9D30AE}"/>
+              </a:ext>
+              <a:ext uri="{C183D7F6-B498-43B3-948B-1728B52AA6E4}">
+                <adec:decorative xmlns:adec="http://schemas.microsoft.com/office/drawing/2017/decorative" val="1"/>
+              </a:ext>
+            </a:extLst>
+          </p:cNvPr>
+          <p:cNvSpPr>
+            <a:spLocks noGrp="1" noRot="1" noChangeAspect="1" noMove="1" noResize="1" noEditPoints="1" noAdjustHandles="1" noChangeArrowheads="1" noChangeShapeType="1" noTextEdit="1"/>
+          </p:cNvSpPr>
+          <p:nvPr>
+            <p:extLst>
+              <p:ext uri="{386F3935-93C4-4BCD-93E2-E3B085C9AB24}">
+                <p16:designElem xmlns:p16="http://schemas.microsoft.com/office/powerpoint/2015/main" val="1"/>
+              </p:ext>
+            </p:extLst>
+          </p:nvPr>
+        </p:nvSpPr>
+        <p:spPr>
+          <a:xfrm>
+            <a:off x="0" y="0"/>
+            <a:ext cx="12192000" cy="6858000"/>
+          </a:xfrm>
+          <a:prstGeom prst="rect">
+            <a:avLst/>
+          </a:prstGeom>
+          <a:ln>
+            <a:noFill/>
+          </a:ln>
+        </p:spPr>
+        <p:style>
+          <a:lnRef idx="2">
+            <a:schemeClr val="accent1">
+              <a:shade val="50000"/>
+            </a:schemeClr>
+          </a:lnRef>
+          <a:fillRef idx="1001">
+            <a:schemeClr val="lt2"/>
+          </a:fillRef>
+          <a:effectRef idx="0">
+            <a:schemeClr val="accent1"/>
+          </a:effectRef>
+          <a:fontRef idx="minor">
+            <a:schemeClr val="lt1"/>
+          </a:fontRef>
+        </p:style>
+        <p:txBody>
+          <a:bodyPr rtlCol="0" anchor="ctr"/>
+          <a:lstStyle/>
+          <a:p>
+            <a:pPr algn="ctr"/>
+            <a:endParaRPr lang="en-US"/>
+          </a:p>
+        </p:txBody>
+      </p:sp>
+      <p:sp>
+        <p:nvSpPr>
+          <p:cNvPr id="15" name="Freeform: Shape 14">
+            <a:extLst>
+              <a:ext uri="{FF2B5EF4-FFF2-40B4-BE49-F238E27FC236}">
+                <a16:creationId xmlns:a16="http://schemas.microsoft.com/office/drawing/2014/main" id="{1568A552-34C4-41D2-A36B-9E86EC569E10}"/>
+              </a:ext>
+              <a:ext uri="{C183D7F6-B498-43B3-948B-1728B52AA6E4}">
+                <adec:decorative xmlns:adec="http://schemas.microsoft.com/office/drawing/2017/decorative" val="1"/>
+              </a:ext>
+            </a:extLst>
+          </p:cNvPr>
+          <p:cNvSpPr>
+            <a:spLocks noGrp="1" noRot="1" noChangeAspect="1" noMove="1" noResize="1" noEditPoints="1" noAdjustHandles="1" noChangeArrowheads="1" noChangeShapeType="1" noTextEdit="1"/>
+          </p:cNvSpPr>
+          <p:nvPr>
+            <p:extLst>
+              <p:ext uri="{386F3935-93C4-4BCD-93E2-E3B085C9AB24}">
+                <p16:designElem xmlns:p16="http://schemas.microsoft.com/office/powerpoint/2015/main" val="1"/>
+              </p:ext>
+            </p:extLst>
+          </p:nvPr>
+        </p:nvSpPr>
+        <p:spPr bwMode="auto">
+          <a:xfrm rot="5400000" flipH="1">
+            <a:off x="1730653" y="-921117"/>
+            <a:ext cx="1756584" cy="4408488"/>
+          </a:xfrm>
+          <a:custGeom>
+            <a:avLst/>
+            <a:gdLst>
+              <a:gd name="connsiteX0" fmla="*/ 1756584 w 1756584"/>
+              <a:gd name="connsiteY0" fmla="*/ 4408488 h 4408488"/>
+              <a:gd name="connsiteX1" fmla="*/ 1756584 w 1756584"/>
+              <a:gd name="connsiteY1" fmla="*/ 0 h 4408488"/>
+              <a:gd name="connsiteX2" fmla="*/ 1350810 w 1756584"/>
+              <a:gd name="connsiteY2" fmla="*/ 0 h 4408488"/>
+              <a:gd name="connsiteX3" fmla="*/ 1350810 w 1756584"/>
+              <a:gd name="connsiteY3" fmla="*/ 4024068 h 4408488"/>
+              <a:gd name="connsiteX4" fmla="*/ 0 w 1756584"/>
+              <a:gd name="connsiteY4" fmla="*/ 4023445 h 4408488"/>
+              <a:gd name="connsiteX5" fmla="*/ 0 w 1756584"/>
+              <a:gd name="connsiteY5" fmla="*/ 4408488 h 4408488"/>
+            </a:gdLst>
+            <a:ahLst/>
+            <a:cxnLst>
+              <a:cxn ang="0">
+                <a:pos x="connsiteX0" y="connsiteY0"/>
+              </a:cxn>
+              <a:cxn ang="0">
+                <a:pos x="connsiteX1" y="connsiteY1"/>
+              </a:cxn>
+              <a:cxn ang="0">
+                <a:pos x="connsiteX2" y="connsiteY2"/>
+              </a:cxn>
+              <a:cxn ang="0">
+                <a:pos x="connsiteX3" y="connsiteY3"/>
+              </a:cxn>
+              <a:cxn ang="0">
+                <a:pos x="connsiteX4" y="connsiteY4"/>
+              </a:cxn>
+              <a:cxn ang="0">
+                <a:pos x="connsiteX5" y="connsiteY5"/>
+              </a:cxn>
+            </a:cxnLst>
+            <a:rect l="l" t="t" r="r" b="b"/>
+            <a:pathLst>
+              <a:path w="1756584" h="4408488">
+                <a:moveTo>
+                  <a:pt x="1756584" y="4408488"/>
+                </a:moveTo>
+                <a:lnTo>
+                  <a:pt x="1756584" y="0"/>
+                </a:lnTo>
+                <a:lnTo>
+                  <a:pt x="1350810" y="0"/>
+                </a:lnTo>
+                <a:lnTo>
+                  <a:pt x="1350810" y="4024068"/>
+                </a:lnTo>
+                <a:lnTo>
+                  <a:pt x="0" y="4023445"/>
+                </a:lnTo>
+                <a:lnTo>
+                  <a:pt x="0" y="4408488"/>
+                </a:lnTo>
+                <a:close/>
+              </a:path>
+            </a:pathLst>
+          </a:custGeom>
+          <a:solidFill>
+            <a:schemeClr val="tx2"/>
+          </a:solidFill>
+          <a:ln w="0">
+            <a:noFill/>
+            <a:prstDash val="solid"/>
+            <a:round/>
+            <a:headEnd/>
+            <a:tailEnd/>
+          </a:ln>
+        </p:spPr>
+        <p:txBody>
+          <a:bodyPr wrap="square">
+            <a:noAutofit/>
+          </a:bodyPr>
+          <a:lstStyle/>
+          <a:p>
+            <a:endParaRPr lang="en-US" dirty="0"/>
+          </a:p>
+        </p:txBody>
+      </p:sp>
+      <p:sp>
+        <p:nvSpPr>
+          <p:cNvPr id="17" name="Freeform: Shape 16">
+            <a:extLst>
+              <a:ext uri="{FF2B5EF4-FFF2-40B4-BE49-F238E27FC236}">
+                <a16:creationId xmlns:a16="http://schemas.microsoft.com/office/drawing/2014/main" id="{B8BE655E-142C-41C9-895E-54D55EDDAF85}"/>
+              </a:ext>
+              <a:ext uri="{C183D7F6-B498-43B3-948B-1728B52AA6E4}">
+                <adec:decorative xmlns:adec="http://schemas.microsoft.com/office/drawing/2017/decorative" val="1"/>
+              </a:ext>
+            </a:extLst>
+          </p:cNvPr>
+          <p:cNvSpPr>
+            <a:spLocks noGrp="1" noRot="1" noChangeAspect="1" noMove="1" noResize="1" noEditPoints="1" noAdjustHandles="1" noChangeArrowheads="1" noChangeShapeType="1" noTextEdit="1"/>
+          </p:cNvSpPr>
+          <p:nvPr>
+            <p:extLst>
+              <p:ext uri="{386F3935-93C4-4BCD-93E2-E3B085C9AB24}">
+                <p16:designElem xmlns:p16="http://schemas.microsoft.com/office/powerpoint/2015/main" val="1"/>
+              </p:ext>
+            </p:extLst>
+          </p:nvPr>
+        </p:nvSpPr>
+        <p:spPr bwMode="auto">
+          <a:xfrm rot="5400000" flipV="1">
+            <a:off x="8673443" y="2182330"/>
+            <a:ext cx="1755930" cy="4408488"/>
+          </a:xfrm>
+          <a:custGeom>
+            <a:avLst/>
+            <a:gdLst>
+              <a:gd name="connsiteX0" fmla="*/ 0 w 1755930"/>
+              <a:gd name="connsiteY0" fmla="*/ 4023420 h 4408488"/>
+              <a:gd name="connsiteX1" fmla="*/ 1 w 1755930"/>
+              <a:gd name="connsiteY1" fmla="*/ 4408488 h 4408488"/>
+              <a:gd name="connsiteX2" fmla="*/ 1755930 w 1755930"/>
+              <a:gd name="connsiteY2" fmla="*/ 4408488 h 4408488"/>
+              <a:gd name="connsiteX3" fmla="*/ 1755930 w 1755930"/>
+              <a:gd name="connsiteY3" fmla="*/ 0 h 4408488"/>
+              <a:gd name="connsiteX4" fmla="*/ 1350156 w 1755930"/>
+              <a:gd name="connsiteY4" fmla="*/ 0 h 4408488"/>
+              <a:gd name="connsiteX5" fmla="*/ 1350156 w 1755930"/>
+              <a:gd name="connsiteY5" fmla="*/ 4023628 h 4408488"/>
+            </a:gdLst>
+            <a:ahLst/>
+            <a:cxnLst>
+              <a:cxn ang="0">
+                <a:pos x="connsiteX0" y="connsiteY0"/>
+              </a:cxn>
+              <a:cxn ang="0">
+                <a:pos x="connsiteX1" y="connsiteY1"/>
+              </a:cxn>
+              <a:cxn ang="0">
+                <a:pos x="connsiteX2" y="connsiteY2"/>
+              </a:cxn>
+              <a:cxn ang="0">
+                <a:pos x="connsiteX3" y="connsiteY3"/>
+              </a:cxn>
+              <a:cxn ang="0">
+                <a:pos x="connsiteX4" y="connsiteY4"/>
+              </a:cxn>
+              <a:cxn ang="0">
+                <a:pos x="connsiteX5" y="connsiteY5"/>
+              </a:cxn>
+            </a:cxnLst>
+            <a:rect l="l" t="t" r="r" b="b"/>
+            <a:pathLst>
+              <a:path w="1755930" h="4408488">
+                <a:moveTo>
+                  <a:pt x="0" y="4023420"/>
+                </a:moveTo>
+                <a:lnTo>
+                  <a:pt x="1" y="4408488"/>
+                </a:lnTo>
+                <a:lnTo>
+                  <a:pt x="1755930" y="4408488"/>
+                </a:lnTo>
+                <a:lnTo>
+                  <a:pt x="1755930" y="0"/>
+                </a:lnTo>
+                <a:lnTo>
+                  <a:pt x="1350156" y="0"/>
+                </a:lnTo>
+                <a:lnTo>
+                  <a:pt x="1350156" y="4023628"/>
+                </a:lnTo>
+                <a:close/>
+              </a:path>
+            </a:pathLst>
+          </a:custGeom>
+          <a:solidFill>
+            <a:schemeClr val="tx2"/>
+          </a:solidFill>
+          <a:ln w="0">
+            <a:noFill/>
+            <a:prstDash val="solid"/>
+            <a:round/>
+            <a:headEnd/>
+            <a:tailEnd/>
+          </a:ln>
+        </p:spPr>
+      </p:sp>
+      <p:sp>
+        <p:nvSpPr>
+          <p:cNvPr id="4" name="Title 3">
+            <a:extLst>
+              <a:ext uri="{FF2B5EF4-FFF2-40B4-BE49-F238E27FC236}">
+                <a16:creationId xmlns:a16="http://schemas.microsoft.com/office/drawing/2014/main" id="{0CC5A82A-006A-4B7B-8FAB-BB8573AE10B2}"/>
+              </a:ext>
+            </a:extLst>
+          </p:cNvPr>
+          <p:cNvSpPr>
+            <a:spLocks noGrp="1"/>
+          </p:cNvSpPr>
+          <p:nvPr>
+            <p:ph type="title"/>
+          </p:nvPr>
+        </p:nvSpPr>
+        <p:spPr>
+          <a:xfrm>
+            <a:off x="1105289" y="1388478"/>
+            <a:ext cx="9969910" cy="2734729"/>
+          </a:xfrm>
+        </p:spPr>
+        <p:txBody>
+          <a:bodyPr vert="horz" lIns="91440" tIns="45720" rIns="91440" bIns="45720" rtlCol="0" anchor="b">
+            <a:normAutofit/>
+          </a:bodyPr>
+          <a:lstStyle/>
+          <a:p>
+            <a:pPr algn="ctr"/>
+            <a:r>
+              <a:rPr lang="en-US" sz="7200" cap="all" dirty="0"/>
+              <a:t>Let's start with college!</a:t>
+            </a:r>
+          </a:p>
+        </p:txBody>
+      </p:sp>
+      <p:sp>
+        <p:nvSpPr>
+          <p:cNvPr id="19" name="Rectangle 18">
+            <a:extLst>
+              <a:ext uri="{FF2B5EF4-FFF2-40B4-BE49-F238E27FC236}">
+                <a16:creationId xmlns:a16="http://schemas.microsoft.com/office/drawing/2014/main" id="{198CC593-9FF4-46EF-81AE-2D26922F154C}"/>
+              </a:ext>
+              <a:ext uri="{C183D7F6-B498-43B3-948B-1728B52AA6E4}">
+                <adec:decorative xmlns:adec="http://schemas.microsoft.com/office/drawing/2017/decorative" val="1"/>
+              </a:ext>
+            </a:extLst>
+          </p:cNvPr>
+          <p:cNvSpPr>
+            <a:spLocks noGrp="1" noRot="1" noChangeAspect="1" noMove="1" noResize="1" noEditPoints="1" noAdjustHandles="1" noChangeArrowheads="1" noChangeShapeType="1" noTextEdit="1"/>
+          </p:cNvSpPr>
+          <p:nvPr>
+            <p:extLst>
+              <p:ext uri="{386F3935-93C4-4BCD-93E2-E3B085C9AB24}">
+                <p16:designElem xmlns:p16="http://schemas.microsoft.com/office/powerpoint/2015/main" val="1"/>
+              </p:ext>
+            </p:extLst>
+          </p:nvPr>
+        </p:nvSpPr>
+        <p:spPr>
+          <a:xfrm>
+            <a:off x="2" y="6453386"/>
+            <a:ext cx="12191998" cy="404614"/>
+          </a:xfrm>
+          <a:prstGeom prst="rect">
+            <a:avLst/>
+          </a:prstGeom>
+          <a:solidFill>
+            <a:schemeClr val="tx2"/>
+          </a:solidFill>
+          <a:ln>
+            <a:noFill/>
+          </a:ln>
+        </p:spPr>
+        <p:style>
+          <a:lnRef idx="2">
+            <a:schemeClr val="accent1">
+              <a:shade val="50000"/>
+            </a:schemeClr>
+          </a:lnRef>
+          <a:fillRef idx="1">
+            <a:schemeClr val="accent1"/>
+          </a:fillRef>
+          <a:effectRef idx="0">
+            <a:schemeClr val="accent1"/>
+          </a:effectRef>
+          <a:fontRef idx="minor">
+            <a:schemeClr val="lt1"/>
+          </a:fontRef>
+        </p:style>
+        <p:txBody>
+          <a:bodyPr/>
+          <a:lstStyle/>
+          <a:p>
+            <a:endParaRPr lang="en-US" dirty="0">
+              <a:solidFill>
+                <a:schemeClr val="bg1"/>
+              </a:solidFill>
+            </a:endParaRPr>
+          </a:p>
+        </p:txBody>
+      </p:sp>
+    </p:spTree>
+    <p:extLst>
+      <p:ext uri="{BB962C8B-B14F-4D97-AF65-F5344CB8AC3E}">
+        <p14:creationId xmlns:p14="http://schemas.microsoft.com/office/powerpoint/2010/main" val="1188920378"/>
+      </p:ext>
+    </p:extLst>
+  </p:cSld>
+  <p:clrMapOvr>
+    <a:masterClrMapping/>
+  </p:clrMapOvr>
+</p:sld>
+</file>
+
+<file path=ppt/slides/slide20.xml><?xml version="1.0" encoding="utf-8"?>
 <p:sld xmlns:a="http://schemas.openxmlformats.org/drawingml/2006/main" xmlns:r="http://schemas.openxmlformats.org/officeDocument/2006/relationships" xmlns:p="http://schemas.openxmlformats.org/presentationml/2006/main">
   <p:cSld>
     <p:bg>
@@ -5942,9 +9241,1169 @@
 </p:sld>
 </file>
 
-<file path=ppt/slides/slide2.xml><?xml version="1.0" encoding="utf-8"?>
+<file path=ppt/slides/slide21.xml><?xml version="1.0" encoding="utf-8"?>
 <p:sld xmlns:a="http://schemas.openxmlformats.org/drawingml/2006/main" xmlns:r="http://schemas.openxmlformats.org/officeDocument/2006/relationships" xmlns:p="http://schemas.openxmlformats.org/presentationml/2006/main">
   <p:cSld>
+    <p:bg>
+      <p:bgPr>
+        <a:solidFill>
+          <a:schemeClr val="bg2"/>
+        </a:solidFill>
+        <a:effectLst/>
+      </p:bgPr>
+    </p:bg>
+    <p:spTree>
+      <p:nvGrpSpPr>
+        <p:cNvPr id="1" name=""/>
+        <p:cNvGrpSpPr/>
+        <p:nvPr/>
+      </p:nvGrpSpPr>
+      <p:grpSpPr>
+        <a:xfrm>
+          <a:off x="0" y="0"/>
+          <a:ext cx="0" cy="0"/>
+          <a:chOff x="0" y="0"/>
+          <a:chExt cx="0" cy="0"/>
+        </a:xfrm>
+      </p:grpSpPr>
+      <p:grpSp>
+        <p:nvGrpSpPr>
+          <p:cNvPr id="71" name="Group 70">
+            <a:extLst>
+              <a:ext uri="{FF2B5EF4-FFF2-40B4-BE49-F238E27FC236}">
+                <a16:creationId xmlns:a16="http://schemas.microsoft.com/office/drawing/2014/main" id="{9D9D6BF1-DFF2-4526-9D13-BF339D8C4163}"/>
+              </a:ext>
+              <a:ext uri="{C183D7F6-B498-43B3-948B-1728B52AA6E4}">
+                <adec:decorative xmlns:adec="http://schemas.microsoft.com/office/drawing/2017/decorative" val="1"/>
+              </a:ext>
+            </a:extLst>
+          </p:cNvPr>
+          <p:cNvGrpSpPr>
+            <a:grpSpLocks noGrp="1" noUngrp="1" noRot="1" noChangeAspect="1" noMove="1" noResize="1"/>
+          </p:cNvGrpSpPr>
+          <p:nvPr>
+            <p:extLst>
+              <p:ext uri="{386F3935-93C4-4BCD-93E2-E3B085C9AB24}">
+                <p16:designElem xmlns:p16="http://schemas.microsoft.com/office/powerpoint/2015/main" val="1"/>
+              </p:ext>
+            </p:extLst>
+          </p:nvPr>
+        </p:nvGrpSpPr>
+        <p:grpSpPr>
+          <a:xfrm>
+            <a:off x="752858" y="744469"/>
+            <a:ext cx="10674117" cy="5349671"/>
+            <a:chOff x="752858" y="744469"/>
+            <a:chExt cx="10674117" cy="5349671"/>
+          </a:xfrm>
+        </p:grpSpPr>
+        <p:sp>
+          <p:nvSpPr>
+            <p:cNvPr id="72" name="Freeform 6">
+              <a:extLst>
+                <a:ext uri="{FF2B5EF4-FFF2-40B4-BE49-F238E27FC236}">
+                  <a16:creationId xmlns:a16="http://schemas.microsoft.com/office/drawing/2014/main" id="{A54D4DB6-FB18-4CAE-8905-E0053C92569E}"/>
+                </a:ext>
+                <a:ext uri="{C183D7F6-B498-43B3-948B-1728B52AA6E4}">
+                  <adec:decorative xmlns:adec="http://schemas.microsoft.com/office/drawing/2017/decorative" val="1"/>
+                </a:ext>
+              </a:extLst>
+            </p:cNvPr>
+            <p:cNvSpPr/>
+            <p:nvPr>
+              <p:extLst>
+                <p:ext uri="{386F3935-93C4-4BCD-93E2-E3B085C9AB24}">
+                  <p16:designElem xmlns:p16="http://schemas.microsoft.com/office/powerpoint/2015/main" val="1"/>
+                </p:ext>
+              </p:extLst>
+            </p:nvPr>
+          </p:nvSpPr>
+          <p:spPr bwMode="auto">
+            <a:xfrm>
+              <a:off x="8151962" y="1685652"/>
+              <a:ext cx="3275013" cy="4408488"/>
+            </a:xfrm>
+            <a:custGeom>
+              <a:avLst/>
+              <a:gdLst/>
+              <a:ahLst/>
+              <a:cxnLst/>
+              <a:rect l="l" t="t" r="r" b="b"/>
+              <a:pathLst>
+                <a:path w="10000" h="10000">
+                  <a:moveTo>
+                    <a:pt x="8761" y="0"/>
+                  </a:moveTo>
+                  <a:lnTo>
+                    <a:pt x="10000" y="0"/>
+                  </a:lnTo>
+                  <a:lnTo>
+                    <a:pt x="10000" y="10000"/>
+                  </a:lnTo>
+                  <a:lnTo>
+                    <a:pt x="0" y="10000"/>
+                  </a:lnTo>
+                  <a:lnTo>
+                    <a:pt x="0" y="9126"/>
+                  </a:lnTo>
+                  <a:lnTo>
+                    <a:pt x="8761" y="9127"/>
+                  </a:lnTo>
+                  <a:lnTo>
+                    <a:pt x="8761" y="0"/>
+                  </a:lnTo>
+                  <a:close/>
+                </a:path>
+              </a:pathLst>
+            </a:custGeom>
+            <a:solidFill>
+              <a:schemeClr val="tx2"/>
+            </a:solidFill>
+            <a:ln w="0">
+              <a:noFill/>
+              <a:prstDash val="solid"/>
+              <a:round/>
+              <a:headEnd/>
+              <a:tailEnd/>
+            </a:ln>
+          </p:spPr>
+        </p:sp>
+        <p:sp>
+          <p:nvSpPr>
+            <p:cNvPr id="73" name="Freeform 6">
+              <a:extLst>
+                <a:ext uri="{FF2B5EF4-FFF2-40B4-BE49-F238E27FC236}">
+                  <a16:creationId xmlns:a16="http://schemas.microsoft.com/office/drawing/2014/main" id="{1DBD6488-9429-4FFA-8AE8-C4022C39B0F2}"/>
+                </a:ext>
+                <a:ext uri="{C183D7F6-B498-43B3-948B-1728B52AA6E4}">
+                  <adec:decorative xmlns:adec="http://schemas.microsoft.com/office/drawing/2017/decorative" val="1"/>
+                </a:ext>
+              </a:extLst>
+            </p:cNvPr>
+            <p:cNvSpPr/>
+            <p:nvPr>
+              <p:extLst>
+                <p:ext uri="{386F3935-93C4-4BCD-93E2-E3B085C9AB24}">
+                  <p16:designElem xmlns:p16="http://schemas.microsoft.com/office/powerpoint/2015/main" val="1"/>
+                </p:ext>
+              </p:extLst>
+            </p:nvPr>
+          </p:nvSpPr>
+          <p:spPr bwMode="auto">
+            <a:xfrm flipH="1" flipV="1">
+              <a:off x="752858" y="744469"/>
+              <a:ext cx="3275668" cy="4408488"/>
+            </a:xfrm>
+            <a:custGeom>
+              <a:avLst/>
+              <a:gdLst/>
+              <a:ahLst/>
+              <a:cxnLst/>
+              <a:rect l="l" t="t" r="r" b="b"/>
+              <a:pathLst>
+                <a:path w="10002" h="10000">
+                  <a:moveTo>
+                    <a:pt x="8763" y="0"/>
+                  </a:moveTo>
+                  <a:lnTo>
+                    <a:pt x="10002" y="0"/>
+                  </a:lnTo>
+                  <a:lnTo>
+                    <a:pt x="10002" y="10000"/>
+                  </a:lnTo>
+                  <a:lnTo>
+                    <a:pt x="2" y="10000"/>
+                  </a:lnTo>
+                  <a:cubicBezTo>
+                    <a:pt x="-2" y="9698"/>
+                    <a:pt x="4" y="9427"/>
+                    <a:pt x="0" y="9125"/>
+                  </a:cubicBezTo>
+                  <a:lnTo>
+                    <a:pt x="8763" y="9128"/>
+                  </a:lnTo>
+                  <a:lnTo>
+                    <a:pt x="8763" y="0"/>
+                  </a:lnTo>
+                  <a:close/>
+                </a:path>
+              </a:pathLst>
+            </a:custGeom>
+            <a:solidFill>
+              <a:schemeClr val="tx2"/>
+            </a:solidFill>
+            <a:ln w="0">
+              <a:noFill/>
+              <a:prstDash val="solid"/>
+              <a:round/>
+              <a:headEnd/>
+              <a:tailEnd/>
+            </a:ln>
+          </p:spPr>
+        </p:sp>
+      </p:grpSp>
+      <p:pic>
+        <p:nvPicPr>
+          <p:cNvPr id="1026" name="Picture 2" descr="Should you speak your mind? | The Remarkable Leader">
+            <a:extLst>
+              <a:ext uri="{FF2B5EF4-FFF2-40B4-BE49-F238E27FC236}">
+                <a16:creationId xmlns:a16="http://schemas.microsoft.com/office/drawing/2014/main" id="{043F0688-71FE-4C46-891F-FFCDF8E96700}"/>
+              </a:ext>
+            </a:extLst>
+          </p:cNvPr>
+          <p:cNvPicPr>
+            <a:picLocks noGrp="1" noChangeAspect="1" noChangeArrowheads="1"/>
+          </p:cNvPicPr>
+          <p:nvPr>
+            <p:ph idx="1"/>
+          </p:nvPr>
+        </p:nvPicPr>
+        <p:blipFill rotWithShape="1">
+          <a:blip r:embed="rId3">
+            <a:extLst>
+              <a:ext uri="{28A0092B-C50C-407E-A947-70E740481C1C}">
+                <a14:useLocalDpi xmlns:a14="http://schemas.microsoft.com/office/drawing/2010/main" val="0"/>
+              </a:ext>
+            </a:extLst>
+          </a:blip>
+          <a:srcRect r="8463" b="1"/>
+          <a:stretch/>
+        </p:blipFill>
+        <p:spPr bwMode="auto">
+          <a:xfrm>
+            <a:off x="20" y="10"/>
+            <a:ext cx="12191980" cy="6859300"/>
+          </a:xfrm>
+          <a:prstGeom prst="rect">
+            <a:avLst/>
+          </a:prstGeom>
+          <a:noFill/>
+          <a:extLst>
+            <a:ext uri="{909E8E84-426E-40DD-AFC4-6F175D3DCCD1}">
+              <a14:hiddenFill xmlns:a14="http://schemas.microsoft.com/office/drawing/2010/main">
+                <a:solidFill>
+                  <a:srgbClr val="FFFFFF"/>
+                </a:solidFill>
+              </a14:hiddenFill>
+            </a:ext>
+          </a:extLst>
+        </p:spPr>
+      </p:pic>
+      <p:sp>
+        <p:nvSpPr>
+          <p:cNvPr id="75" name="Rectangle 74">
+            <a:extLst>
+              <a:ext uri="{FF2B5EF4-FFF2-40B4-BE49-F238E27FC236}">
+                <a16:creationId xmlns:a16="http://schemas.microsoft.com/office/drawing/2014/main" id="{310B1DD0-264A-47E3-A16A-C87AFA51E68A}"/>
+              </a:ext>
+              <a:ext uri="{C183D7F6-B498-43B3-948B-1728B52AA6E4}">
+                <adec:decorative xmlns:adec="http://schemas.microsoft.com/office/drawing/2017/decorative" val="1"/>
+              </a:ext>
+            </a:extLst>
+          </p:cNvPr>
+          <p:cNvSpPr>
+            <a:spLocks noGrp="1" noRot="1" noChangeAspect="1" noMove="1" noResize="1" noEditPoints="1" noAdjustHandles="1" noChangeArrowheads="1" noChangeShapeType="1" noTextEdit="1"/>
+          </p:cNvSpPr>
+          <p:nvPr>
+            <p:extLst>
+              <p:ext uri="{386F3935-93C4-4BCD-93E2-E3B085C9AB24}">
+                <p16:designElem xmlns:p16="http://schemas.microsoft.com/office/powerpoint/2015/main" val="1"/>
+              </p:ext>
+            </p:extLst>
+          </p:nvPr>
+        </p:nvSpPr>
+        <p:spPr bwMode="ltGray">
+          <a:xfrm>
+            <a:off x="-258" y="0"/>
+            <a:ext cx="12192000" cy="6858000"/>
+          </a:xfrm>
+          <a:prstGeom prst="rect">
+            <a:avLst/>
+          </a:prstGeom>
+          <a:gradFill flip="none" rotWithShape="1">
+            <a:gsLst>
+              <a:gs pos="20000">
+                <a:schemeClr val="tx2">
+                  <a:alpha val="70000"/>
+                </a:schemeClr>
+              </a:gs>
+              <a:gs pos="100000">
+                <a:schemeClr val="tx2"/>
+              </a:gs>
+            </a:gsLst>
+            <a:path path="circle">
+              <a:fillToRect l="50000" t="50000" r="50000" b="50000"/>
+            </a:path>
+            <a:tileRect/>
+          </a:gradFill>
+          <a:ln>
+            <a:noFill/>
+          </a:ln>
+        </p:spPr>
+        <p:style>
+          <a:lnRef idx="2">
+            <a:schemeClr val="accent1">
+              <a:shade val="50000"/>
+            </a:schemeClr>
+          </a:lnRef>
+          <a:fillRef idx="1">
+            <a:schemeClr val="accent1"/>
+          </a:fillRef>
+          <a:effectRef idx="0">
+            <a:schemeClr val="accent1"/>
+          </a:effectRef>
+          <a:fontRef idx="minor">
+            <a:schemeClr val="lt1"/>
+          </a:fontRef>
+        </p:style>
+        <p:txBody>
+          <a:bodyPr rtlCol="0" anchor="ctr"/>
+          <a:lstStyle/>
+          <a:p>
+            <a:pPr algn="ctr"/>
+            <a:endParaRPr lang="en-US"/>
+          </a:p>
+        </p:txBody>
+      </p:sp>
+      <p:sp>
+        <p:nvSpPr>
+          <p:cNvPr id="77" name="Freeform 6">
+            <a:extLst>
+              <a:ext uri="{FF2B5EF4-FFF2-40B4-BE49-F238E27FC236}">
+                <a16:creationId xmlns:a16="http://schemas.microsoft.com/office/drawing/2014/main" id="{69C1BB7B-F21E-41A2-B30C-D8507B960282}"/>
+              </a:ext>
+              <a:ext uri="{C183D7F6-B498-43B3-948B-1728B52AA6E4}">
+                <adec:decorative xmlns:adec="http://schemas.microsoft.com/office/drawing/2017/decorative" val="1"/>
+              </a:ext>
+            </a:extLst>
+          </p:cNvPr>
+          <p:cNvSpPr>
+            <a:spLocks noGrp="1" noRot="1" noChangeAspect="1" noMove="1" noResize="1" noEditPoints="1" noAdjustHandles="1" noChangeArrowheads="1" noChangeShapeType="1" noTextEdit="1"/>
+          </p:cNvSpPr>
+          <p:nvPr>
+            <p:extLst>
+              <p:ext uri="{386F3935-93C4-4BCD-93E2-E3B085C9AB24}">
+                <p16:designElem xmlns:p16="http://schemas.microsoft.com/office/powerpoint/2015/main" val="1"/>
+              </p:ext>
+            </p:extLst>
+          </p:nvPr>
+        </p:nvSpPr>
+        <p:spPr bwMode="auto">
+          <a:xfrm flipH="1" flipV="1">
+            <a:off x="752858" y="744469"/>
+            <a:ext cx="3275668" cy="4408488"/>
+          </a:xfrm>
+          <a:custGeom>
+            <a:avLst/>
+            <a:gdLst/>
+            <a:ahLst/>
+            <a:cxnLst/>
+            <a:rect l="l" t="t" r="r" b="b"/>
+            <a:pathLst>
+              <a:path w="10002" h="10000">
+                <a:moveTo>
+                  <a:pt x="8763" y="0"/>
+                </a:moveTo>
+                <a:lnTo>
+                  <a:pt x="10002" y="0"/>
+                </a:lnTo>
+                <a:lnTo>
+                  <a:pt x="10002" y="10000"/>
+                </a:lnTo>
+                <a:lnTo>
+                  <a:pt x="2" y="10000"/>
+                </a:lnTo>
+                <a:cubicBezTo>
+                  <a:pt x="-2" y="9698"/>
+                  <a:pt x="4" y="9427"/>
+                  <a:pt x="0" y="9125"/>
+                </a:cubicBezTo>
+                <a:lnTo>
+                  <a:pt x="8763" y="9128"/>
+                </a:lnTo>
+                <a:lnTo>
+                  <a:pt x="8763" y="0"/>
+                </a:lnTo>
+                <a:close/>
+              </a:path>
+            </a:pathLst>
+          </a:custGeom>
+          <a:solidFill>
+            <a:schemeClr val="bg2"/>
+          </a:solidFill>
+          <a:ln w="0">
+            <a:noFill/>
+            <a:prstDash val="solid"/>
+            <a:round/>
+            <a:headEnd/>
+            <a:tailEnd/>
+          </a:ln>
+        </p:spPr>
+      </p:sp>
+      <p:sp>
+        <p:nvSpPr>
+          <p:cNvPr id="79" name="Freeform 6">
+            <a:extLst>
+              <a:ext uri="{FF2B5EF4-FFF2-40B4-BE49-F238E27FC236}">
+                <a16:creationId xmlns:a16="http://schemas.microsoft.com/office/drawing/2014/main" id="{DF6D7DDE-F8A1-4105-9729-F9EB5F81A360}"/>
+              </a:ext>
+              <a:ext uri="{C183D7F6-B498-43B3-948B-1728B52AA6E4}">
+                <adec:decorative xmlns:adec="http://schemas.microsoft.com/office/drawing/2017/decorative" val="1"/>
+              </a:ext>
+            </a:extLst>
+          </p:cNvPr>
+          <p:cNvSpPr>
+            <a:spLocks noGrp="1" noRot="1" noChangeAspect="1" noMove="1" noResize="1" noEditPoints="1" noAdjustHandles="1" noChangeArrowheads="1" noChangeShapeType="1" noTextEdit="1"/>
+          </p:cNvSpPr>
+          <p:nvPr>
+            <p:extLst>
+              <p:ext uri="{386F3935-93C4-4BCD-93E2-E3B085C9AB24}">
+                <p16:designElem xmlns:p16="http://schemas.microsoft.com/office/powerpoint/2015/main" val="1"/>
+              </p:ext>
+            </p:extLst>
+          </p:nvPr>
+        </p:nvSpPr>
+        <p:spPr bwMode="auto">
+          <a:xfrm>
+            <a:off x="8151962" y="1685652"/>
+            <a:ext cx="3275013" cy="4408488"/>
+          </a:xfrm>
+          <a:custGeom>
+            <a:avLst/>
+            <a:gdLst/>
+            <a:ahLst/>
+            <a:cxnLst/>
+            <a:rect l="l" t="t" r="r" b="b"/>
+            <a:pathLst>
+              <a:path w="10000" h="10000">
+                <a:moveTo>
+                  <a:pt x="8761" y="0"/>
+                </a:moveTo>
+                <a:lnTo>
+                  <a:pt x="10000" y="0"/>
+                </a:lnTo>
+                <a:lnTo>
+                  <a:pt x="10000" y="10000"/>
+                </a:lnTo>
+                <a:lnTo>
+                  <a:pt x="0" y="10000"/>
+                </a:lnTo>
+                <a:lnTo>
+                  <a:pt x="0" y="9126"/>
+                </a:lnTo>
+                <a:lnTo>
+                  <a:pt x="8761" y="9127"/>
+                </a:lnTo>
+                <a:lnTo>
+                  <a:pt x="8761" y="0"/>
+                </a:lnTo>
+                <a:close/>
+              </a:path>
+            </a:pathLst>
+          </a:custGeom>
+          <a:solidFill>
+            <a:schemeClr val="bg2"/>
+          </a:solidFill>
+          <a:ln w="0">
+            <a:noFill/>
+            <a:prstDash val="solid"/>
+            <a:round/>
+            <a:headEnd/>
+            <a:tailEnd/>
+          </a:ln>
+        </p:spPr>
+      </p:sp>
+      <p:sp>
+        <p:nvSpPr>
+          <p:cNvPr id="3" name="Title 2">
+            <a:extLst>
+              <a:ext uri="{FF2B5EF4-FFF2-40B4-BE49-F238E27FC236}">
+                <a16:creationId xmlns:a16="http://schemas.microsoft.com/office/drawing/2014/main" id="{B00D291A-D121-4861-AB34-FACF43801B14}"/>
+              </a:ext>
+            </a:extLst>
+          </p:cNvPr>
+          <p:cNvSpPr>
+            <a:spLocks noGrp="1"/>
+          </p:cNvSpPr>
+          <p:nvPr>
+            <p:ph type="title"/>
+          </p:nvPr>
+        </p:nvSpPr>
+        <p:spPr>
+          <a:xfrm>
+            <a:off x="1915128" y="1788454"/>
+            <a:ext cx="8361229" cy="2098226"/>
+          </a:xfrm>
+        </p:spPr>
+        <p:txBody>
+          <a:bodyPr vert="horz" lIns="91440" tIns="45720" rIns="91440" bIns="45720" rtlCol="0" anchor="b">
+            <a:normAutofit/>
+          </a:bodyPr>
+          <a:lstStyle/>
+          <a:p>
+            <a:pPr algn="ctr">
+              <a:lnSpc>
+                <a:spcPct val="89000"/>
+              </a:lnSpc>
+            </a:pPr>
+            <a:r>
+              <a:rPr lang="en-US" sz="6100" cap="all">
+                <a:solidFill>
+                  <a:schemeClr val="bg2"/>
+                </a:solidFill>
+              </a:rPr>
+              <a:t>The students need to speak their mind!</a:t>
+            </a:r>
+          </a:p>
+        </p:txBody>
+      </p:sp>
+      <p:sp>
+        <p:nvSpPr>
+          <p:cNvPr id="5" name="Text Placeholder 4">
+            <a:extLst>
+              <a:ext uri="{FF2B5EF4-FFF2-40B4-BE49-F238E27FC236}">
+                <a16:creationId xmlns:a16="http://schemas.microsoft.com/office/drawing/2014/main" id="{BABD1359-1633-4712-AA6E-9D3538C771E1}"/>
+              </a:ext>
+            </a:extLst>
+          </p:cNvPr>
+          <p:cNvSpPr>
+            <a:spLocks noGrp="1"/>
+          </p:cNvSpPr>
+          <p:nvPr>
+            <p:ph type="body" sz="half" idx="2"/>
+          </p:nvPr>
+        </p:nvSpPr>
+        <p:spPr>
+          <a:xfrm>
+            <a:off x="2679906" y="3956279"/>
+            <a:ext cx="6831673" cy="1086237"/>
+          </a:xfrm>
+        </p:spPr>
+        <p:txBody>
+          <a:bodyPr vert="horz" lIns="91440" tIns="45720" rIns="91440" bIns="45720" rtlCol="0">
+            <a:normAutofit/>
+          </a:bodyPr>
+          <a:lstStyle/>
+          <a:p>
+            <a:pPr algn="ctr">
+              <a:lnSpc>
+                <a:spcPct val="112000"/>
+              </a:lnSpc>
+              <a:spcAft>
+                <a:spcPts val="600"/>
+              </a:spcAft>
+            </a:pPr>
+            <a:r>
+              <a:rPr lang="en-US" sz="2300">
+                <a:solidFill>
+                  <a:schemeClr val="bg2"/>
+                </a:solidFill>
+              </a:rPr>
+              <a:t>The more we as students talk about change the more likely it is to happen.</a:t>
+            </a:r>
+          </a:p>
+        </p:txBody>
+      </p:sp>
+    </p:spTree>
+    <p:extLst>
+      <p:ext uri="{BB962C8B-B14F-4D97-AF65-F5344CB8AC3E}">
+        <p14:creationId xmlns:p14="http://schemas.microsoft.com/office/powerpoint/2010/main" val="2237420607"/>
+      </p:ext>
+    </p:extLst>
+  </p:cSld>
+  <p:clrMapOvr>
+    <a:masterClrMapping/>
+  </p:clrMapOvr>
+</p:sld>
+</file>
+
+<file path=ppt/slides/slide22.xml><?xml version="1.0" encoding="utf-8"?>
+<p:sld xmlns:a="http://schemas.openxmlformats.org/drawingml/2006/main" xmlns:r="http://schemas.openxmlformats.org/officeDocument/2006/relationships" xmlns:p="http://schemas.openxmlformats.org/presentationml/2006/main">
+  <p:cSld>
+    <p:bg>
+      <p:bgPr>
+        <a:solidFill>
+          <a:schemeClr val="bg2"/>
+        </a:solidFill>
+        <a:effectLst/>
+      </p:bgPr>
+    </p:bg>
+    <p:spTree>
+      <p:nvGrpSpPr>
+        <p:cNvPr id="1" name=""/>
+        <p:cNvGrpSpPr/>
+        <p:nvPr/>
+      </p:nvGrpSpPr>
+      <p:grpSpPr>
+        <a:xfrm>
+          <a:off x="0" y="0"/>
+          <a:ext cx="0" cy="0"/>
+          <a:chOff x="0" y="0"/>
+          <a:chExt cx="0" cy="0"/>
+        </a:xfrm>
+      </p:grpSpPr>
+      <p:grpSp>
+        <p:nvGrpSpPr>
+          <p:cNvPr id="71" name="Group 70">
+            <a:extLst>
+              <a:ext uri="{FF2B5EF4-FFF2-40B4-BE49-F238E27FC236}">
+                <a16:creationId xmlns:a16="http://schemas.microsoft.com/office/drawing/2014/main" id="{9D9D6BF1-DFF2-4526-9D13-BF339D8C4163}"/>
+              </a:ext>
+              <a:ext uri="{C183D7F6-B498-43B3-948B-1728B52AA6E4}">
+                <adec:decorative xmlns:adec="http://schemas.microsoft.com/office/drawing/2017/decorative" val="1"/>
+              </a:ext>
+            </a:extLst>
+          </p:cNvPr>
+          <p:cNvGrpSpPr>
+            <a:grpSpLocks noGrp="1" noUngrp="1" noRot="1" noChangeAspect="1" noMove="1" noResize="1"/>
+          </p:cNvGrpSpPr>
+          <p:nvPr>
+            <p:extLst>
+              <p:ext uri="{386F3935-93C4-4BCD-93E2-E3B085C9AB24}">
+                <p16:designElem xmlns:p16="http://schemas.microsoft.com/office/powerpoint/2015/main" val="1"/>
+              </p:ext>
+            </p:extLst>
+          </p:nvPr>
+        </p:nvGrpSpPr>
+        <p:grpSpPr>
+          <a:xfrm>
+            <a:off x="752858" y="744469"/>
+            <a:ext cx="10674117" cy="5349671"/>
+            <a:chOff x="752858" y="744469"/>
+            <a:chExt cx="10674117" cy="5349671"/>
+          </a:xfrm>
+        </p:grpSpPr>
+        <p:sp>
+          <p:nvSpPr>
+            <p:cNvPr id="72" name="Freeform 6">
+              <a:extLst>
+                <a:ext uri="{FF2B5EF4-FFF2-40B4-BE49-F238E27FC236}">
+                  <a16:creationId xmlns:a16="http://schemas.microsoft.com/office/drawing/2014/main" id="{A54D4DB6-FB18-4CAE-8905-E0053C92569E}"/>
+                </a:ext>
+                <a:ext uri="{C183D7F6-B498-43B3-948B-1728B52AA6E4}">
+                  <adec:decorative xmlns:adec="http://schemas.microsoft.com/office/drawing/2017/decorative" val="1"/>
+                </a:ext>
+              </a:extLst>
+            </p:cNvPr>
+            <p:cNvSpPr/>
+            <p:nvPr>
+              <p:extLst>
+                <p:ext uri="{386F3935-93C4-4BCD-93E2-E3B085C9AB24}">
+                  <p16:designElem xmlns:p16="http://schemas.microsoft.com/office/powerpoint/2015/main" val="1"/>
+                </p:ext>
+              </p:extLst>
+            </p:nvPr>
+          </p:nvSpPr>
+          <p:spPr bwMode="auto">
+            <a:xfrm>
+              <a:off x="8151962" y="1685652"/>
+              <a:ext cx="3275013" cy="4408488"/>
+            </a:xfrm>
+            <a:custGeom>
+              <a:avLst/>
+              <a:gdLst/>
+              <a:ahLst/>
+              <a:cxnLst/>
+              <a:rect l="l" t="t" r="r" b="b"/>
+              <a:pathLst>
+                <a:path w="10000" h="10000">
+                  <a:moveTo>
+                    <a:pt x="8761" y="0"/>
+                  </a:moveTo>
+                  <a:lnTo>
+                    <a:pt x="10000" y="0"/>
+                  </a:lnTo>
+                  <a:lnTo>
+                    <a:pt x="10000" y="10000"/>
+                  </a:lnTo>
+                  <a:lnTo>
+                    <a:pt x="0" y="10000"/>
+                  </a:lnTo>
+                  <a:lnTo>
+                    <a:pt x="0" y="9126"/>
+                  </a:lnTo>
+                  <a:lnTo>
+                    <a:pt x="8761" y="9127"/>
+                  </a:lnTo>
+                  <a:lnTo>
+                    <a:pt x="8761" y="0"/>
+                  </a:lnTo>
+                  <a:close/>
+                </a:path>
+              </a:pathLst>
+            </a:custGeom>
+            <a:solidFill>
+              <a:schemeClr val="tx2"/>
+            </a:solidFill>
+            <a:ln w="0">
+              <a:noFill/>
+              <a:prstDash val="solid"/>
+              <a:round/>
+              <a:headEnd/>
+              <a:tailEnd/>
+            </a:ln>
+          </p:spPr>
+        </p:sp>
+        <p:sp>
+          <p:nvSpPr>
+            <p:cNvPr id="73" name="Freeform 6">
+              <a:extLst>
+                <a:ext uri="{FF2B5EF4-FFF2-40B4-BE49-F238E27FC236}">
+                  <a16:creationId xmlns:a16="http://schemas.microsoft.com/office/drawing/2014/main" id="{1DBD6488-9429-4FFA-8AE8-C4022C39B0F2}"/>
+                </a:ext>
+                <a:ext uri="{C183D7F6-B498-43B3-948B-1728B52AA6E4}">
+                  <adec:decorative xmlns:adec="http://schemas.microsoft.com/office/drawing/2017/decorative" val="1"/>
+                </a:ext>
+              </a:extLst>
+            </p:cNvPr>
+            <p:cNvSpPr/>
+            <p:nvPr>
+              <p:extLst>
+                <p:ext uri="{386F3935-93C4-4BCD-93E2-E3B085C9AB24}">
+                  <p16:designElem xmlns:p16="http://schemas.microsoft.com/office/powerpoint/2015/main" val="1"/>
+                </p:ext>
+              </p:extLst>
+            </p:nvPr>
+          </p:nvSpPr>
+          <p:spPr bwMode="auto">
+            <a:xfrm flipH="1" flipV="1">
+              <a:off x="752858" y="744469"/>
+              <a:ext cx="3275668" cy="4408488"/>
+            </a:xfrm>
+            <a:custGeom>
+              <a:avLst/>
+              <a:gdLst/>
+              <a:ahLst/>
+              <a:cxnLst/>
+              <a:rect l="l" t="t" r="r" b="b"/>
+              <a:pathLst>
+                <a:path w="10002" h="10000">
+                  <a:moveTo>
+                    <a:pt x="8763" y="0"/>
+                  </a:moveTo>
+                  <a:lnTo>
+                    <a:pt x="10002" y="0"/>
+                  </a:lnTo>
+                  <a:lnTo>
+                    <a:pt x="10002" y="10000"/>
+                  </a:lnTo>
+                  <a:lnTo>
+                    <a:pt x="2" y="10000"/>
+                  </a:lnTo>
+                  <a:cubicBezTo>
+                    <a:pt x="-2" y="9698"/>
+                    <a:pt x="4" y="9427"/>
+                    <a:pt x="0" y="9125"/>
+                  </a:cubicBezTo>
+                  <a:lnTo>
+                    <a:pt x="8763" y="9128"/>
+                  </a:lnTo>
+                  <a:lnTo>
+                    <a:pt x="8763" y="0"/>
+                  </a:lnTo>
+                  <a:close/>
+                </a:path>
+              </a:pathLst>
+            </a:custGeom>
+            <a:solidFill>
+              <a:schemeClr val="tx2"/>
+            </a:solidFill>
+            <a:ln w="0">
+              <a:noFill/>
+              <a:prstDash val="solid"/>
+              <a:round/>
+              <a:headEnd/>
+              <a:tailEnd/>
+            </a:ln>
+          </p:spPr>
+        </p:sp>
+      </p:grpSp>
+      <p:pic>
+        <p:nvPicPr>
+          <p:cNvPr id="2050" name="Picture 2" descr="The 25 Best Small Colleges - 2016 University Rankings">
+            <a:extLst>
+              <a:ext uri="{FF2B5EF4-FFF2-40B4-BE49-F238E27FC236}">
+                <a16:creationId xmlns:a16="http://schemas.microsoft.com/office/drawing/2014/main" id="{D8E8C1FE-1721-4987-9553-2E96A42469A2}"/>
+              </a:ext>
+            </a:extLst>
+          </p:cNvPr>
+          <p:cNvPicPr>
+            <a:picLocks noGrp="1" noChangeAspect="1" noChangeArrowheads="1"/>
+          </p:cNvPicPr>
+          <p:nvPr>
+            <p:ph idx="1"/>
+          </p:nvPr>
+        </p:nvPicPr>
+        <p:blipFill rotWithShape="1">
+          <a:blip r:embed="rId2">
+            <a:extLst>
+              <a:ext uri="{28A0092B-C50C-407E-A947-70E740481C1C}">
+                <a14:useLocalDpi xmlns:a14="http://schemas.microsoft.com/office/drawing/2010/main" val="0"/>
+              </a:ext>
+            </a:extLst>
+          </a:blip>
+          <a:srcRect t="26772" b="12241"/>
+          <a:stretch/>
+        </p:blipFill>
+        <p:spPr bwMode="auto">
+          <a:xfrm>
+            <a:off x="20" y="10"/>
+            <a:ext cx="12191980" cy="6859300"/>
+          </a:xfrm>
+          <a:prstGeom prst="rect">
+            <a:avLst/>
+          </a:prstGeom>
+          <a:noFill/>
+          <a:extLst>
+            <a:ext uri="{909E8E84-426E-40DD-AFC4-6F175D3DCCD1}">
+              <a14:hiddenFill xmlns:a14="http://schemas.microsoft.com/office/drawing/2010/main">
+                <a:solidFill>
+                  <a:srgbClr val="FFFFFF"/>
+                </a:solidFill>
+              </a14:hiddenFill>
+            </a:ext>
+          </a:extLst>
+        </p:spPr>
+      </p:pic>
+      <p:sp>
+        <p:nvSpPr>
+          <p:cNvPr id="75" name="Rectangle 74">
+            <a:extLst>
+              <a:ext uri="{FF2B5EF4-FFF2-40B4-BE49-F238E27FC236}">
+                <a16:creationId xmlns:a16="http://schemas.microsoft.com/office/drawing/2014/main" id="{310B1DD0-264A-47E3-A16A-C87AFA51E68A}"/>
+              </a:ext>
+              <a:ext uri="{C183D7F6-B498-43B3-948B-1728B52AA6E4}">
+                <adec:decorative xmlns:adec="http://schemas.microsoft.com/office/drawing/2017/decorative" val="1"/>
+              </a:ext>
+            </a:extLst>
+          </p:cNvPr>
+          <p:cNvSpPr>
+            <a:spLocks noGrp="1" noRot="1" noChangeAspect="1" noMove="1" noResize="1" noEditPoints="1" noAdjustHandles="1" noChangeArrowheads="1" noChangeShapeType="1" noTextEdit="1"/>
+          </p:cNvSpPr>
+          <p:nvPr>
+            <p:extLst>
+              <p:ext uri="{386F3935-93C4-4BCD-93E2-E3B085C9AB24}">
+                <p16:designElem xmlns:p16="http://schemas.microsoft.com/office/powerpoint/2015/main" val="1"/>
+              </p:ext>
+            </p:extLst>
+          </p:nvPr>
+        </p:nvSpPr>
+        <p:spPr bwMode="ltGray">
+          <a:xfrm>
+            <a:off x="-258" y="0"/>
+            <a:ext cx="12192000" cy="6858000"/>
+          </a:xfrm>
+          <a:prstGeom prst="rect">
+            <a:avLst/>
+          </a:prstGeom>
+          <a:gradFill flip="none" rotWithShape="1">
+            <a:gsLst>
+              <a:gs pos="20000">
+                <a:schemeClr val="tx2">
+                  <a:alpha val="70000"/>
+                </a:schemeClr>
+              </a:gs>
+              <a:gs pos="100000">
+                <a:schemeClr val="tx2"/>
+              </a:gs>
+            </a:gsLst>
+            <a:path path="circle">
+              <a:fillToRect l="50000" t="50000" r="50000" b="50000"/>
+            </a:path>
+            <a:tileRect/>
+          </a:gradFill>
+          <a:ln>
+            <a:noFill/>
+          </a:ln>
+        </p:spPr>
+        <p:style>
+          <a:lnRef idx="2">
+            <a:schemeClr val="accent1">
+              <a:shade val="50000"/>
+            </a:schemeClr>
+          </a:lnRef>
+          <a:fillRef idx="1">
+            <a:schemeClr val="accent1"/>
+          </a:fillRef>
+          <a:effectRef idx="0">
+            <a:schemeClr val="accent1"/>
+          </a:effectRef>
+          <a:fontRef idx="minor">
+            <a:schemeClr val="lt1"/>
+          </a:fontRef>
+        </p:style>
+        <p:txBody>
+          <a:bodyPr rtlCol="0" anchor="ctr"/>
+          <a:lstStyle/>
+          <a:p>
+            <a:pPr algn="ctr"/>
+            <a:endParaRPr lang="en-US"/>
+          </a:p>
+        </p:txBody>
+      </p:sp>
+      <p:sp>
+        <p:nvSpPr>
+          <p:cNvPr id="77" name="Freeform 6">
+            <a:extLst>
+              <a:ext uri="{FF2B5EF4-FFF2-40B4-BE49-F238E27FC236}">
+                <a16:creationId xmlns:a16="http://schemas.microsoft.com/office/drawing/2014/main" id="{69C1BB7B-F21E-41A2-B30C-D8507B960282}"/>
+              </a:ext>
+              <a:ext uri="{C183D7F6-B498-43B3-948B-1728B52AA6E4}">
+                <adec:decorative xmlns:adec="http://schemas.microsoft.com/office/drawing/2017/decorative" val="1"/>
+              </a:ext>
+            </a:extLst>
+          </p:cNvPr>
+          <p:cNvSpPr>
+            <a:spLocks noGrp="1" noRot="1" noChangeAspect="1" noMove="1" noResize="1" noEditPoints="1" noAdjustHandles="1" noChangeArrowheads="1" noChangeShapeType="1" noTextEdit="1"/>
+          </p:cNvSpPr>
+          <p:nvPr>
+            <p:extLst>
+              <p:ext uri="{386F3935-93C4-4BCD-93E2-E3B085C9AB24}">
+                <p16:designElem xmlns:p16="http://schemas.microsoft.com/office/powerpoint/2015/main" val="1"/>
+              </p:ext>
+            </p:extLst>
+          </p:nvPr>
+        </p:nvSpPr>
+        <p:spPr bwMode="auto">
+          <a:xfrm flipH="1" flipV="1">
+            <a:off x="752858" y="744469"/>
+            <a:ext cx="3275668" cy="4408488"/>
+          </a:xfrm>
+          <a:custGeom>
+            <a:avLst/>
+            <a:gdLst/>
+            <a:ahLst/>
+            <a:cxnLst/>
+            <a:rect l="l" t="t" r="r" b="b"/>
+            <a:pathLst>
+              <a:path w="10002" h="10000">
+                <a:moveTo>
+                  <a:pt x="8763" y="0"/>
+                </a:moveTo>
+                <a:lnTo>
+                  <a:pt x="10002" y="0"/>
+                </a:lnTo>
+                <a:lnTo>
+                  <a:pt x="10002" y="10000"/>
+                </a:lnTo>
+                <a:lnTo>
+                  <a:pt x="2" y="10000"/>
+                </a:lnTo>
+                <a:cubicBezTo>
+                  <a:pt x="-2" y="9698"/>
+                  <a:pt x="4" y="9427"/>
+                  <a:pt x="0" y="9125"/>
+                </a:cubicBezTo>
+                <a:lnTo>
+                  <a:pt x="8763" y="9128"/>
+                </a:lnTo>
+                <a:lnTo>
+                  <a:pt x="8763" y="0"/>
+                </a:lnTo>
+                <a:close/>
+              </a:path>
+            </a:pathLst>
+          </a:custGeom>
+          <a:solidFill>
+            <a:schemeClr val="bg2"/>
+          </a:solidFill>
+          <a:ln w="0">
+            <a:noFill/>
+            <a:prstDash val="solid"/>
+            <a:round/>
+            <a:headEnd/>
+            <a:tailEnd/>
+          </a:ln>
+        </p:spPr>
+      </p:sp>
+      <p:sp>
+        <p:nvSpPr>
+          <p:cNvPr id="79" name="Freeform 6">
+            <a:extLst>
+              <a:ext uri="{FF2B5EF4-FFF2-40B4-BE49-F238E27FC236}">
+                <a16:creationId xmlns:a16="http://schemas.microsoft.com/office/drawing/2014/main" id="{DF6D7DDE-F8A1-4105-9729-F9EB5F81A360}"/>
+              </a:ext>
+              <a:ext uri="{C183D7F6-B498-43B3-948B-1728B52AA6E4}">
+                <adec:decorative xmlns:adec="http://schemas.microsoft.com/office/drawing/2017/decorative" val="1"/>
+              </a:ext>
+            </a:extLst>
+          </p:cNvPr>
+          <p:cNvSpPr>
+            <a:spLocks noGrp="1" noRot="1" noChangeAspect="1" noMove="1" noResize="1" noEditPoints="1" noAdjustHandles="1" noChangeArrowheads="1" noChangeShapeType="1" noTextEdit="1"/>
+          </p:cNvSpPr>
+          <p:nvPr>
+            <p:extLst>
+              <p:ext uri="{386F3935-93C4-4BCD-93E2-E3B085C9AB24}">
+                <p16:designElem xmlns:p16="http://schemas.microsoft.com/office/powerpoint/2015/main" val="1"/>
+              </p:ext>
+            </p:extLst>
+          </p:nvPr>
+        </p:nvSpPr>
+        <p:spPr bwMode="auto">
+          <a:xfrm>
+            <a:off x="8151962" y="1685652"/>
+            <a:ext cx="3275013" cy="4408488"/>
+          </a:xfrm>
+          <a:custGeom>
+            <a:avLst/>
+            <a:gdLst/>
+            <a:ahLst/>
+            <a:cxnLst/>
+            <a:rect l="l" t="t" r="r" b="b"/>
+            <a:pathLst>
+              <a:path w="10000" h="10000">
+                <a:moveTo>
+                  <a:pt x="8761" y="0"/>
+                </a:moveTo>
+                <a:lnTo>
+                  <a:pt x="10000" y="0"/>
+                </a:lnTo>
+                <a:lnTo>
+                  <a:pt x="10000" y="10000"/>
+                </a:lnTo>
+                <a:lnTo>
+                  <a:pt x="0" y="10000"/>
+                </a:lnTo>
+                <a:lnTo>
+                  <a:pt x="0" y="9126"/>
+                </a:lnTo>
+                <a:lnTo>
+                  <a:pt x="8761" y="9127"/>
+                </a:lnTo>
+                <a:lnTo>
+                  <a:pt x="8761" y="0"/>
+                </a:lnTo>
+                <a:close/>
+              </a:path>
+            </a:pathLst>
+          </a:custGeom>
+          <a:solidFill>
+            <a:schemeClr val="bg2"/>
+          </a:solidFill>
+          <a:ln w="0">
+            <a:noFill/>
+            <a:prstDash val="solid"/>
+            <a:round/>
+            <a:headEnd/>
+            <a:tailEnd/>
+          </a:ln>
+        </p:spPr>
+      </p:sp>
+      <p:sp>
+        <p:nvSpPr>
+          <p:cNvPr id="2" name="Title 1">
+            <a:extLst>
+              <a:ext uri="{FF2B5EF4-FFF2-40B4-BE49-F238E27FC236}">
+                <a16:creationId xmlns:a16="http://schemas.microsoft.com/office/drawing/2014/main" id="{9B25D0BD-A51B-4155-9AAC-F519739939D2}"/>
+              </a:ext>
+            </a:extLst>
+          </p:cNvPr>
+          <p:cNvSpPr>
+            <a:spLocks noGrp="1"/>
+          </p:cNvSpPr>
+          <p:nvPr>
+            <p:ph type="title"/>
+          </p:nvPr>
+        </p:nvSpPr>
+        <p:spPr>
+          <a:xfrm>
+            <a:off x="1915128" y="1788454"/>
+            <a:ext cx="8361229" cy="2098226"/>
+          </a:xfrm>
+        </p:spPr>
+        <p:txBody>
+          <a:bodyPr vert="horz" lIns="91440" tIns="45720" rIns="91440" bIns="45720" rtlCol="0" anchor="b">
+            <a:normAutofit/>
+          </a:bodyPr>
+          <a:lstStyle/>
+          <a:p>
+            <a:pPr algn="ctr">
+              <a:lnSpc>
+                <a:spcPct val="89000"/>
+              </a:lnSpc>
+            </a:pPr>
+            <a:r>
+              <a:rPr lang="en-US" sz="6700" cap="all">
+                <a:solidFill>
+                  <a:schemeClr val="bg2"/>
+                </a:solidFill>
+              </a:rPr>
+              <a:t>New schools need to jump on board!</a:t>
+            </a:r>
+          </a:p>
+        </p:txBody>
+      </p:sp>
+      <p:sp>
+        <p:nvSpPr>
+          <p:cNvPr id="4" name="Text Placeholder 3">
+            <a:extLst>
+              <a:ext uri="{FF2B5EF4-FFF2-40B4-BE49-F238E27FC236}">
+                <a16:creationId xmlns:a16="http://schemas.microsoft.com/office/drawing/2014/main" id="{CFF9A146-F602-44E7-B62D-387A3C017084}"/>
+              </a:ext>
+            </a:extLst>
+          </p:cNvPr>
+          <p:cNvSpPr>
+            <a:spLocks noGrp="1"/>
+          </p:cNvSpPr>
+          <p:nvPr>
+            <p:ph type="body" sz="half" idx="2"/>
+          </p:nvPr>
+        </p:nvSpPr>
+        <p:spPr>
+          <a:xfrm>
+            <a:off x="2679906" y="3956279"/>
+            <a:ext cx="6831673" cy="1086237"/>
+          </a:xfrm>
+        </p:spPr>
+        <p:txBody>
+          <a:bodyPr vert="horz" lIns="91440" tIns="45720" rIns="91440" bIns="45720" rtlCol="0">
+            <a:normAutofit/>
+          </a:bodyPr>
+          <a:lstStyle/>
+          <a:p>
+            <a:pPr algn="ctr">
+              <a:lnSpc>
+                <a:spcPct val="112000"/>
+              </a:lnSpc>
+              <a:spcAft>
+                <a:spcPts val="600"/>
+              </a:spcAft>
+            </a:pPr>
+            <a:r>
+              <a:rPr lang="en-US" sz="2300" dirty="0">
+                <a:solidFill>
+                  <a:schemeClr val="bg2"/>
+                </a:solidFill>
+              </a:rPr>
+              <a:t>The newer and smaller the school the more likely they are to change.</a:t>
+            </a:r>
+          </a:p>
+        </p:txBody>
+      </p:sp>
+    </p:spTree>
+    <p:extLst>
+      <p:ext uri="{BB962C8B-B14F-4D97-AF65-F5344CB8AC3E}">
+        <p14:creationId xmlns:p14="http://schemas.microsoft.com/office/powerpoint/2010/main" val="579212873"/>
+      </p:ext>
+    </p:extLst>
+  </p:cSld>
+  <p:clrMapOvr>
+    <a:masterClrMapping/>
+  </p:clrMapOvr>
+</p:sld>
+</file>
+
+<file path=ppt/slides/slide23.xml><?xml version="1.0" encoding="utf-8"?>
+<p:sld xmlns:a="http://schemas.openxmlformats.org/drawingml/2006/main" xmlns:r="http://schemas.openxmlformats.org/officeDocument/2006/relationships" xmlns:p="http://schemas.openxmlformats.org/presentationml/2006/main">
+  <p:cSld>
+    <p:bg>
+      <p:bgPr>
+        <a:solidFill>
+          <a:schemeClr val="bg2"/>
+        </a:solidFill>
+        <a:effectLst/>
+      </p:bgPr>
+    </p:bg>
     <p:spTree>
       <p:nvGrpSpPr>
         <p:cNvPr id="1" name=""/>
@@ -5961,17 +10420,19 @@
       </p:grpSpPr>
       <p:pic>
         <p:nvPicPr>
-          <p:cNvPr id="5" name="Picture 4" descr="A close up of a newspaper&#10;&#10;Description automatically generated">
+          <p:cNvPr id="12" name="Picture 2" descr="The Power Of Change - Above The Fray">
             <a:extLst>
               <a:ext uri="{FF2B5EF4-FFF2-40B4-BE49-F238E27FC236}">
-                <a16:creationId xmlns:a16="http://schemas.microsoft.com/office/drawing/2014/main" id="{16B8ED8F-7075-418D-AD3C-DC3566B31E7D}"/>
+                <a16:creationId xmlns:a16="http://schemas.microsoft.com/office/drawing/2014/main" id="{C4024F71-1F6E-4DB7-931E-934C71D6F4D9}"/>
               </a:ext>
             </a:extLst>
           </p:cNvPr>
           <p:cNvPicPr>
-            <a:picLocks noChangeAspect="1"/>
+            <a:picLocks noGrp="1" noChangeAspect="1" noChangeArrowheads="1"/>
           </p:cNvPicPr>
-          <p:nvPr/>
+          <p:nvPr>
+            <p:ph idx="1"/>
+          </p:nvPr>
         </p:nvPicPr>
         <p:blipFill>
           <a:blip r:embed="rId2">
@@ -5981,24 +10442,1011 @@
               </a:ext>
             </a:extLst>
           </a:blip>
+          <a:srcRect/>
           <a:stretch>
             <a:fillRect/>
           </a:stretch>
         </p:blipFill>
-        <p:spPr>
-          <a:xfrm>
-            <a:off x="2123089" y="143134"/>
-            <a:ext cx="7945821" cy="6571731"/>
+        <p:spPr bwMode="auto">
+          <a:xfrm>
+            <a:off x="-258" y="0"/>
+            <a:ext cx="12192000" cy="6858000"/>
           </a:xfrm>
           <a:prstGeom prst="rect">
             <a:avLst/>
           </a:prstGeom>
+          <a:noFill/>
+          <a:extLst>
+            <a:ext uri="{909E8E84-426E-40DD-AFC4-6F175D3DCCD1}">
+              <a14:hiddenFill xmlns:a14="http://schemas.microsoft.com/office/drawing/2010/main">
+                <a:solidFill>
+                  <a:srgbClr val="FFFFFF"/>
+                </a:solidFill>
+              </a14:hiddenFill>
+            </a:ext>
+          </a:extLst>
         </p:spPr>
       </p:pic>
+      <p:grpSp>
+        <p:nvGrpSpPr>
+          <p:cNvPr id="71" name="Group 70">
+            <a:extLst>
+              <a:ext uri="{FF2B5EF4-FFF2-40B4-BE49-F238E27FC236}">
+                <a16:creationId xmlns:a16="http://schemas.microsoft.com/office/drawing/2014/main" id="{9D9D6BF1-DFF2-4526-9D13-BF339D8C4163}"/>
+              </a:ext>
+              <a:ext uri="{C183D7F6-B498-43B3-948B-1728B52AA6E4}">
+                <adec:decorative xmlns:adec="http://schemas.microsoft.com/office/drawing/2017/decorative" val="1"/>
+              </a:ext>
+            </a:extLst>
+          </p:cNvPr>
+          <p:cNvGrpSpPr>
+            <a:grpSpLocks noGrp="1" noUngrp="1" noRot="1" noChangeAspect="1" noMove="1" noResize="1"/>
+          </p:cNvGrpSpPr>
+          <p:nvPr>
+            <p:extLst>
+              <p:ext uri="{386F3935-93C4-4BCD-93E2-E3B085C9AB24}">
+                <p16:designElem xmlns:p16="http://schemas.microsoft.com/office/powerpoint/2015/main" val="1"/>
+              </p:ext>
+            </p:extLst>
+          </p:nvPr>
+        </p:nvGrpSpPr>
+        <p:grpSpPr>
+          <a:xfrm>
+            <a:off x="752858" y="744469"/>
+            <a:ext cx="10674117" cy="5349671"/>
+            <a:chOff x="752858" y="744469"/>
+            <a:chExt cx="10674117" cy="5349671"/>
+          </a:xfrm>
+        </p:grpSpPr>
+        <p:sp>
+          <p:nvSpPr>
+            <p:cNvPr id="72" name="Freeform 6">
+              <a:extLst>
+                <a:ext uri="{FF2B5EF4-FFF2-40B4-BE49-F238E27FC236}">
+                  <a16:creationId xmlns:a16="http://schemas.microsoft.com/office/drawing/2014/main" id="{A54D4DB6-FB18-4CAE-8905-E0053C92569E}"/>
+                </a:ext>
+                <a:ext uri="{C183D7F6-B498-43B3-948B-1728B52AA6E4}">
+                  <adec:decorative xmlns:adec="http://schemas.microsoft.com/office/drawing/2017/decorative" val="1"/>
+                </a:ext>
+              </a:extLst>
+            </p:cNvPr>
+            <p:cNvSpPr/>
+            <p:nvPr>
+              <p:extLst>
+                <p:ext uri="{386F3935-93C4-4BCD-93E2-E3B085C9AB24}">
+                  <p16:designElem xmlns:p16="http://schemas.microsoft.com/office/powerpoint/2015/main" val="1"/>
+                </p:ext>
+              </p:extLst>
+            </p:nvPr>
+          </p:nvSpPr>
+          <p:spPr bwMode="auto">
+            <a:xfrm>
+              <a:off x="8151962" y="1685652"/>
+              <a:ext cx="3275013" cy="4408488"/>
+            </a:xfrm>
+            <a:custGeom>
+              <a:avLst/>
+              <a:gdLst/>
+              <a:ahLst/>
+              <a:cxnLst/>
+              <a:rect l="l" t="t" r="r" b="b"/>
+              <a:pathLst>
+                <a:path w="10000" h="10000">
+                  <a:moveTo>
+                    <a:pt x="8761" y="0"/>
+                  </a:moveTo>
+                  <a:lnTo>
+                    <a:pt x="10000" y="0"/>
+                  </a:lnTo>
+                  <a:lnTo>
+                    <a:pt x="10000" y="10000"/>
+                  </a:lnTo>
+                  <a:lnTo>
+                    <a:pt x="0" y="10000"/>
+                  </a:lnTo>
+                  <a:lnTo>
+                    <a:pt x="0" y="9126"/>
+                  </a:lnTo>
+                  <a:lnTo>
+                    <a:pt x="8761" y="9127"/>
+                  </a:lnTo>
+                  <a:lnTo>
+                    <a:pt x="8761" y="0"/>
+                  </a:lnTo>
+                  <a:close/>
+                </a:path>
+              </a:pathLst>
+            </a:custGeom>
+            <a:solidFill>
+              <a:schemeClr val="tx2"/>
+            </a:solidFill>
+            <a:ln w="0">
+              <a:noFill/>
+              <a:prstDash val="solid"/>
+              <a:round/>
+              <a:headEnd/>
+              <a:tailEnd/>
+            </a:ln>
+          </p:spPr>
+        </p:sp>
+        <p:sp>
+          <p:nvSpPr>
+            <p:cNvPr id="73" name="Freeform 6">
+              <a:extLst>
+                <a:ext uri="{FF2B5EF4-FFF2-40B4-BE49-F238E27FC236}">
+                  <a16:creationId xmlns:a16="http://schemas.microsoft.com/office/drawing/2014/main" id="{1DBD6488-9429-4FFA-8AE8-C4022C39B0F2}"/>
+                </a:ext>
+                <a:ext uri="{C183D7F6-B498-43B3-948B-1728B52AA6E4}">
+                  <adec:decorative xmlns:adec="http://schemas.microsoft.com/office/drawing/2017/decorative" val="1"/>
+                </a:ext>
+              </a:extLst>
+            </p:cNvPr>
+            <p:cNvSpPr/>
+            <p:nvPr>
+              <p:extLst>
+                <p:ext uri="{386F3935-93C4-4BCD-93E2-E3B085C9AB24}">
+                  <p16:designElem xmlns:p16="http://schemas.microsoft.com/office/powerpoint/2015/main" val="1"/>
+                </p:ext>
+              </p:extLst>
+            </p:nvPr>
+          </p:nvSpPr>
+          <p:spPr bwMode="auto">
+            <a:xfrm flipH="1" flipV="1">
+              <a:off x="752858" y="744469"/>
+              <a:ext cx="3275668" cy="4408488"/>
+            </a:xfrm>
+            <a:custGeom>
+              <a:avLst/>
+              <a:gdLst/>
+              <a:ahLst/>
+              <a:cxnLst/>
+              <a:rect l="l" t="t" r="r" b="b"/>
+              <a:pathLst>
+                <a:path w="10002" h="10000">
+                  <a:moveTo>
+                    <a:pt x="8763" y="0"/>
+                  </a:moveTo>
+                  <a:lnTo>
+                    <a:pt x="10002" y="0"/>
+                  </a:lnTo>
+                  <a:lnTo>
+                    <a:pt x="10002" y="10000"/>
+                  </a:lnTo>
+                  <a:lnTo>
+                    <a:pt x="2" y="10000"/>
+                  </a:lnTo>
+                  <a:cubicBezTo>
+                    <a:pt x="-2" y="9698"/>
+                    <a:pt x="4" y="9427"/>
+                    <a:pt x="0" y="9125"/>
+                  </a:cubicBezTo>
+                  <a:lnTo>
+                    <a:pt x="8763" y="9128"/>
+                  </a:lnTo>
+                  <a:lnTo>
+                    <a:pt x="8763" y="0"/>
+                  </a:lnTo>
+                  <a:close/>
+                </a:path>
+              </a:pathLst>
+            </a:custGeom>
+            <a:solidFill>
+              <a:schemeClr val="tx2"/>
+            </a:solidFill>
+            <a:ln w="0">
+              <a:noFill/>
+              <a:prstDash val="solid"/>
+              <a:round/>
+              <a:headEnd/>
+              <a:tailEnd/>
+            </a:ln>
+          </p:spPr>
+        </p:sp>
+      </p:grpSp>
+      <p:sp>
+        <p:nvSpPr>
+          <p:cNvPr id="75" name="Rectangle 74">
+            <a:extLst>
+              <a:ext uri="{FF2B5EF4-FFF2-40B4-BE49-F238E27FC236}">
+                <a16:creationId xmlns:a16="http://schemas.microsoft.com/office/drawing/2014/main" id="{310B1DD0-264A-47E3-A16A-C87AFA51E68A}"/>
+              </a:ext>
+              <a:ext uri="{C183D7F6-B498-43B3-948B-1728B52AA6E4}">
+                <adec:decorative xmlns:adec="http://schemas.microsoft.com/office/drawing/2017/decorative" val="1"/>
+              </a:ext>
+            </a:extLst>
+          </p:cNvPr>
+          <p:cNvSpPr>
+            <a:spLocks noGrp="1" noRot="1" noChangeAspect="1" noMove="1" noResize="1" noEditPoints="1" noAdjustHandles="1" noChangeArrowheads="1" noChangeShapeType="1" noTextEdit="1"/>
+          </p:cNvSpPr>
+          <p:nvPr>
+            <p:extLst>
+              <p:ext uri="{386F3935-93C4-4BCD-93E2-E3B085C9AB24}">
+                <p16:designElem xmlns:p16="http://schemas.microsoft.com/office/powerpoint/2015/main" val="1"/>
+              </p:ext>
+            </p:extLst>
+          </p:nvPr>
+        </p:nvSpPr>
+        <p:spPr bwMode="ltGray">
+          <a:xfrm>
+            <a:off x="-258" y="0"/>
+            <a:ext cx="12192000" cy="6858000"/>
+          </a:xfrm>
+          <a:prstGeom prst="rect">
+            <a:avLst/>
+          </a:prstGeom>
+          <a:gradFill flip="none" rotWithShape="1">
+            <a:gsLst>
+              <a:gs pos="20000">
+                <a:schemeClr val="tx2">
+                  <a:alpha val="70000"/>
+                </a:schemeClr>
+              </a:gs>
+              <a:gs pos="100000">
+                <a:schemeClr val="tx2"/>
+              </a:gs>
+            </a:gsLst>
+            <a:path path="circle">
+              <a:fillToRect l="50000" t="50000" r="50000" b="50000"/>
+            </a:path>
+            <a:tileRect/>
+          </a:gradFill>
+          <a:ln>
+            <a:noFill/>
+          </a:ln>
+        </p:spPr>
+        <p:style>
+          <a:lnRef idx="2">
+            <a:schemeClr val="accent1">
+              <a:shade val="50000"/>
+            </a:schemeClr>
+          </a:lnRef>
+          <a:fillRef idx="1">
+            <a:schemeClr val="accent1"/>
+          </a:fillRef>
+          <a:effectRef idx="0">
+            <a:schemeClr val="accent1"/>
+          </a:effectRef>
+          <a:fontRef idx="minor">
+            <a:schemeClr val="lt1"/>
+          </a:fontRef>
+        </p:style>
+        <p:txBody>
+          <a:bodyPr rtlCol="0" anchor="ctr"/>
+          <a:lstStyle/>
+          <a:p>
+            <a:pPr algn="ctr"/>
+            <a:endParaRPr lang="en-US"/>
+          </a:p>
+        </p:txBody>
+      </p:sp>
+      <p:sp>
+        <p:nvSpPr>
+          <p:cNvPr id="77" name="Freeform 6">
+            <a:extLst>
+              <a:ext uri="{FF2B5EF4-FFF2-40B4-BE49-F238E27FC236}">
+                <a16:creationId xmlns:a16="http://schemas.microsoft.com/office/drawing/2014/main" id="{69C1BB7B-F21E-41A2-B30C-D8507B960282}"/>
+              </a:ext>
+              <a:ext uri="{C183D7F6-B498-43B3-948B-1728B52AA6E4}">
+                <adec:decorative xmlns:adec="http://schemas.microsoft.com/office/drawing/2017/decorative" val="1"/>
+              </a:ext>
+            </a:extLst>
+          </p:cNvPr>
+          <p:cNvSpPr>
+            <a:spLocks noGrp="1" noRot="1" noChangeAspect="1" noMove="1" noResize="1" noEditPoints="1" noAdjustHandles="1" noChangeArrowheads="1" noChangeShapeType="1" noTextEdit="1"/>
+          </p:cNvSpPr>
+          <p:nvPr>
+            <p:extLst>
+              <p:ext uri="{386F3935-93C4-4BCD-93E2-E3B085C9AB24}">
+                <p16:designElem xmlns:p16="http://schemas.microsoft.com/office/powerpoint/2015/main" val="1"/>
+              </p:ext>
+            </p:extLst>
+          </p:nvPr>
+        </p:nvSpPr>
+        <p:spPr bwMode="auto">
+          <a:xfrm flipH="1" flipV="1">
+            <a:off x="752858" y="744469"/>
+            <a:ext cx="3275668" cy="4408488"/>
+          </a:xfrm>
+          <a:custGeom>
+            <a:avLst/>
+            <a:gdLst/>
+            <a:ahLst/>
+            <a:cxnLst/>
+            <a:rect l="l" t="t" r="r" b="b"/>
+            <a:pathLst>
+              <a:path w="10002" h="10000">
+                <a:moveTo>
+                  <a:pt x="8763" y="0"/>
+                </a:moveTo>
+                <a:lnTo>
+                  <a:pt x="10002" y="0"/>
+                </a:lnTo>
+                <a:lnTo>
+                  <a:pt x="10002" y="10000"/>
+                </a:lnTo>
+                <a:lnTo>
+                  <a:pt x="2" y="10000"/>
+                </a:lnTo>
+                <a:cubicBezTo>
+                  <a:pt x="-2" y="9698"/>
+                  <a:pt x="4" y="9427"/>
+                  <a:pt x="0" y="9125"/>
+                </a:cubicBezTo>
+                <a:lnTo>
+                  <a:pt x="8763" y="9128"/>
+                </a:lnTo>
+                <a:lnTo>
+                  <a:pt x="8763" y="0"/>
+                </a:lnTo>
+                <a:close/>
+              </a:path>
+            </a:pathLst>
+          </a:custGeom>
+          <a:solidFill>
+            <a:schemeClr val="bg2"/>
+          </a:solidFill>
+          <a:ln w="0">
+            <a:noFill/>
+            <a:prstDash val="solid"/>
+            <a:round/>
+            <a:headEnd/>
+            <a:tailEnd/>
+          </a:ln>
+        </p:spPr>
+      </p:sp>
+      <p:sp>
+        <p:nvSpPr>
+          <p:cNvPr id="79" name="Freeform 6">
+            <a:extLst>
+              <a:ext uri="{FF2B5EF4-FFF2-40B4-BE49-F238E27FC236}">
+                <a16:creationId xmlns:a16="http://schemas.microsoft.com/office/drawing/2014/main" id="{DF6D7DDE-F8A1-4105-9729-F9EB5F81A360}"/>
+              </a:ext>
+              <a:ext uri="{C183D7F6-B498-43B3-948B-1728B52AA6E4}">
+                <adec:decorative xmlns:adec="http://schemas.microsoft.com/office/drawing/2017/decorative" val="1"/>
+              </a:ext>
+            </a:extLst>
+          </p:cNvPr>
+          <p:cNvSpPr>
+            <a:spLocks noGrp="1" noRot="1" noChangeAspect="1" noMove="1" noResize="1" noEditPoints="1" noAdjustHandles="1" noChangeArrowheads="1" noChangeShapeType="1" noTextEdit="1"/>
+          </p:cNvSpPr>
+          <p:nvPr>
+            <p:extLst>
+              <p:ext uri="{386F3935-93C4-4BCD-93E2-E3B085C9AB24}">
+                <p16:designElem xmlns:p16="http://schemas.microsoft.com/office/powerpoint/2015/main" val="1"/>
+              </p:ext>
+            </p:extLst>
+          </p:nvPr>
+        </p:nvSpPr>
+        <p:spPr bwMode="auto">
+          <a:xfrm>
+            <a:off x="8151962" y="1685652"/>
+            <a:ext cx="3275013" cy="4408488"/>
+          </a:xfrm>
+          <a:custGeom>
+            <a:avLst/>
+            <a:gdLst/>
+            <a:ahLst/>
+            <a:cxnLst/>
+            <a:rect l="l" t="t" r="r" b="b"/>
+            <a:pathLst>
+              <a:path w="10000" h="10000">
+                <a:moveTo>
+                  <a:pt x="8761" y="0"/>
+                </a:moveTo>
+                <a:lnTo>
+                  <a:pt x="10000" y="0"/>
+                </a:lnTo>
+                <a:lnTo>
+                  <a:pt x="10000" y="10000"/>
+                </a:lnTo>
+                <a:lnTo>
+                  <a:pt x="0" y="10000"/>
+                </a:lnTo>
+                <a:lnTo>
+                  <a:pt x="0" y="9126"/>
+                </a:lnTo>
+                <a:lnTo>
+                  <a:pt x="8761" y="9127"/>
+                </a:lnTo>
+                <a:lnTo>
+                  <a:pt x="8761" y="0"/>
+                </a:lnTo>
+                <a:close/>
+              </a:path>
+            </a:pathLst>
+          </a:custGeom>
+          <a:solidFill>
+            <a:schemeClr val="bg2"/>
+          </a:solidFill>
+          <a:ln w="0">
+            <a:noFill/>
+            <a:prstDash val="solid"/>
+            <a:round/>
+            <a:headEnd/>
+            <a:tailEnd/>
+          </a:ln>
+        </p:spPr>
+      </p:sp>
+      <p:sp>
+        <p:nvSpPr>
+          <p:cNvPr id="2" name="Title 1">
+            <a:extLst>
+              <a:ext uri="{FF2B5EF4-FFF2-40B4-BE49-F238E27FC236}">
+                <a16:creationId xmlns:a16="http://schemas.microsoft.com/office/drawing/2014/main" id="{9B25D0BD-A51B-4155-9AAC-F519739939D2}"/>
+              </a:ext>
+            </a:extLst>
+          </p:cNvPr>
+          <p:cNvSpPr>
+            <a:spLocks noGrp="1"/>
+          </p:cNvSpPr>
+          <p:nvPr>
+            <p:ph type="title"/>
+          </p:nvPr>
+        </p:nvSpPr>
+        <p:spPr>
+          <a:xfrm>
+            <a:off x="1915127" y="1202123"/>
+            <a:ext cx="8361229" cy="2098226"/>
+          </a:xfrm>
+        </p:spPr>
+        <p:txBody>
+          <a:bodyPr vert="horz" lIns="91440" tIns="45720" rIns="91440" bIns="45720" rtlCol="0" anchor="b">
+            <a:normAutofit/>
+          </a:bodyPr>
+          <a:lstStyle/>
+          <a:p>
+            <a:pPr algn="ctr">
+              <a:lnSpc>
+                <a:spcPct val="89000"/>
+              </a:lnSpc>
+            </a:pPr>
+            <a:r>
+              <a:rPr lang="en-US" sz="6700" cap="all" dirty="0">
+                <a:solidFill>
+                  <a:schemeClr val="bg2"/>
+                </a:solidFill>
+              </a:rPr>
+              <a:t>Trial runs</a:t>
+            </a:r>
+          </a:p>
+        </p:txBody>
+      </p:sp>
+      <p:sp>
+        <p:nvSpPr>
+          <p:cNvPr id="4" name="Text Placeholder 3">
+            <a:extLst>
+              <a:ext uri="{FF2B5EF4-FFF2-40B4-BE49-F238E27FC236}">
+                <a16:creationId xmlns:a16="http://schemas.microsoft.com/office/drawing/2014/main" id="{CFF9A146-F602-44E7-B62D-387A3C017084}"/>
+              </a:ext>
+            </a:extLst>
+          </p:cNvPr>
+          <p:cNvSpPr>
+            <a:spLocks noGrp="1"/>
+          </p:cNvSpPr>
+          <p:nvPr>
+            <p:ph type="body" sz="half" idx="2"/>
+          </p:nvPr>
+        </p:nvSpPr>
+        <p:spPr>
+          <a:xfrm>
+            <a:off x="2679906" y="3956279"/>
+            <a:ext cx="6831673" cy="1086237"/>
+          </a:xfrm>
+        </p:spPr>
+        <p:txBody>
+          <a:bodyPr vert="horz" lIns="91440" tIns="45720" rIns="91440" bIns="45720" rtlCol="0">
+            <a:normAutofit fontScale="92500"/>
+          </a:bodyPr>
+          <a:lstStyle/>
+          <a:p>
+            <a:pPr algn="ctr">
+              <a:lnSpc>
+                <a:spcPct val="112000"/>
+              </a:lnSpc>
+              <a:spcAft>
+                <a:spcPts val="600"/>
+              </a:spcAft>
+            </a:pPr>
+            <a:r>
+              <a:rPr lang="en-US" sz="2300" dirty="0">
+                <a:solidFill>
+                  <a:schemeClr val="bg2"/>
+                </a:solidFill>
+              </a:rPr>
+              <a:t>After multiple smaller schools have “tested the waters” it will be much easier to convince larger ones to change.</a:t>
+            </a:r>
+          </a:p>
+        </p:txBody>
+      </p:sp>
     </p:spTree>
     <p:extLst>
       <p:ext uri="{BB962C8B-B14F-4D97-AF65-F5344CB8AC3E}">
-        <p14:creationId xmlns:p14="http://schemas.microsoft.com/office/powerpoint/2010/main" val="2936503444"/>
+        <p14:creationId xmlns:p14="http://schemas.microsoft.com/office/powerpoint/2010/main" val="2211328241"/>
+      </p:ext>
+    </p:extLst>
+  </p:cSld>
+  <p:clrMapOvr>
+    <a:masterClrMapping/>
+  </p:clrMapOvr>
+</p:sld>
+</file>
+
+<file path=ppt/slides/slide24.xml><?xml version="1.0" encoding="utf-8"?>
+<p:sld xmlns:a="http://schemas.openxmlformats.org/drawingml/2006/main" xmlns:r="http://schemas.openxmlformats.org/officeDocument/2006/relationships" xmlns:p="http://schemas.openxmlformats.org/presentationml/2006/main">
+  <p:cSld>
+    <p:bg>
+      <p:bgPr>
+        <a:solidFill>
+          <a:schemeClr val="bg2"/>
+        </a:solidFill>
+        <a:effectLst/>
+      </p:bgPr>
+    </p:bg>
+    <p:spTree>
+      <p:nvGrpSpPr>
+        <p:cNvPr id="1" name=""/>
+        <p:cNvGrpSpPr/>
+        <p:nvPr/>
+      </p:nvGrpSpPr>
+      <p:grpSpPr>
+        <a:xfrm>
+          <a:off x="0" y="0"/>
+          <a:ext cx="0" cy="0"/>
+          <a:chOff x="0" y="0"/>
+          <a:chExt cx="0" cy="0"/>
+        </a:xfrm>
+      </p:grpSpPr>
+      <p:grpSp>
+        <p:nvGrpSpPr>
+          <p:cNvPr id="10" name="Group 9">
+            <a:extLst>
+              <a:ext uri="{FF2B5EF4-FFF2-40B4-BE49-F238E27FC236}">
+                <a16:creationId xmlns:a16="http://schemas.microsoft.com/office/drawing/2014/main" id="{8C89EA62-F38E-4285-A105-C5E1BD360093}"/>
+              </a:ext>
+              <a:ext uri="{C183D7F6-B498-43B3-948B-1728B52AA6E4}">
+                <adec:decorative xmlns:adec="http://schemas.microsoft.com/office/drawing/2017/decorative" val="1"/>
+              </a:ext>
+            </a:extLst>
+          </p:cNvPr>
+          <p:cNvGrpSpPr>
+            <a:grpSpLocks noGrp="1" noUngrp="1" noRot="1" noChangeAspect="1" noMove="1" noResize="1"/>
+          </p:cNvGrpSpPr>
+          <p:nvPr>
+            <p:extLst>
+              <p:ext uri="{386F3935-93C4-4BCD-93E2-E3B085C9AB24}">
+                <p16:designElem xmlns:p16="http://schemas.microsoft.com/office/powerpoint/2015/main" val="1"/>
+              </p:ext>
+            </p:extLst>
+          </p:nvPr>
+        </p:nvGrpSpPr>
+        <p:grpSpPr>
+          <a:xfrm>
+            <a:off x="752858" y="744469"/>
+            <a:ext cx="10674117" cy="5349671"/>
+            <a:chOff x="752858" y="744469"/>
+            <a:chExt cx="10674117" cy="5349671"/>
+          </a:xfrm>
+        </p:grpSpPr>
+        <p:sp>
+          <p:nvSpPr>
+            <p:cNvPr id="11" name="Freeform 6">
+              <a:extLst>
+                <a:ext uri="{FF2B5EF4-FFF2-40B4-BE49-F238E27FC236}">
+                  <a16:creationId xmlns:a16="http://schemas.microsoft.com/office/drawing/2014/main" id="{2CF6E46A-CCCD-4728-B011-E147B23629A3}"/>
+                </a:ext>
+                <a:ext uri="{C183D7F6-B498-43B3-948B-1728B52AA6E4}">
+                  <adec:decorative xmlns:adec="http://schemas.microsoft.com/office/drawing/2017/decorative" val="1"/>
+                </a:ext>
+              </a:extLst>
+            </p:cNvPr>
+            <p:cNvSpPr/>
+            <p:nvPr>
+              <p:extLst>
+                <p:ext uri="{386F3935-93C4-4BCD-93E2-E3B085C9AB24}">
+                  <p16:designElem xmlns:p16="http://schemas.microsoft.com/office/powerpoint/2015/main" val="1"/>
+                </p:ext>
+              </p:extLst>
+            </p:nvPr>
+          </p:nvSpPr>
+          <p:spPr bwMode="auto">
+            <a:xfrm>
+              <a:off x="8151962" y="1685652"/>
+              <a:ext cx="3275013" cy="4408488"/>
+            </a:xfrm>
+            <a:custGeom>
+              <a:avLst/>
+              <a:gdLst/>
+              <a:ahLst/>
+              <a:cxnLst/>
+              <a:rect l="l" t="t" r="r" b="b"/>
+              <a:pathLst>
+                <a:path w="10000" h="10000">
+                  <a:moveTo>
+                    <a:pt x="8761" y="0"/>
+                  </a:moveTo>
+                  <a:lnTo>
+                    <a:pt x="10000" y="0"/>
+                  </a:lnTo>
+                  <a:lnTo>
+                    <a:pt x="10000" y="10000"/>
+                  </a:lnTo>
+                  <a:lnTo>
+                    <a:pt x="0" y="10000"/>
+                  </a:lnTo>
+                  <a:lnTo>
+                    <a:pt x="0" y="9126"/>
+                  </a:lnTo>
+                  <a:lnTo>
+                    <a:pt x="8761" y="9127"/>
+                  </a:lnTo>
+                  <a:lnTo>
+                    <a:pt x="8761" y="0"/>
+                  </a:lnTo>
+                  <a:close/>
+                </a:path>
+              </a:pathLst>
+            </a:custGeom>
+            <a:solidFill>
+              <a:schemeClr val="tx2"/>
+            </a:solidFill>
+            <a:ln w="0">
+              <a:noFill/>
+              <a:prstDash val="solid"/>
+              <a:round/>
+              <a:headEnd/>
+              <a:tailEnd/>
+            </a:ln>
+          </p:spPr>
+        </p:sp>
+        <p:sp>
+          <p:nvSpPr>
+            <p:cNvPr id="12" name="Freeform 6">
+              <a:extLst>
+                <a:ext uri="{FF2B5EF4-FFF2-40B4-BE49-F238E27FC236}">
+                  <a16:creationId xmlns:a16="http://schemas.microsoft.com/office/drawing/2014/main" id="{2E2C684B-30C9-4689-A529-EBF1B8ADB215}"/>
+                </a:ext>
+                <a:ext uri="{C183D7F6-B498-43B3-948B-1728B52AA6E4}">
+                  <adec:decorative xmlns:adec="http://schemas.microsoft.com/office/drawing/2017/decorative" val="1"/>
+                </a:ext>
+              </a:extLst>
+            </p:cNvPr>
+            <p:cNvSpPr/>
+            <p:nvPr>
+              <p:extLst>
+                <p:ext uri="{386F3935-93C4-4BCD-93E2-E3B085C9AB24}">
+                  <p16:designElem xmlns:p16="http://schemas.microsoft.com/office/powerpoint/2015/main" val="1"/>
+                </p:ext>
+              </p:extLst>
+            </p:nvPr>
+          </p:nvSpPr>
+          <p:spPr bwMode="auto">
+            <a:xfrm flipH="1" flipV="1">
+              <a:off x="752858" y="744469"/>
+              <a:ext cx="3275668" cy="4408488"/>
+            </a:xfrm>
+            <a:custGeom>
+              <a:avLst/>
+              <a:gdLst/>
+              <a:ahLst/>
+              <a:cxnLst/>
+              <a:rect l="l" t="t" r="r" b="b"/>
+              <a:pathLst>
+                <a:path w="10002" h="10000">
+                  <a:moveTo>
+                    <a:pt x="8763" y="0"/>
+                  </a:moveTo>
+                  <a:lnTo>
+                    <a:pt x="10002" y="0"/>
+                  </a:lnTo>
+                  <a:lnTo>
+                    <a:pt x="10002" y="10000"/>
+                  </a:lnTo>
+                  <a:lnTo>
+                    <a:pt x="2" y="10000"/>
+                  </a:lnTo>
+                  <a:cubicBezTo>
+                    <a:pt x="-2" y="9698"/>
+                    <a:pt x="4" y="9427"/>
+                    <a:pt x="0" y="9125"/>
+                  </a:cubicBezTo>
+                  <a:lnTo>
+                    <a:pt x="8763" y="9128"/>
+                  </a:lnTo>
+                  <a:lnTo>
+                    <a:pt x="8763" y="0"/>
+                  </a:lnTo>
+                  <a:close/>
+                </a:path>
+              </a:pathLst>
+            </a:custGeom>
+            <a:solidFill>
+              <a:schemeClr val="tx2"/>
+            </a:solidFill>
+            <a:ln w="0">
+              <a:noFill/>
+              <a:prstDash val="solid"/>
+              <a:round/>
+              <a:headEnd/>
+              <a:tailEnd/>
+            </a:ln>
+          </p:spPr>
+        </p:sp>
+      </p:grpSp>
+      <p:sp useBgFill="1">
+        <p:nvSpPr>
+          <p:cNvPr id="14" name="Rectangle 13">
+            <a:extLst>
+              <a:ext uri="{FF2B5EF4-FFF2-40B4-BE49-F238E27FC236}">
+                <a16:creationId xmlns:a16="http://schemas.microsoft.com/office/drawing/2014/main" id="{CC30DECA-E52C-4D56-96B9-718590A2E68F}"/>
+              </a:ext>
+              <a:ext uri="{C183D7F6-B498-43B3-948B-1728B52AA6E4}">
+                <adec:decorative xmlns:adec="http://schemas.microsoft.com/office/drawing/2017/decorative" val="1"/>
+              </a:ext>
+            </a:extLst>
+          </p:cNvPr>
+          <p:cNvSpPr>
+            <a:spLocks noGrp="1" noRot="1" noChangeAspect="1" noMove="1" noResize="1" noEditPoints="1" noAdjustHandles="1" noChangeArrowheads="1" noChangeShapeType="1" noTextEdit="1"/>
+          </p:cNvSpPr>
+          <p:nvPr>
+            <p:extLst>
+              <p:ext uri="{386F3935-93C4-4BCD-93E2-E3B085C9AB24}">
+                <p16:designElem xmlns:p16="http://schemas.microsoft.com/office/powerpoint/2015/main" val="1"/>
+              </p:ext>
+            </p:extLst>
+          </p:nvPr>
+        </p:nvSpPr>
+        <p:spPr bwMode="grayWhite">
+          <a:xfrm>
+            <a:off x="0" y="0"/>
+            <a:ext cx="12192000" cy="6858000"/>
+          </a:xfrm>
+          <a:prstGeom prst="rect">
+            <a:avLst/>
+          </a:prstGeom>
+          <a:ln>
+            <a:noFill/>
+          </a:ln>
+        </p:spPr>
+        <p:style>
+          <a:lnRef idx="2">
+            <a:schemeClr val="accent1">
+              <a:shade val="50000"/>
+            </a:schemeClr>
+          </a:lnRef>
+          <a:fillRef idx="1">
+            <a:schemeClr val="accent1"/>
+          </a:fillRef>
+          <a:effectRef idx="0">
+            <a:schemeClr val="accent1"/>
+          </a:effectRef>
+          <a:fontRef idx="minor">
+            <a:schemeClr val="lt1"/>
+          </a:fontRef>
+        </p:style>
+        <p:txBody>
+          <a:bodyPr rtlCol="0" anchor="ctr"/>
+          <a:lstStyle/>
+          <a:p>
+            <a:pPr algn="ctr"/>
+            <a:endParaRPr lang="en-US"/>
+          </a:p>
+        </p:txBody>
+      </p:sp>
+      <p:grpSp>
+        <p:nvGrpSpPr>
+          <p:cNvPr id="16" name="Group 15">
+            <a:extLst>
+              <a:ext uri="{FF2B5EF4-FFF2-40B4-BE49-F238E27FC236}">
+                <a16:creationId xmlns:a16="http://schemas.microsoft.com/office/drawing/2014/main" id="{7A046A95-1E4D-4EAE-9146-822CF94F0405}"/>
+              </a:ext>
+              <a:ext uri="{C183D7F6-B498-43B3-948B-1728B52AA6E4}">
+                <adec:decorative xmlns:adec="http://schemas.microsoft.com/office/drawing/2017/decorative" val="1"/>
+              </a:ext>
+            </a:extLst>
+          </p:cNvPr>
+          <p:cNvGrpSpPr>
+            <a:grpSpLocks noGrp="1" noUngrp="1" noRot="1" noChangeAspect="1" noMove="1" noResize="1"/>
+          </p:cNvGrpSpPr>
+          <p:nvPr>
+            <p:extLst>
+              <p:ext uri="{386F3935-93C4-4BCD-93E2-E3B085C9AB24}">
+                <p16:designElem xmlns:p16="http://schemas.microsoft.com/office/powerpoint/2015/main" val="1"/>
+              </p:ext>
+            </p:extLst>
+          </p:nvPr>
+        </p:nvGrpSpPr>
+        <p:grpSpPr>
+          <a:xfrm>
+            <a:off x="752858" y="744469"/>
+            <a:ext cx="10674117" cy="5349671"/>
+            <a:chOff x="752858" y="744469"/>
+            <a:chExt cx="10674117" cy="5349671"/>
+          </a:xfrm>
+        </p:grpSpPr>
+        <p:sp>
+          <p:nvSpPr>
+            <p:cNvPr id="17" name="Freeform 6">
+              <a:extLst>
+                <a:ext uri="{FF2B5EF4-FFF2-40B4-BE49-F238E27FC236}">
+                  <a16:creationId xmlns:a16="http://schemas.microsoft.com/office/drawing/2014/main" id="{E94C9933-93E1-43FF-8BC2-8F0B7794D38D}"/>
+                </a:ext>
+                <a:ext uri="{C183D7F6-B498-43B3-948B-1728B52AA6E4}">
+                  <adec:decorative xmlns:adec="http://schemas.microsoft.com/office/drawing/2017/decorative" val="1"/>
+                </a:ext>
+              </a:extLst>
+            </p:cNvPr>
+            <p:cNvSpPr/>
+            <p:nvPr>
+              <p:extLst>
+                <p:ext uri="{386F3935-93C4-4BCD-93E2-E3B085C9AB24}">
+                  <p16:designElem xmlns:p16="http://schemas.microsoft.com/office/powerpoint/2015/main" val="1"/>
+                </p:ext>
+              </p:extLst>
+            </p:nvPr>
+          </p:nvSpPr>
+          <p:spPr bwMode="auto">
+            <a:xfrm>
+              <a:off x="8151962" y="1685652"/>
+              <a:ext cx="3275013" cy="4408488"/>
+            </a:xfrm>
+            <a:custGeom>
+              <a:avLst/>
+              <a:gdLst/>
+              <a:ahLst/>
+              <a:cxnLst/>
+              <a:rect l="l" t="t" r="r" b="b"/>
+              <a:pathLst>
+                <a:path w="10000" h="10000">
+                  <a:moveTo>
+                    <a:pt x="8761" y="0"/>
+                  </a:moveTo>
+                  <a:lnTo>
+                    <a:pt x="10000" y="0"/>
+                  </a:lnTo>
+                  <a:lnTo>
+                    <a:pt x="10000" y="10000"/>
+                  </a:lnTo>
+                  <a:lnTo>
+                    <a:pt x="0" y="10000"/>
+                  </a:lnTo>
+                  <a:lnTo>
+                    <a:pt x="0" y="9126"/>
+                  </a:lnTo>
+                  <a:lnTo>
+                    <a:pt x="8761" y="9127"/>
+                  </a:lnTo>
+                  <a:lnTo>
+                    <a:pt x="8761" y="0"/>
+                  </a:lnTo>
+                  <a:close/>
+                </a:path>
+              </a:pathLst>
+            </a:custGeom>
+            <a:solidFill>
+              <a:schemeClr val="tx2"/>
+            </a:solidFill>
+            <a:ln w="0">
+              <a:noFill/>
+              <a:prstDash val="solid"/>
+              <a:round/>
+              <a:headEnd/>
+              <a:tailEnd/>
+            </a:ln>
+          </p:spPr>
+        </p:sp>
+        <p:sp>
+          <p:nvSpPr>
+            <p:cNvPr id="18" name="Freeform 6">
+              <a:extLst>
+                <a:ext uri="{FF2B5EF4-FFF2-40B4-BE49-F238E27FC236}">
+                  <a16:creationId xmlns:a16="http://schemas.microsoft.com/office/drawing/2014/main" id="{B3AA8CBD-7A2E-4084-A09F-484D16658143}"/>
+                </a:ext>
+                <a:ext uri="{C183D7F6-B498-43B3-948B-1728B52AA6E4}">
+                  <adec:decorative xmlns:adec="http://schemas.microsoft.com/office/drawing/2017/decorative" val="1"/>
+                </a:ext>
+              </a:extLst>
+            </p:cNvPr>
+            <p:cNvSpPr/>
+            <p:nvPr>
+              <p:extLst>
+                <p:ext uri="{386F3935-93C4-4BCD-93E2-E3B085C9AB24}">
+                  <p16:designElem xmlns:p16="http://schemas.microsoft.com/office/powerpoint/2015/main" val="1"/>
+                </p:ext>
+              </p:extLst>
+            </p:nvPr>
+          </p:nvSpPr>
+          <p:spPr bwMode="auto">
+            <a:xfrm flipH="1" flipV="1">
+              <a:off x="752858" y="744469"/>
+              <a:ext cx="3275668" cy="4408488"/>
+            </a:xfrm>
+            <a:custGeom>
+              <a:avLst/>
+              <a:gdLst/>
+              <a:ahLst/>
+              <a:cxnLst/>
+              <a:rect l="l" t="t" r="r" b="b"/>
+              <a:pathLst>
+                <a:path w="10002" h="10000">
+                  <a:moveTo>
+                    <a:pt x="8763" y="0"/>
+                  </a:moveTo>
+                  <a:lnTo>
+                    <a:pt x="10002" y="0"/>
+                  </a:lnTo>
+                  <a:lnTo>
+                    <a:pt x="10002" y="10000"/>
+                  </a:lnTo>
+                  <a:lnTo>
+                    <a:pt x="2" y="10000"/>
+                  </a:lnTo>
+                  <a:cubicBezTo>
+                    <a:pt x="-2" y="9698"/>
+                    <a:pt x="4" y="9427"/>
+                    <a:pt x="0" y="9125"/>
+                  </a:cubicBezTo>
+                  <a:lnTo>
+                    <a:pt x="8763" y="9128"/>
+                  </a:lnTo>
+                  <a:lnTo>
+                    <a:pt x="8763" y="0"/>
+                  </a:lnTo>
+                  <a:close/>
+                </a:path>
+              </a:pathLst>
+            </a:custGeom>
+            <a:solidFill>
+              <a:schemeClr val="tx2"/>
+            </a:solidFill>
+            <a:ln w="0">
+              <a:noFill/>
+              <a:prstDash val="solid"/>
+              <a:round/>
+              <a:headEnd/>
+              <a:tailEnd/>
+            </a:ln>
+          </p:spPr>
+        </p:sp>
+      </p:grpSp>
+      <p:sp>
+        <p:nvSpPr>
+          <p:cNvPr id="5" name="Title 4">
+            <a:extLst>
+              <a:ext uri="{FF2B5EF4-FFF2-40B4-BE49-F238E27FC236}">
+                <a16:creationId xmlns:a16="http://schemas.microsoft.com/office/drawing/2014/main" id="{068B211A-351C-4A80-9ED0-6ED0E9190E42}"/>
+              </a:ext>
+            </a:extLst>
+          </p:cNvPr>
+          <p:cNvSpPr>
+            <a:spLocks noGrp="1"/>
+          </p:cNvSpPr>
+          <p:nvPr>
+            <p:ph type="title"/>
+          </p:nvPr>
+        </p:nvSpPr>
+        <p:spPr>
+          <a:xfrm>
+            <a:off x="1562669" y="1480930"/>
+            <a:ext cx="8447964" cy="3254321"/>
+          </a:xfrm>
+        </p:spPr>
+        <p:txBody>
+          <a:bodyPr vert="horz" lIns="91440" tIns="45720" rIns="91440" bIns="45720" rtlCol="0" anchor="b">
+            <a:normAutofit/>
+          </a:bodyPr>
+          <a:lstStyle/>
+          <a:p>
+            <a:r>
+              <a:rPr lang="en-US" sz="3600" cap="all" dirty="0"/>
+              <a:t>“Change will not come if we wait for some other person or some other time. We are the ones we’ve been waiting for. We are the change that we seek.” -Barack Obama</a:t>
+            </a:r>
+          </a:p>
+        </p:txBody>
+      </p:sp>
+    </p:spTree>
+    <p:extLst>
+      <p:ext uri="{BB962C8B-B14F-4D97-AF65-F5344CB8AC3E}">
+        <p14:creationId xmlns:p14="http://schemas.microsoft.com/office/powerpoint/2010/main" val="3334595907"/>
       </p:ext>
     </p:extLst>
   </p:cSld>
@@ -6009,6 +11457,247 @@
 </file>
 
 <file path=ppt/slides/slide3.xml><?xml version="1.0" encoding="utf-8"?>
+<p:sld xmlns:a="http://schemas.openxmlformats.org/drawingml/2006/main" xmlns:r="http://schemas.openxmlformats.org/officeDocument/2006/relationships" xmlns:p="http://schemas.openxmlformats.org/presentationml/2006/main">
+  <p:cSld>
+    <p:bg>
+      <p:bgPr>
+        <a:solidFill>
+          <a:schemeClr val="bg2"/>
+        </a:solidFill>
+        <a:effectLst/>
+      </p:bgPr>
+    </p:bg>
+    <p:spTree>
+      <p:nvGrpSpPr>
+        <p:cNvPr id="1" name=""/>
+        <p:cNvGrpSpPr/>
+        <p:nvPr/>
+      </p:nvGrpSpPr>
+      <p:grpSpPr>
+        <a:xfrm>
+          <a:off x="0" y="0"/>
+          <a:ext cx="0" cy="0"/>
+          <a:chOff x="0" y="0"/>
+          <a:chExt cx="0" cy="0"/>
+        </a:xfrm>
+      </p:grpSpPr>
+      <p:sp>
+        <p:nvSpPr>
+          <p:cNvPr id="71" name="Rectangle 70">
+            <a:extLst>
+              <a:ext uri="{FF2B5EF4-FFF2-40B4-BE49-F238E27FC236}">
+                <a16:creationId xmlns:a16="http://schemas.microsoft.com/office/drawing/2014/main" id="{2793B903-AB42-42A0-AE97-93D366679CA2}"/>
+              </a:ext>
+              <a:ext uri="{C183D7F6-B498-43B3-948B-1728B52AA6E4}">
+                <adec:decorative xmlns:adec="http://schemas.microsoft.com/office/drawing/2017/decorative" val="1"/>
+              </a:ext>
+            </a:extLst>
+          </p:cNvPr>
+          <p:cNvSpPr>
+            <a:spLocks noGrp="1" noRot="1" noChangeAspect="1" noMove="1" noResize="1" noEditPoints="1" noAdjustHandles="1" noChangeArrowheads="1" noChangeShapeType="1" noTextEdit="1"/>
+          </p:cNvSpPr>
+          <p:nvPr>
+            <p:extLst>
+              <p:ext uri="{386F3935-93C4-4BCD-93E2-E3B085C9AB24}">
+                <p16:designElem xmlns:p16="http://schemas.microsoft.com/office/powerpoint/2015/main" val="1"/>
+              </p:ext>
+            </p:extLst>
+          </p:nvPr>
+        </p:nvSpPr>
+        <p:spPr>
+          <a:xfrm>
+            <a:off x="478095" y="376"/>
+            <a:ext cx="228600" cy="6858000"/>
+          </a:xfrm>
+          <a:prstGeom prst="rect">
+            <a:avLst/>
+          </a:prstGeom>
+          <a:solidFill>
+            <a:schemeClr val="tx2"/>
+          </a:solidFill>
+          <a:ln>
+            <a:noFill/>
+          </a:ln>
+        </p:spPr>
+        <p:style>
+          <a:lnRef idx="2">
+            <a:schemeClr val="accent1">
+              <a:shade val="50000"/>
+            </a:schemeClr>
+          </a:lnRef>
+          <a:fillRef idx="1">
+            <a:schemeClr val="accent1"/>
+          </a:fillRef>
+          <a:effectRef idx="0">
+            <a:schemeClr val="accent1"/>
+          </a:effectRef>
+          <a:fontRef idx="minor">
+            <a:schemeClr val="lt1"/>
+          </a:fontRef>
+        </p:style>
+      </p:sp>
+      <p:sp>
+        <p:nvSpPr>
+          <p:cNvPr id="2" name="Title 1">
+            <a:extLst>
+              <a:ext uri="{FF2B5EF4-FFF2-40B4-BE49-F238E27FC236}">
+                <a16:creationId xmlns:a16="http://schemas.microsoft.com/office/drawing/2014/main" id="{73B8DC90-9E1C-4091-8FED-7F88653A0648}"/>
+              </a:ext>
+            </a:extLst>
+          </p:cNvPr>
+          <p:cNvSpPr>
+            <a:spLocks noGrp="1"/>
+          </p:cNvSpPr>
+          <p:nvPr>
+            <p:ph type="title"/>
+          </p:nvPr>
+        </p:nvSpPr>
+        <p:spPr>
+          <a:xfrm>
+            <a:off x="1371600" y="685800"/>
+            <a:ext cx="3282695" cy="1485900"/>
+          </a:xfrm>
+        </p:spPr>
+        <p:txBody>
+          <a:bodyPr vert="horz" lIns="91440" tIns="45720" rIns="91440" bIns="45720" rtlCol="0" anchor="t">
+            <a:noAutofit/>
+          </a:bodyPr>
+          <a:lstStyle/>
+          <a:p>
+            <a:r>
+              <a:rPr lang="en-US" sz="5400" dirty="0"/>
+              <a:t>Types of colleges</a:t>
+            </a:r>
+          </a:p>
+        </p:txBody>
+      </p:sp>
+      <p:sp>
+        <p:nvSpPr>
+          <p:cNvPr id="3" name="Content Placeholder 2">
+            <a:extLst>
+              <a:ext uri="{FF2B5EF4-FFF2-40B4-BE49-F238E27FC236}">
+                <a16:creationId xmlns:a16="http://schemas.microsoft.com/office/drawing/2014/main" id="{D6F82256-3267-418C-BDAF-84DC129AACBE}"/>
+              </a:ext>
+            </a:extLst>
+          </p:cNvPr>
+          <p:cNvSpPr>
+            <a:spLocks noGrp="1"/>
+          </p:cNvSpPr>
+          <p:nvPr>
+            <p:ph sz="half" idx="1"/>
+          </p:nvPr>
+        </p:nvSpPr>
+        <p:spPr>
+          <a:xfrm>
+            <a:off x="1371600" y="2603115"/>
+            <a:ext cx="3282694" cy="3581400"/>
+          </a:xfrm>
+        </p:spPr>
+        <p:txBody>
+          <a:bodyPr vert="horz" lIns="91440" tIns="45720" rIns="91440" bIns="45720" rtlCol="0">
+            <a:normAutofit/>
+          </a:bodyPr>
+          <a:lstStyle/>
+          <a:p>
+            <a:r>
+              <a:rPr lang="en-US" sz="2400" dirty="0"/>
+              <a:t>University</a:t>
+            </a:r>
+          </a:p>
+          <a:p>
+            <a:r>
+              <a:rPr lang="en-US" sz="2400" dirty="0"/>
+              <a:t>State</a:t>
+            </a:r>
+          </a:p>
+          <a:p>
+            <a:r>
+              <a:rPr lang="en-US" sz="2400" dirty="0"/>
+              <a:t>Private</a:t>
+            </a:r>
+          </a:p>
+          <a:p>
+            <a:r>
+              <a:rPr lang="en-US" sz="2400" dirty="0"/>
+              <a:t>Community </a:t>
+            </a:r>
+          </a:p>
+          <a:p>
+            <a:r>
+              <a:rPr lang="en-US" sz="2400" dirty="0"/>
+              <a:t>Technical </a:t>
+            </a:r>
+          </a:p>
+          <a:p>
+            <a:r>
+              <a:rPr lang="en-US" sz="2400" dirty="0"/>
+              <a:t>Arts</a:t>
+            </a:r>
+          </a:p>
+        </p:txBody>
+      </p:sp>
+      <p:pic>
+        <p:nvPicPr>
+          <p:cNvPr id="4098" name="Picture 2" descr="Different Types of Colleges | Visual.ly">
+            <a:extLst>
+              <a:ext uri="{FF2B5EF4-FFF2-40B4-BE49-F238E27FC236}">
+                <a16:creationId xmlns:a16="http://schemas.microsoft.com/office/drawing/2014/main" id="{5CE8471F-3FF6-4FFD-BFC7-071011D42232}"/>
+              </a:ext>
+            </a:extLst>
+          </p:cNvPr>
+          <p:cNvPicPr>
+            <a:picLocks noGrp="1" noChangeAspect="1" noChangeArrowheads="1"/>
+          </p:cNvPicPr>
+          <p:nvPr>
+            <p:ph sz="half" idx="2"/>
+          </p:nvPr>
+        </p:nvPicPr>
+        <p:blipFill>
+          <a:blip r:embed="rId2">
+            <a:extLst>
+              <a:ext uri="{28A0092B-C50C-407E-A947-70E740481C1C}">
+                <a14:useLocalDpi xmlns:a14="http://schemas.microsoft.com/office/drawing/2010/main" val="0"/>
+              </a:ext>
+            </a:extLst>
+          </a:blip>
+          <a:stretch>
+            <a:fillRect/>
+          </a:stretch>
+        </p:blipFill>
+        <p:spPr bwMode="auto">
+          <a:xfrm>
+            <a:off x="5341827" y="645106"/>
+            <a:ext cx="5896344" cy="5247747"/>
+          </a:xfrm>
+          <a:prstGeom prst="rect">
+            <a:avLst/>
+          </a:prstGeom>
+          <a:noFill/>
+          <a:extLst>
+            <a:ext uri="{909E8E84-426E-40DD-AFC4-6F175D3DCCD1}">
+              <a14:hiddenFill xmlns:a14="http://schemas.microsoft.com/office/drawing/2010/main">
+                <a:solidFill>
+                  <a:srgbClr val="FFFFFF"/>
+                </a:solidFill>
+              </a14:hiddenFill>
+            </a:ext>
+          </a:extLst>
+        </p:spPr>
+      </p:pic>
+    </p:spTree>
+    <p:extLst>
+      <p:ext uri="{BB962C8B-B14F-4D97-AF65-F5344CB8AC3E}">
+        <p14:creationId xmlns:p14="http://schemas.microsoft.com/office/powerpoint/2010/main" val="16876010"/>
+      </p:ext>
+    </p:extLst>
+  </p:cSld>
+  <p:clrMapOvr>
+    <a:masterClrMapping/>
+  </p:clrMapOvr>
+</p:sld>
+</file>
+
+<file path=ppt/slides/slide4.xml><?xml version="1.0" encoding="utf-8"?>
 <p:sld xmlns:a="http://schemas.openxmlformats.org/drawingml/2006/main" xmlns:r="http://schemas.openxmlformats.org/officeDocument/2006/relationships" xmlns:p="http://schemas.openxmlformats.org/presentationml/2006/main">
   <p:cSld>
     <p:bg>
@@ -6569,7 +12258,7 @@
 </p:sld>
 </file>
 
-<file path=ppt/slides/slide4.xml><?xml version="1.0" encoding="utf-8"?>
+<file path=ppt/slides/slide5.xml><?xml version="1.0" encoding="utf-8"?>
 <p:sld xmlns:a="http://schemas.openxmlformats.org/drawingml/2006/main" xmlns:r="http://schemas.openxmlformats.org/officeDocument/2006/relationships" xmlns:p="http://schemas.openxmlformats.org/presentationml/2006/main">
   <p:cSld>
     <p:bg>
@@ -6784,230 +12473,6 @@
     <p:extLst>
       <p:ext uri="{BB962C8B-B14F-4D97-AF65-F5344CB8AC3E}">
         <p14:creationId xmlns:p14="http://schemas.microsoft.com/office/powerpoint/2010/main" val="1469805077"/>
-      </p:ext>
-    </p:extLst>
-  </p:cSld>
-  <p:clrMapOvr>
-    <a:masterClrMapping/>
-  </p:clrMapOvr>
-</p:sld>
-</file>
-
-<file path=ppt/slides/slide5.xml><?xml version="1.0" encoding="utf-8"?>
-<p:sld xmlns:a="http://schemas.openxmlformats.org/drawingml/2006/main" xmlns:r="http://schemas.openxmlformats.org/officeDocument/2006/relationships" xmlns:p="http://schemas.openxmlformats.org/presentationml/2006/main">
-  <p:cSld>
-    <p:bg>
-      <p:bgPr>
-        <a:solidFill>
-          <a:schemeClr val="bg2"/>
-        </a:solidFill>
-        <a:effectLst/>
-      </p:bgPr>
-    </p:bg>
-    <p:spTree>
-      <p:nvGrpSpPr>
-        <p:cNvPr id="1" name=""/>
-        <p:cNvGrpSpPr/>
-        <p:nvPr/>
-      </p:nvGrpSpPr>
-      <p:grpSpPr>
-        <a:xfrm>
-          <a:off x="0" y="0"/>
-          <a:ext cx="0" cy="0"/>
-          <a:chOff x="0" y="0"/>
-          <a:chExt cx="0" cy="0"/>
-        </a:xfrm>
-      </p:grpSpPr>
-      <p:sp>
-        <p:nvSpPr>
-          <p:cNvPr id="12" name="Rectangle 11">
-            <a:extLst>
-              <a:ext uri="{FF2B5EF4-FFF2-40B4-BE49-F238E27FC236}">
-                <a16:creationId xmlns:a16="http://schemas.microsoft.com/office/drawing/2014/main" id="{3362DFFC-4DCC-48EE-B781-94D04B95F1E8}"/>
-              </a:ext>
-              <a:ext uri="{C183D7F6-B498-43B3-948B-1728B52AA6E4}">
-                <adec:decorative xmlns:adec="http://schemas.microsoft.com/office/drawing/2017/decorative" val="1"/>
-              </a:ext>
-            </a:extLst>
-          </p:cNvPr>
-          <p:cNvSpPr>
-            <a:spLocks noGrp="1" noRot="1" noChangeAspect="1" noMove="1" noResize="1" noEditPoints="1" noAdjustHandles="1" noChangeArrowheads="1" noChangeShapeType="1" noTextEdit="1"/>
-          </p:cNvSpPr>
-          <p:nvPr>
-            <p:extLst>
-              <p:ext uri="{386F3935-93C4-4BCD-93E2-E3B085C9AB24}">
-                <p16:designElem xmlns:p16="http://schemas.microsoft.com/office/powerpoint/2015/main" val="1"/>
-              </p:ext>
-            </p:extLst>
-          </p:nvPr>
-        </p:nvSpPr>
-        <p:spPr>
-          <a:xfrm>
-            <a:off x="0" y="376"/>
-            <a:ext cx="5303520" cy="6857624"/>
-          </a:xfrm>
-          <a:prstGeom prst="rect">
-            <a:avLst/>
-          </a:prstGeom>
-          <a:solidFill>
-            <a:schemeClr val="tx2"/>
-          </a:solidFill>
-          <a:ln>
-            <a:noFill/>
-          </a:ln>
-        </p:spPr>
-        <p:style>
-          <a:lnRef idx="2">
-            <a:schemeClr val="accent1">
-              <a:shade val="50000"/>
-            </a:schemeClr>
-          </a:lnRef>
-          <a:fillRef idx="1">
-            <a:schemeClr val="accent1"/>
-          </a:fillRef>
-          <a:effectRef idx="0">
-            <a:schemeClr val="accent1"/>
-          </a:effectRef>
-          <a:fontRef idx="minor">
-            <a:schemeClr val="lt1"/>
-          </a:fontRef>
-        </p:style>
-      </p:sp>
-      <p:sp>
-        <p:nvSpPr>
-          <p:cNvPr id="4" name="Title 3">
-            <a:extLst>
-              <a:ext uri="{FF2B5EF4-FFF2-40B4-BE49-F238E27FC236}">
-                <a16:creationId xmlns:a16="http://schemas.microsoft.com/office/drawing/2014/main" id="{92B7EB0B-483D-428B-8BCD-FBA74A8C44AC}"/>
-              </a:ext>
-            </a:extLst>
-          </p:cNvPr>
-          <p:cNvSpPr>
-            <a:spLocks noGrp="1"/>
-          </p:cNvSpPr>
-          <p:nvPr>
-            <p:ph type="title"/>
-          </p:nvPr>
-        </p:nvSpPr>
-        <p:spPr>
-          <a:xfrm>
-            <a:off x="640081" y="791570"/>
-            <a:ext cx="4018839" cy="5262390"/>
-          </a:xfrm>
-        </p:spPr>
-        <p:txBody>
-          <a:bodyPr anchor="ctr">
-            <a:normAutofit/>
-          </a:bodyPr>
-          <a:lstStyle/>
-          <a:p>
-            <a:r>
-              <a:rPr lang="en-US" sz="5400" dirty="0">
-                <a:solidFill>
-                  <a:schemeClr val="bg2"/>
-                </a:solidFill>
-              </a:rPr>
-              <a:t>Doesn’t help with your career</a:t>
-            </a:r>
-          </a:p>
-        </p:txBody>
-      </p:sp>
-      <p:sp>
-        <p:nvSpPr>
-          <p:cNvPr id="14" name="Rectangle 13">
-            <a:extLst>
-              <a:ext uri="{FF2B5EF4-FFF2-40B4-BE49-F238E27FC236}">
-                <a16:creationId xmlns:a16="http://schemas.microsoft.com/office/drawing/2014/main" id="{18B8B265-E68C-4B64-9238-781F0102C57B}"/>
-              </a:ext>
-              <a:ext uri="{C183D7F6-B498-43B3-948B-1728B52AA6E4}">
-                <adec:decorative xmlns:adec="http://schemas.microsoft.com/office/drawing/2017/decorative" val="1"/>
-              </a:ext>
-            </a:extLst>
-          </p:cNvPr>
-          <p:cNvSpPr>
-            <a:spLocks noGrp="1" noRot="1" noChangeAspect="1" noMove="1" noResize="1" noEditPoints="1" noAdjustHandles="1" noChangeArrowheads="1" noChangeShapeType="1" noTextEdit="1"/>
-          </p:cNvSpPr>
-          <p:nvPr>
-            <p:extLst>
-              <p:ext uri="{386F3935-93C4-4BCD-93E2-E3B085C9AB24}">
-                <p16:designElem xmlns:p16="http://schemas.microsoft.com/office/powerpoint/2015/main" val="1"/>
-              </p:ext>
-            </p:extLst>
-          </p:nvPr>
-        </p:nvSpPr>
-        <p:spPr>
-          <a:xfrm>
-            <a:off x="5303520" y="376"/>
-            <a:ext cx="228600" cy="6858000"/>
-          </a:xfrm>
-          <a:prstGeom prst="rect">
-            <a:avLst/>
-          </a:prstGeom>
-          <a:solidFill>
-            <a:schemeClr val="accent1">
-              <a:lumMod val="75000"/>
-            </a:schemeClr>
-          </a:solidFill>
-          <a:ln>
-            <a:noFill/>
-          </a:ln>
-        </p:spPr>
-        <p:style>
-          <a:lnRef idx="2">
-            <a:schemeClr val="accent1">
-              <a:shade val="50000"/>
-            </a:schemeClr>
-          </a:lnRef>
-          <a:fillRef idx="1">
-            <a:schemeClr val="accent1"/>
-          </a:fillRef>
-          <a:effectRef idx="0">
-            <a:schemeClr val="accent1"/>
-          </a:effectRef>
-          <a:fontRef idx="minor">
-            <a:schemeClr val="lt1"/>
-          </a:fontRef>
-        </p:style>
-      </p:sp>
-      <p:pic>
-        <p:nvPicPr>
-          <p:cNvPr id="6" name="Content Placeholder 5" descr="A screenshot of text&#10;&#10;Description automatically generated">
-            <a:extLst>
-              <a:ext uri="{FF2B5EF4-FFF2-40B4-BE49-F238E27FC236}">
-                <a16:creationId xmlns:a16="http://schemas.microsoft.com/office/drawing/2014/main" id="{2E93A2E8-4999-4790-839E-F5676E59069A}"/>
-              </a:ext>
-            </a:extLst>
-          </p:cNvPr>
-          <p:cNvPicPr>
-            <a:picLocks noGrp="1" noChangeAspect="1"/>
-          </p:cNvPicPr>
-          <p:nvPr>
-            <p:ph idx="1"/>
-          </p:nvPr>
-        </p:nvPicPr>
-        <p:blipFill>
-          <a:blip r:embed="rId2">
-            <a:extLst>
-              <a:ext uri="{28A0092B-C50C-407E-A947-70E740481C1C}">
-                <a14:useLocalDpi xmlns:a14="http://schemas.microsoft.com/office/drawing/2010/main" val="0"/>
-              </a:ext>
-            </a:extLst>
-          </a:blip>
-          <a:stretch>
-            <a:fillRect/>
-          </a:stretch>
-        </p:blipFill>
-        <p:spPr>
-          <a:xfrm>
-            <a:off x="6242348" y="1601222"/>
-            <a:ext cx="4761905" cy="3644444"/>
-          </a:xfrm>
-        </p:spPr>
-      </p:pic>
-    </p:spTree>
-    <p:extLst>
-      <p:ext uri="{BB962C8B-B14F-4D97-AF65-F5344CB8AC3E}">
-        <p14:creationId xmlns:p14="http://schemas.microsoft.com/office/powerpoint/2010/main" val="1298727043"/>
       </p:ext>
     </p:extLst>
   </p:cSld>
@@ -7131,7 +12596,7 @@
                   <a:schemeClr val="bg2"/>
                 </a:solidFill>
               </a:rPr>
-              <a:t>No real-world experience is learned.</a:t>
+              <a:t>Doesn’t always help with your career</a:t>
             </a:r>
           </a:p>
         </p:txBody>
@@ -7195,6 +12660,230 @@
       </p:sp>
       <p:pic>
         <p:nvPicPr>
+          <p:cNvPr id="6" name="Content Placeholder 5" descr="A screenshot of text&#10;&#10;Description automatically generated">
+            <a:extLst>
+              <a:ext uri="{FF2B5EF4-FFF2-40B4-BE49-F238E27FC236}">
+                <a16:creationId xmlns:a16="http://schemas.microsoft.com/office/drawing/2014/main" id="{2E93A2E8-4999-4790-839E-F5676E59069A}"/>
+              </a:ext>
+            </a:extLst>
+          </p:cNvPr>
+          <p:cNvPicPr>
+            <a:picLocks noGrp="1" noChangeAspect="1"/>
+          </p:cNvPicPr>
+          <p:nvPr>
+            <p:ph idx="1"/>
+          </p:nvPr>
+        </p:nvPicPr>
+        <p:blipFill>
+          <a:blip r:embed="rId2">
+            <a:extLst>
+              <a:ext uri="{28A0092B-C50C-407E-A947-70E740481C1C}">
+                <a14:useLocalDpi xmlns:a14="http://schemas.microsoft.com/office/drawing/2010/main" val="0"/>
+              </a:ext>
+            </a:extLst>
+          </a:blip>
+          <a:stretch>
+            <a:fillRect/>
+          </a:stretch>
+        </p:blipFill>
+        <p:spPr>
+          <a:xfrm>
+            <a:off x="6242348" y="1601222"/>
+            <a:ext cx="4761905" cy="3644444"/>
+          </a:xfrm>
+        </p:spPr>
+      </p:pic>
+    </p:spTree>
+    <p:extLst>
+      <p:ext uri="{BB962C8B-B14F-4D97-AF65-F5344CB8AC3E}">
+        <p14:creationId xmlns:p14="http://schemas.microsoft.com/office/powerpoint/2010/main" val="1298727043"/>
+      </p:ext>
+    </p:extLst>
+  </p:cSld>
+  <p:clrMapOvr>
+    <a:masterClrMapping/>
+  </p:clrMapOvr>
+</p:sld>
+</file>
+
+<file path=ppt/slides/slide7.xml><?xml version="1.0" encoding="utf-8"?>
+<p:sld xmlns:a="http://schemas.openxmlformats.org/drawingml/2006/main" xmlns:r="http://schemas.openxmlformats.org/officeDocument/2006/relationships" xmlns:p="http://schemas.openxmlformats.org/presentationml/2006/main">
+  <p:cSld>
+    <p:bg>
+      <p:bgPr>
+        <a:solidFill>
+          <a:schemeClr val="bg2"/>
+        </a:solidFill>
+        <a:effectLst/>
+      </p:bgPr>
+    </p:bg>
+    <p:spTree>
+      <p:nvGrpSpPr>
+        <p:cNvPr id="1" name=""/>
+        <p:cNvGrpSpPr/>
+        <p:nvPr/>
+      </p:nvGrpSpPr>
+      <p:grpSpPr>
+        <a:xfrm>
+          <a:off x="0" y="0"/>
+          <a:ext cx="0" cy="0"/>
+          <a:chOff x="0" y="0"/>
+          <a:chExt cx="0" cy="0"/>
+        </a:xfrm>
+      </p:grpSpPr>
+      <p:sp>
+        <p:nvSpPr>
+          <p:cNvPr id="12" name="Rectangle 11">
+            <a:extLst>
+              <a:ext uri="{FF2B5EF4-FFF2-40B4-BE49-F238E27FC236}">
+                <a16:creationId xmlns:a16="http://schemas.microsoft.com/office/drawing/2014/main" id="{3362DFFC-4DCC-48EE-B781-94D04B95F1E8}"/>
+              </a:ext>
+              <a:ext uri="{C183D7F6-B498-43B3-948B-1728B52AA6E4}">
+                <adec:decorative xmlns:adec="http://schemas.microsoft.com/office/drawing/2017/decorative" val="1"/>
+              </a:ext>
+            </a:extLst>
+          </p:cNvPr>
+          <p:cNvSpPr>
+            <a:spLocks noGrp="1" noRot="1" noChangeAspect="1" noMove="1" noResize="1" noEditPoints="1" noAdjustHandles="1" noChangeArrowheads="1" noChangeShapeType="1" noTextEdit="1"/>
+          </p:cNvSpPr>
+          <p:nvPr>
+            <p:extLst>
+              <p:ext uri="{386F3935-93C4-4BCD-93E2-E3B085C9AB24}">
+                <p16:designElem xmlns:p16="http://schemas.microsoft.com/office/powerpoint/2015/main" val="1"/>
+              </p:ext>
+            </p:extLst>
+          </p:nvPr>
+        </p:nvSpPr>
+        <p:spPr>
+          <a:xfrm>
+            <a:off x="0" y="376"/>
+            <a:ext cx="5303520" cy="6857624"/>
+          </a:xfrm>
+          <a:prstGeom prst="rect">
+            <a:avLst/>
+          </a:prstGeom>
+          <a:solidFill>
+            <a:schemeClr val="tx2"/>
+          </a:solidFill>
+          <a:ln>
+            <a:noFill/>
+          </a:ln>
+        </p:spPr>
+        <p:style>
+          <a:lnRef idx="2">
+            <a:schemeClr val="accent1">
+              <a:shade val="50000"/>
+            </a:schemeClr>
+          </a:lnRef>
+          <a:fillRef idx="1">
+            <a:schemeClr val="accent1"/>
+          </a:fillRef>
+          <a:effectRef idx="0">
+            <a:schemeClr val="accent1"/>
+          </a:effectRef>
+          <a:fontRef idx="minor">
+            <a:schemeClr val="lt1"/>
+          </a:fontRef>
+        </p:style>
+      </p:sp>
+      <p:sp>
+        <p:nvSpPr>
+          <p:cNvPr id="4" name="Title 3">
+            <a:extLst>
+              <a:ext uri="{FF2B5EF4-FFF2-40B4-BE49-F238E27FC236}">
+                <a16:creationId xmlns:a16="http://schemas.microsoft.com/office/drawing/2014/main" id="{92B7EB0B-483D-428B-8BCD-FBA74A8C44AC}"/>
+              </a:ext>
+            </a:extLst>
+          </p:cNvPr>
+          <p:cNvSpPr>
+            <a:spLocks noGrp="1"/>
+          </p:cNvSpPr>
+          <p:nvPr>
+            <p:ph type="title"/>
+          </p:nvPr>
+        </p:nvSpPr>
+        <p:spPr>
+          <a:xfrm>
+            <a:off x="640081" y="791570"/>
+            <a:ext cx="4018839" cy="5262390"/>
+          </a:xfrm>
+        </p:spPr>
+        <p:txBody>
+          <a:bodyPr anchor="ctr">
+            <a:normAutofit/>
+          </a:bodyPr>
+          <a:lstStyle/>
+          <a:p>
+            <a:r>
+              <a:rPr lang="en-US" sz="5400" dirty="0">
+                <a:solidFill>
+                  <a:schemeClr val="bg2"/>
+                </a:solidFill>
+              </a:rPr>
+              <a:t>No real-world experience is learned.</a:t>
+            </a:r>
+          </a:p>
+        </p:txBody>
+      </p:sp>
+      <p:sp>
+        <p:nvSpPr>
+          <p:cNvPr id="14" name="Rectangle 13">
+            <a:extLst>
+              <a:ext uri="{FF2B5EF4-FFF2-40B4-BE49-F238E27FC236}">
+                <a16:creationId xmlns:a16="http://schemas.microsoft.com/office/drawing/2014/main" id="{18B8B265-E68C-4B64-9238-781F0102C57B}"/>
+              </a:ext>
+              <a:ext uri="{C183D7F6-B498-43B3-948B-1728B52AA6E4}">
+                <adec:decorative xmlns:adec="http://schemas.microsoft.com/office/drawing/2017/decorative" val="1"/>
+              </a:ext>
+            </a:extLst>
+          </p:cNvPr>
+          <p:cNvSpPr>
+            <a:spLocks noGrp="1" noRot="1" noChangeAspect="1" noMove="1" noResize="1" noEditPoints="1" noAdjustHandles="1" noChangeArrowheads="1" noChangeShapeType="1" noTextEdit="1"/>
+          </p:cNvSpPr>
+          <p:nvPr>
+            <p:extLst>
+              <p:ext uri="{386F3935-93C4-4BCD-93E2-E3B085C9AB24}">
+                <p16:designElem xmlns:p16="http://schemas.microsoft.com/office/powerpoint/2015/main" val="1"/>
+              </p:ext>
+            </p:extLst>
+          </p:nvPr>
+        </p:nvSpPr>
+        <p:spPr>
+          <a:xfrm>
+            <a:off x="5303520" y="376"/>
+            <a:ext cx="228600" cy="6858000"/>
+          </a:xfrm>
+          <a:prstGeom prst="rect">
+            <a:avLst/>
+          </a:prstGeom>
+          <a:solidFill>
+            <a:schemeClr val="accent1">
+              <a:lumMod val="75000"/>
+            </a:schemeClr>
+          </a:solidFill>
+          <a:ln>
+            <a:noFill/>
+          </a:ln>
+        </p:spPr>
+        <p:style>
+          <a:lnRef idx="2">
+            <a:schemeClr val="accent1">
+              <a:shade val="50000"/>
+            </a:schemeClr>
+          </a:lnRef>
+          <a:fillRef idx="1">
+            <a:schemeClr val="accent1"/>
+          </a:fillRef>
+          <a:effectRef idx="0">
+            <a:schemeClr val="accent1"/>
+          </a:effectRef>
+          <a:fontRef idx="minor">
+            <a:schemeClr val="lt1"/>
+          </a:fontRef>
+        </p:style>
+      </p:sp>
+      <p:pic>
+        <p:nvPicPr>
           <p:cNvPr id="11" name="Content Placeholder 10" descr="A screenshot of a cell phone&#10;&#10;Description automatically generated">
             <a:extLst>
               <a:ext uri="{FF2B5EF4-FFF2-40B4-BE49-F238E27FC236}">
@@ -7241,7 +12930,73 @@
 </p:sld>
 </file>
 
-<file path=ppt/slides/slide7.xml><?xml version="1.0" encoding="utf-8"?>
+<file path=ppt/slides/slide8.xml><?xml version="1.0" encoding="utf-8"?>
+<p:sld xmlns:a="http://schemas.openxmlformats.org/drawingml/2006/main" xmlns:r="http://schemas.openxmlformats.org/officeDocument/2006/relationships" xmlns:p="http://schemas.openxmlformats.org/presentationml/2006/main">
+  <p:cSld>
+    <p:spTree>
+      <p:nvGrpSpPr>
+        <p:cNvPr id="1" name=""/>
+        <p:cNvGrpSpPr/>
+        <p:nvPr/>
+      </p:nvGrpSpPr>
+      <p:grpSpPr>
+        <a:xfrm>
+          <a:off x="0" y="0"/>
+          <a:ext cx="0" cy="0"/>
+          <a:chOff x="0" y="0"/>
+          <a:chExt cx="0" cy="0"/>
+        </a:xfrm>
+      </p:grpSpPr>
+      <p:pic>
+        <p:nvPicPr>
+          <p:cNvPr id="5" name="Picture 4" descr="A close up of a newspaper&#10;&#10;Description automatically generated">
+            <a:extLst>
+              <a:ext uri="{FF2B5EF4-FFF2-40B4-BE49-F238E27FC236}">
+                <a16:creationId xmlns:a16="http://schemas.microsoft.com/office/drawing/2014/main" id="{16B8ED8F-7075-418D-AD3C-DC3566B31E7D}"/>
+              </a:ext>
+            </a:extLst>
+          </p:cNvPr>
+          <p:cNvPicPr>
+            <a:picLocks noChangeAspect="1"/>
+          </p:cNvPicPr>
+          <p:nvPr/>
+        </p:nvPicPr>
+        <p:blipFill>
+          <a:blip r:embed="rId2">
+            <a:extLst>
+              <a:ext uri="{28A0092B-C50C-407E-A947-70E740481C1C}">
+                <a14:useLocalDpi xmlns:a14="http://schemas.microsoft.com/office/drawing/2010/main" val="0"/>
+              </a:ext>
+            </a:extLst>
+          </a:blip>
+          <a:stretch>
+            <a:fillRect/>
+          </a:stretch>
+        </p:blipFill>
+        <p:spPr>
+          <a:xfrm>
+            <a:off x="2123089" y="143134"/>
+            <a:ext cx="7945821" cy="6571731"/>
+          </a:xfrm>
+          <a:prstGeom prst="rect">
+            <a:avLst/>
+          </a:prstGeom>
+        </p:spPr>
+      </p:pic>
+    </p:spTree>
+    <p:extLst>
+      <p:ext uri="{BB962C8B-B14F-4D97-AF65-F5344CB8AC3E}">
+        <p14:creationId xmlns:p14="http://schemas.microsoft.com/office/powerpoint/2010/main" val="2936503444"/>
+      </p:ext>
+    </p:extLst>
+  </p:cSld>
+  <p:clrMapOvr>
+    <a:masterClrMapping/>
+  </p:clrMapOvr>
+</p:sld>
+</file>
+
+<file path=ppt/slides/slide9.xml><?xml version="1.0" encoding="utf-8"?>
 <p:sld xmlns:a="http://schemas.openxmlformats.org/drawingml/2006/main" xmlns:r="http://schemas.openxmlformats.org/officeDocument/2006/relationships" xmlns:p="http://schemas.openxmlformats.org/presentationml/2006/main">
   <p:cSld>
     <p:bg>
@@ -7793,217 +13548,6 @@
     <p:extLst>
       <p:ext uri="{BB962C8B-B14F-4D97-AF65-F5344CB8AC3E}">
         <p14:creationId xmlns:p14="http://schemas.microsoft.com/office/powerpoint/2010/main" val="2758179135"/>
-      </p:ext>
-    </p:extLst>
-  </p:cSld>
-  <p:clrMapOvr>
-    <a:masterClrMapping/>
-  </p:clrMapOvr>
-</p:sld>
-</file>
-
-<file path=ppt/slides/slide8.xml><?xml version="1.0" encoding="utf-8"?>
-<p:sld xmlns:a="http://schemas.openxmlformats.org/drawingml/2006/main" xmlns:r="http://schemas.openxmlformats.org/officeDocument/2006/relationships" xmlns:p="http://schemas.openxmlformats.org/presentationml/2006/main">
-  <p:cSld>
-    <p:spTree>
-      <p:nvGrpSpPr>
-        <p:cNvPr id="1" name=""/>
-        <p:cNvGrpSpPr/>
-        <p:nvPr/>
-      </p:nvGrpSpPr>
-      <p:grpSpPr>
-        <a:xfrm>
-          <a:off x="0" y="0"/>
-          <a:ext cx="0" cy="0"/>
-          <a:chOff x="0" y="0"/>
-          <a:chExt cx="0" cy="0"/>
-        </a:xfrm>
-      </p:grpSpPr>
-      <p:sp>
-        <p:nvSpPr>
-          <p:cNvPr id="3" name="Title 2">
-            <a:extLst>
-              <a:ext uri="{FF2B5EF4-FFF2-40B4-BE49-F238E27FC236}">
-                <a16:creationId xmlns:a16="http://schemas.microsoft.com/office/drawing/2014/main" id="{7A12CC6C-B850-4CA2-9231-900672BAA7B7}"/>
-              </a:ext>
-            </a:extLst>
-          </p:cNvPr>
-          <p:cNvSpPr>
-            <a:spLocks noGrp="1"/>
-          </p:cNvSpPr>
-          <p:nvPr>
-            <p:ph type="title"/>
-          </p:nvPr>
-        </p:nvSpPr>
-        <p:spPr/>
-        <p:txBody>
-          <a:bodyPr/>
-          <a:lstStyle/>
-          <a:p>
-            <a:r>
-              <a:rPr lang="en-US" dirty="0"/>
-              <a:t>OPTION 1 – More trade school degrees</a:t>
-            </a:r>
-          </a:p>
-        </p:txBody>
-      </p:sp>
-      <p:sp>
-        <p:nvSpPr>
-          <p:cNvPr id="4" name="Content Placeholder 3">
-            <a:extLst>
-              <a:ext uri="{FF2B5EF4-FFF2-40B4-BE49-F238E27FC236}">
-                <a16:creationId xmlns:a16="http://schemas.microsoft.com/office/drawing/2014/main" id="{E2F6A9E8-A996-4B9C-9EB5-1B366E46AF5C}"/>
-              </a:ext>
-            </a:extLst>
-          </p:cNvPr>
-          <p:cNvSpPr>
-            <a:spLocks noGrp="1"/>
-          </p:cNvSpPr>
-          <p:nvPr>
-            <p:ph sz="half" idx="1"/>
-          </p:nvPr>
-        </p:nvSpPr>
-        <p:spPr/>
-        <p:txBody>
-          <a:bodyPr/>
-          <a:lstStyle/>
-          <a:p>
-            <a:r>
-              <a:rPr lang="en-US" dirty="0"/>
-              <a:t>2 years </a:t>
-            </a:r>
-          </a:p>
-          <a:p>
-            <a:r>
-              <a:rPr lang="en-US" dirty="0"/>
-              <a:t>Lower average cost</a:t>
-            </a:r>
-          </a:p>
-          <a:p>
-            <a:r>
-              <a:rPr lang="en-US" dirty="0"/>
-              <a:t>In person, hands on learning</a:t>
-            </a:r>
-          </a:p>
-          <a:p>
-            <a:r>
-              <a:rPr lang="en-US" dirty="0"/>
-              <a:t>Lower dropout rate</a:t>
-            </a:r>
-          </a:p>
-          <a:p>
-            <a:endParaRPr lang="en-US" dirty="0"/>
-          </a:p>
-          <a:p>
-            <a:endParaRPr lang="en-US" dirty="0"/>
-          </a:p>
-        </p:txBody>
-      </p:sp>
-      <p:pic>
-        <p:nvPicPr>
-          <p:cNvPr id="11" name="Content Placeholder 10" descr="A screenshot of a cell phone&#10;&#10;Description automatically generated">
-            <a:extLst>
-              <a:ext uri="{FF2B5EF4-FFF2-40B4-BE49-F238E27FC236}">
-                <a16:creationId xmlns:a16="http://schemas.microsoft.com/office/drawing/2014/main" id="{9EC35628-D1C0-4971-8D6F-DF96A4632BD6}"/>
-              </a:ext>
-            </a:extLst>
-          </p:cNvPr>
-          <p:cNvPicPr>
-            <a:picLocks noGrp="1" noChangeAspect="1"/>
-          </p:cNvPicPr>
-          <p:nvPr>
-            <p:ph sz="half" idx="2"/>
-          </p:nvPr>
-        </p:nvPicPr>
-        <p:blipFill>
-          <a:blip r:embed="rId2">
-            <a:extLst>
-              <a:ext uri="{28A0092B-C50C-407E-A947-70E740481C1C}">
-                <a14:useLocalDpi xmlns:a14="http://schemas.microsoft.com/office/drawing/2010/main" val="0"/>
-              </a:ext>
-            </a:extLst>
-          </a:blip>
-          <a:stretch>
-            <a:fillRect/>
-          </a:stretch>
-        </p:blipFill>
-        <p:spPr>
-          <a:xfrm>
-            <a:off x="6714199" y="1612088"/>
-            <a:ext cx="4789369" cy="4797392"/>
-          </a:xfrm>
-        </p:spPr>
-      </p:pic>
-    </p:spTree>
-    <p:extLst>
-      <p:ext uri="{BB962C8B-B14F-4D97-AF65-F5344CB8AC3E}">
-        <p14:creationId xmlns:p14="http://schemas.microsoft.com/office/powerpoint/2010/main" val="1964530449"/>
-      </p:ext>
-    </p:extLst>
-  </p:cSld>
-  <p:clrMapOvr>
-    <a:masterClrMapping/>
-  </p:clrMapOvr>
-</p:sld>
-</file>
-
-<file path=ppt/slides/slide9.xml><?xml version="1.0" encoding="utf-8"?>
-<p:sld xmlns:a="http://schemas.openxmlformats.org/drawingml/2006/main" xmlns:r="http://schemas.openxmlformats.org/officeDocument/2006/relationships" xmlns:p="http://schemas.openxmlformats.org/presentationml/2006/main">
-  <p:cSld>
-    <p:spTree>
-      <p:nvGrpSpPr>
-        <p:cNvPr id="1" name=""/>
-        <p:cNvGrpSpPr/>
-        <p:nvPr/>
-      </p:nvGrpSpPr>
-      <p:grpSpPr>
-        <a:xfrm>
-          <a:off x="0" y="0"/>
-          <a:ext cx="0" cy="0"/>
-          <a:chOff x="0" y="0"/>
-          <a:chExt cx="0" cy="0"/>
-        </a:xfrm>
-      </p:grpSpPr>
-      <p:pic>
-        <p:nvPicPr>
-          <p:cNvPr id="3" name="Picture 2" descr="A screenshot of a cell phone&#10;&#10;Description automatically generated">
-            <a:extLst>
-              <a:ext uri="{FF2B5EF4-FFF2-40B4-BE49-F238E27FC236}">
-                <a16:creationId xmlns:a16="http://schemas.microsoft.com/office/drawing/2014/main" id="{26082C5F-F966-45EC-9D93-87B4B049A058}"/>
-              </a:ext>
-            </a:extLst>
-          </p:cNvPr>
-          <p:cNvPicPr>
-            <a:picLocks noChangeAspect="1"/>
-          </p:cNvPicPr>
-          <p:nvPr/>
-        </p:nvPicPr>
-        <p:blipFill>
-          <a:blip r:embed="rId2">
-            <a:extLst>
-              <a:ext uri="{28A0092B-C50C-407E-A947-70E740481C1C}">
-                <a14:useLocalDpi xmlns:a14="http://schemas.microsoft.com/office/drawing/2010/main" val="0"/>
-              </a:ext>
-            </a:extLst>
-          </a:blip>
-          <a:stretch>
-            <a:fillRect/>
-          </a:stretch>
-        </p:blipFill>
-        <p:spPr>
-          <a:xfrm>
-            <a:off x="2720865" y="53865"/>
-            <a:ext cx="6750269" cy="6750269"/>
-          </a:xfrm>
-          <a:prstGeom prst="rect">
-            <a:avLst/>
-          </a:prstGeom>
-        </p:spPr>
-      </p:pic>
-    </p:spTree>
-    <p:extLst>
-      <p:ext uri="{BB962C8B-B14F-4D97-AF65-F5344CB8AC3E}">
-        <p14:creationId xmlns:p14="http://schemas.microsoft.com/office/powerpoint/2010/main" val="1603114761"/>
       </p:ext>
     </p:extLst>
   </p:cSld>

--- a/PUBLIC SPEAKING/WEEK 6/PERSUASIVE SPEECH/PERSASIVE SPEECH.pptx
+++ b/PUBLIC SPEAKING/WEEK 6/PERSUASIVE SPEECH/PERSASIVE SPEECH.pptx
@@ -220,7 +220,7 @@
           <a:p>
             <a:fld id="{50A234E0-9618-4D4D-A4F1-32CF2511A89E}" type="datetimeFigureOut">
               <a:rPr lang="en-US" smtClean="0"/>
-              <a:t>8/2/2020</a:t>
+              <a:t>8/5/2020</a:t>
             </a:fld>
             <a:endParaRPr lang="en-US"/>
           </a:p>
@@ -531,7 +531,10 @@
           <a:bodyPr/>
           <a:lstStyle/>
           <a:p>
-            <a:endParaRPr lang="en-US" dirty="0"/>
+            <a:r>
+              <a:rPr lang="en-US" dirty="0"/>
+              <a:t>Caused by increase in students, the need out ways the cost, financial aid enable increase in fees, state funding is spread too thin because of the increased enrollment, professor costs have gone up because they think they are worth more, more services are available which get put into the cost. </a:t>
+            </a:r>
           </a:p>
         </p:txBody>
       </p:sp>
@@ -552,7 +555,7 @@
           <a:p>
             <a:fld id="{069FEDD6-5A89-4FCA-A514-7E6CDAD01BD3}" type="slidenum">
               <a:rPr lang="en-US" smtClean="0"/>
-              <a:t>13</a:t>
+              <a:t>5</a:t>
             </a:fld>
             <a:endParaRPr lang="en-US"/>
           </a:p>
@@ -561,7 +564,7 @@
     </p:spTree>
     <p:extLst>
       <p:ext uri="{BB962C8B-B14F-4D97-AF65-F5344CB8AC3E}">
-        <p14:creationId xmlns:p14="http://schemas.microsoft.com/office/powerpoint/2010/main" val="1257890732"/>
+        <p14:creationId xmlns:p14="http://schemas.microsoft.com/office/powerpoint/2010/main" val="3932420582"/>
       </p:ext>
     </p:extLst>
   </p:cSld>
@@ -615,6 +618,16 @@
           <a:bodyPr/>
           <a:lstStyle/>
           <a:p>
+            <a:r>
+              <a:rPr lang="en-US" b="0" i="0" dirty="0">
+                <a:solidFill>
+                  <a:srgbClr val="333333"/>
+                </a:solidFill>
+                <a:effectLst/>
+                <a:latin typeface="Georgia" panose="02040502050405020303" pitchFamily="18" charset="0"/>
+              </a:rPr>
+              <a:t>now it just stands as a prerequisite in the workforce. 62% of recent college graduates are working in jobs that require a degree, yet only 27% of college graduates are working in a job that even relates to their major. Employers want to know that you will be able to learn quickly, fit into the workplace environment, and be responsive to the task at hand.</a:t>
+            </a:r>
             <a:endParaRPr lang="en-US" dirty="0"/>
           </a:p>
         </p:txBody>
@@ -636,7 +649,7 @@
           <a:p>
             <a:fld id="{069FEDD6-5A89-4FCA-A514-7E6CDAD01BD3}" type="slidenum">
               <a:rPr lang="en-US" smtClean="0"/>
-              <a:t>18</a:t>
+              <a:t>6</a:t>
             </a:fld>
             <a:endParaRPr lang="en-US"/>
           </a:p>
@@ -645,7 +658,7 @@
     </p:spTree>
     <p:extLst>
       <p:ext uri="{BB962C8B-B14F-4D97-AF65-F5344CB8AC3E}">
-        <p14:creationId xmlns:p14="http://schemas.microsoft.com/office/powerpoint/2010/main" val="2935328067"/>
+        <p14:creationId xmlns:p14="http://schemas.microsoft.com/office/powerpoint/2010/main" val="3280760110"/>
       </p:ext>
     </p:extLst>
   </p:cSld>
@@ -720,7 +733,7 @@
           <a:p>
             <a:fld id="{069FEDD6-5A89-4FCA-A514-7E6CDAD01BD3}" type="slidenum">
               <a:rPr lang="en-US" smtClean="0"/>
-              <a:t>19</a:t>
+              <a:t>13</a:t>
             </a:fld>
             <a:endParaRPr lang="en-US"/>
           </a:p>
@@ -729,7 +742,7 @@
     </p:spTree>
     <p:extLst>
       <p:ext uri="{BB962C8B-B14F-4D97-AF65-F5344CB8AC3E}">
-        <p14:creationId xmlns:p14="http://schemas.microsoft.com/office/powerpoint/2010/main" val="2058323810"/>
+        <p14:creationId xmlns:p14="http://schemas.microsoft.com/office/powerpoint/2010/main" val="1257890732"/>
       </p:ext>
     </p:extLst>
   </p:cSld>
@@ -783,6 +796,261 @@
           <a:bodyPr/>
           <a:lstStyle/>
           <a:p>
+            <a:r>
+              <a:rPr lang="en-US" dirty="0"/>
+              <a:t>Fills need for the students that are only interested in working and building skills. As said before employers look at previous jobs a lot more then degrees so starting to work early and build up could be the best solution to not having real skills after 4 years. </a:t>
+            </a:r>
+          </a:p>
+        </p:txBody>
+      </p:sp>
+      <p:sp>
+        <p:nvSpPr>
+          <p:cNvPr id="4" name="Slide Number Placeholder 3"/>
+          <p:cNvSpPr>
+            <a:spLocks noGrp="1"/>
+          </p:cNvSpPr>
+          <p:nvPr>
+            <p:ph type="sldNum" sz="quarter" idx="5"/>
+          </p:nvPr>
+        </p:nvSpPr>
+        <p:spPr/>
+        <p:txBody>
+          <a:bodyPr/>
+          <a:lstStyle/>
+          <a:p>
+            <a:fld id="{069FEDD6-5A89-4FCA-A514-7E6CDAD01BD3}" type="slidenum">
+              <a:rPr lang="en-US" smtClean="0"/>
+              <a:t>15</a:t>
+            </a:fld>
+            <a:endParaRPr lang="en-US"/>
+          </a:p>
+        </p:txBody>
+      </p:sp>
+    </p:spTree>
+    <p:extLst>
+      <p:ext uri="{BB962C8B-B14F-4D97-AF65-F5344CB8AC3E}">
+        <p14:creationId xmlns:p14="http://schemas.microsoft.com/office/powerpoint/2010/main" val="3343027154"/>
+      </p:ext>
+    </p:extLst>
+  </p:cSld>
+  <p:clrMapOvr>
+    <a:masterClrMapping/>
+  </p:clrMapOvr>
+</p:notes>
+</file>
+
+<file path=ppt/notesSlides/notesSlide5.xml><?xml version="1.0" encoding="utf-8"?>
+<p:notes xmlns:a="http://schemas.openxmlformats.org/drawingml/2006/main" xmlns:r="http://schemas.openxmlformats.org/officeDocument/2006/relationships" xmlns:p="http://schemas.openxmlformats.org/presentationml/2006/main">
+  <p:cSld>
+    <p:spTree>
+      <p:nvGrpSpPr>
+        <p:cNvPr id="1" name=""/>
+        <p:cNvGrpSpPr/>
+        <p:nvPr/>
+      </p:nvGrpSpPr>
+      <p:grpSpPr>
+        <a:xfrm>
+          <a:off x="0" y="0"/>
+          <a:ext cx="0" cy="0"/>
+          <a:chOff x="0" y="0"/>
+          <a:chExt cx="0" cy="0"/>
+        </a:xfrm>
+      </p:grpSpPr>
+      <p:sp>
+        <p:nvSpPr>
+          <p:cNvPr id="2" name="Slide Image Placeholder 1"/>
+          <p:cNvSpPr>
+            <a:spLocks noGrp="1" noRot="1" noChangeAspect="1"/>
+          </p:cNvSpPr>
+          <p:nvPr>
+            <p:ph type="sldImg"/>
+          </p:nvPr>
+        </p:nvSpPr>
+        <p:spPr/>
+      </p:sp>
+      <p:sp>
+        <p:nvSpPr>
+          <p:cNvPr id="3" name="Notes Placeholder 2"/>
+          <p:cNvSpPr>
+            <a:spLocks noGrp="1"/>
+          </p:cNvSpPr>
+          <p:nvPr>
+            <p:ph type="body" idx="1"/>
+          </p:nvPr>
+        </p:nvSpPr>
+        <p:spPr/>
+        <p:txBody>
+          <a:bodyPr/>
+          <a:lstStyle/>
+          <a:p>
+            <a:endParaRPr lang="en-US" dirty="0"/>
+          </a:p>
+        </p:txBody>
+      </p:sp>
+      <p:sp>
+        <p:nvSpPr>
+          <p:cNvPr id="4" name="Slide Number Placeholder 3"/>
+          <p:cNvSpPr>
+            <a:spLocks noGrp="1"/>
+          </p:cNvSpPr>
+          <p:nvPr>
+            <p:ph type="sldNum" sz="quarter" idx="5"/>
+          </p:nvPr>
+        </p:nvSpPr>
+        <p:spPr/>
+        <p:txBody>
+          <a:bodyPr/>
+          <a:lstStyle/>
+          <a:p>
+            <a:fld id="{069FEDD6-5A89-4FCA-A514-7E6CDAD01BD3}" type="slidenum">
+              <a:rPr lang="en-US" smtClean="0"/>
+              <a:t>18</a:t>
+            </a:fld>
+            <a:endParaRPr lang="en-US"/>
+          </a:p>
+        </p:txBody>
+      </p:sp>
+    </p:spTree>
+    <p:extLst>
+      <p:ext uri="{BB962C8B-B14F-4D97-AF65-F5344CB8AC3E}">
+        <p14:creationId xmlns:p14="http://schemas.microsoft.com/office/powerpoint/2010/main" val="2935328067"/>
+      </p:ext>
+    </p:extLst>
+  </p:cSld>
+  <p:clrMapOvr>
+    <a:masterClrMapping/>
+  </p:clrMapOvr>
+</p:notes>
+</file>
+
+<file path=ppt/notesSlides/notesSlide6.xml><?xml version="1.0" encoding="utf-8"?>
+<p:notes xmlns:a="http://schemas.openxmlformats.org/drawingml/2006/main" xmlns:r="http://schemas.openxmlformats.org/officeDocument/2006/relationships" xmlns:p="http://schemas.openxmlformats.org/presentationml/2006/main">
+  <p:cSld>
+    <p:spTree>
+      <p:nvGrpSpPr>
+        <p:cNvPr id="1" name=""/>
+        <p:cNvGrpSpPr/>
+        <p:nvPr/>
+      </p:nvGrpSpPr>
+      <p:grpSpPr>
+        <a:xfrm>
+          <a:off x="0" y="0"/>
+          <a:ext cx="0" cy="0"/>
+          <a:chOff x="0" y="0"/>
+          <a:chExt cx="0" cy="0"/>
+        </a:xfrm>
+      </p:grpSpPr>
+      <p:sp>
+        <p:nvSpPr>
+          <p:cNvPr id="2" name="Slide Image Placeholder 1"/>
+          <p:cNvSpPr>
+            <a:spLocks noGrp="1" noRot="1" noChangeAspect="1"/>
+          </p:cNvSpPr>
+          <p:nvPr>
+            <p:ph type="sldImg"/>
+          </p:nvPr>
+        </p:nvSpPr>
+        <p:spPr/>
+      </p:sp>
+      <p:sp>
+        <p:nvSpPr>
+          <p:cNvPr id="3" name="Notes Placeholder 2"/>
+          <p:cNvSpPr>
+            <a:spLocks noGrp="1"/>
+          </p:cNvSpPr>
+          <p:nvPr>
+            <p:ph type="body" idx="1"/>
+          </p:nvPr>
+        </p:nvSpPr>
+        <p:spPr/>
+        <p:txBody>
+          <a:bodyPr/>
+          <a:lstStyle/>
+          <a:p>
+            <a:endParaRPr lang="en-US" dirty="0"/>
+          </a:p>
+        </p:txBody>
+      </p:sp>
+      <p:sp>
+        <p:nvSpPr>
+          <p:cNvPr id="4" name="Slide Number Placeholder 3"/>
+          <p:cNvSpPr>
+            <a:spLocks noGrp="1"/>
+          </p:cNvSpPr>
+          <p:nvPr>
+            <p:ph type="sldNum" sz="quarter" idx="5"/>
+          </p:nvPr>
+        </p:nvSpPr>
+        <p:spPr/>
+        <p:txBody>
+          <a:bodyPr/>
+          <a:lstStyle/>
+          <a:p>
+            <a:fld id="{069FEDD6-5A89-4FCA-A514-7E6CDAD01BD3}" type="slidenum">
+              <a:rPr lang="en-US" smtClean="0"/>
+              <a:t>19</a:t>
+            </a:fld>
+            <a:endParaRPr lang="en-US"/>
+          </a:p>
+        </p:txBody>
+      </p:sp>
+    </p:spTree>
+    <p:extLst>
+      <p:ext uri="{BB962C8B-B14F-4D97-AF65-F5344CB8AC3E}">
+        <p14:creationId xmlns:p14="http://schemas.microsoft.com/office/powerpoint/2010/main" val="2058323810"/>
+      </p:ext>
+    </p:extLst>
+  </p:cSld>
+  <p:clrMapOvr>
+    <a:masterClrMapping/>
+  </p:clrMapOvr>
+</p:notes>
+</file>
+
+<file path=ppt/notesSlides/notesSlide7.xml><?xml version="1.0" encoding="utf-8"?>
+<p:notes xmlns:a="http://schemas.openxmlformats.org/drawingml/2006/main" xmlns:r="http://schemas.openxmlformats.org/officeDocument/2006/relationships" xmlns:p="http://schemas.openxmlformats.org/presentationml/2006/main">
+  <p:cSld>
+    <p:spTree>
+      <p:nvGrpSpPr>
+        <p:cNvPr id="1" name=""/>
+        <p:cNvGrpSpPr/>
+        <p:nvPr/>
+      </p:nvGrpSpPr>
+      <p:grpSpPr>
+        <a:xfrm>
+          <a:off x="0" y="0"/>
+          <a:ext cx="0" cy="0"/>
+          <a:chOff x="0" y="0"/>
+          <a:chExt cx="0" cy="0"/>
+        </a:xfrm>
+      </p:grpSpPr>
+      <p:sp>
+        <p:nvSpPr>
+          <p:cNvPr id="2" name="Slide Image Placeholder 1"/>
+          <p:cNvSpPr>
+            <a:spLocks noGrp="1" noRot="1" noChangeAspect="1"/>
+          </p:cNvSpPr>
+          <p:nvPr>
+            <p:ph type="sldImg"/>
+          </p:nvPr>
+        </p:nvSpPr>
+        <p:spPr/>
+      </p:sp>
+      <p:sp>
+        <p:nvSpPr>
+          <p:cNvPr id="3" name="Notes Placeholder 2"/>
+          <p:cNvSpPr>
+            <a:spLocks noGrp="1"/>
+          </p:cNvSpPr>
+          <p:nvPr>
+            <p:ph type="body" idx="1"/>
+          </p:nvPr>
+        </p:nvSpPr>
+        <p:spPr/>
+        <p:txBody>
+          <a:bodyPr/>
+          <a:lstStyle/>
+          <a:p>
             <a:endParaRPr lang="en-US" dirty="0"/>
           </a:p>
         </p:txBody>
@@ -814,6 +1082,90 @@
     <p:extLst>
       <p:ext uri="{BB962C8B-B14F-4D97-AF65-F5344CB8AC3E}">
         <p14:creationId xmlns:p14="http://schemas.microsoft.com/office/powerpoint/2010/main" val="3803872316"/>
+      </p:ext>
+    </p:extLst>
+  </p:cSld>
+  <p:clrMapOvr>
+    <a:masterClrMapping/>
+  </p:clrMapOvr>
+</p:notes>
+</file>
+
+<file path=ppt/notesSlides/notesSlide8.xml><?xml version="1.0" encoding="utf-8"?>
+<p:notes xmlns:a="http://schemas.openxmlformats.org/drawingml/2006/main" xmlns:r="http://schemas.openxmlformats.org/officeDocument/2006/relationships" xmlns:p="http://schemas.openxmlformats.org/presentationml/2006/main">
+  <p:cSld>
+    <p:spTree>
+      <p:nvGrpSpPr>
+        <p:cNvPr id="1" name=""/>
+        <p:cNvGrpSpPr/>
+        <p:nvPr/>
+      </p:nvGrpSpPr>
+      <p:grpSpPr>
+        <a:xfrm>
+          <a:off x="0" y="0"/>
+          <a:ext cx="0" cy="0"/>
+          <a:chOff x="0" y="0"/>
+          <a:chExt cx="0" cy="0"/>
+        </a:xfrm>
+      </p:grpSpPr>
+      <p:sp>
+        <p:nvSpPr>
+          <p:cNvPr id="2" name="Slide Image Placeholder 1"/>
+          <p:cNvSpPr>
+            <a:spLocks noGrp="1" noRot="1" noChangeAspect="1"/>
+          </p:cNvSpPr>
+          <p:nvPr>
+            <p:ph type="sldImg"/>
+          </p:nvPr>
+        </p:nvSpPr>
+        <p:spPr/>
+      </p:sp>
+      <p:sp>
+        <p:nvSpPr>
+          <p:cNvPr id="3" name="Notes Placeholder 2"/>
+          <p:cNvSpPr>
+            <a:spLocks noGrp="1"/>
+          </p:cNvSpPr>
+          <p:nvPr>
+            <p:ph type="body" idx="1"/>
+          </p:nvPr>
+        </p:nvSpPr>
+        <p:spPr/>
+        <p:txBody>
+          <a:bodyPr/>
+          <a:lstStyle/>
+          <a:p>
+            <a:endParaRPr lang="en-US" dirty="0"/>
+          </a:p>
+        </p:txBody>
+      </p:sp>
+      <p:sp>
+        <p:nvSpPr>
+          <p:cNvPr id="4" name="Slide Number Placeholder 3"/>
+          <p:cNvSpPr>
+            <a:spLocks noGrp="1"/>
+          </p:cNvSpPr>
+          <p:nvPr>
+            <p:ph type="sldNum" sz="quarter" idx="5"/>
+          </p:nvPr>
+        </p:nvSpPr>
+        <p:spPr/>
+        <p:txBody>
+          <a:bodyPr/>
+          <a:lstStyle/>
+          <a:p>
+            <a:fld id="{069FEDD6-5A89-4FCA-A514-7E6CDAD01BD3}" type="slidenum">
+              <a:rPr lang="en-US" smtClean="0"/>
+              <a:t>22</a:t>
+            </a:fld>
+            <a:endParaRPr lang="en-US"/>
+          </a:p>
+        </p:txBody>
+      </p:sp>
+    </p:spTree>
+    <p:extLst>
+      <p:ext uri="{BB962C8B-B14F-4D97-AF65-F5344CB8AC3E}">
+        <p14:creationId xmlns:p14="http://schemas.microsoft.com/office/powerpoint/2010/main" val="4113791142"/>
       </p:ext>
     </p:extLst>
   </p:cSld>
@@ -992,7 +1344,7 @@
           <a:p>
             <a:fld id="{DEF8B215-51F4-4E74-94DC-4B6B46A72DF6}" type="datetimeFigureOut">
               <a:rPr lang="en-US" smtClean="0"/>
-              <a:t>8/2/2020</a:t>
+              <a:t>8/5/2020</a:t>
             </a:fld>
             <a:endParaRPr lang="en-US"/>
           </a:p>
@@ -1322,7 +1674,7 @@
           <a:p>
             <a:fld id="{DEF8B215-51F4-4E74-94DC-4B6B46A72DF6}" type="datetimeFigureOut">
               <a:rPr lang="en-US" smtClean="0"/>
-              <a:t>8/2/2020</a:t>
+              <a:t>8/5/2020</a:t>
             </a:fld>
             <a:endParaRPr lang="en-US"/>
           </a:p>
@@ -1502,7 +1854,7 @@
           <a:p>
             <a:fld id="{DEF8B215-51F4-4E74-94DC-4B6B46A72DF6}" type="datetimeFigureOut">
               <a:rPr lang="en-US" smtClean="0"/>
-              <a:t>8/2/2020</a:t>
+              <a:t>8/5/2020</a:t>
             </a:fld>
             <a:endParaRPr lang="en-US"/>
           </a:p>
@@ -1672,7 +2024,7 @@
           <a:p>
             <a:fld id="{DEF8B215-51F4-4E74-94DC-4B6B46A72DF6}" type="datetimeFigureOut">
               <a:rPr lang="en-US" smtClean="0"/>
-              <a:t>8/2/2020</a:t>
+              <a:t>8/5/2020</a:t>
             </a:fld>
             <a:endParaRPr lang="en-US"/>
           </a:p>
@@ -1949,7 +2301,7 @@
           <a:p>
             <a:fld id="{DEF8B215-51F4-4E74-94DC-4B6B46A72DF6}" type="datetimeFigureOut">
               <a:rPr lang="en-US" smtClean="0"/>
-              <a:t>8/2/2020</a:t>
+              <a:t>8/5/2020</a:t>
             </a:fld>
             <a:endParaRPr lang="en-US"/>
           </a:p>
@@ -2343,7 +2695,7 @@
           <a:p>
             <a:fld id="{DEF8B215-51F4-4E74-94DC-4B6B46A72DF6}" type="datetimeFigureOut">
               <a:rPr lang="en-US" smtClean="0"/>
-              <a:t>8/2/2020</a:t>
+              <a:t>8/5/2020</a:t>
             </a:fld>
             <a:endParaRPr lang="en-US"/>
           </a:p>
@@ -2820,7 +3172,7 @@
           <a:p>
             <a:fld id="{DEF8B215-51F4-4E74-94DC-4B6B46A72DF6}" type="datetimeFigureOut">
               <a:rPr lang="en-US" smtClean="0"/>
-              <a:t>8/2/2020</a:t>
+              <a:t>8/5/2020</a:t>
             </a:fld>
             <a:endParaRPr lang="en-US"/>
           </a:p>
@@ -2938,7 +3290,7 @@
           <a:p>
             <a:fld id="{DEF8B215-51F4-4E74-94DC-4B6B46A72DF6}" type="datetimeFigureOut">
               <a:rPr lang="en-US" smtClean="0"/>
-              <a:t>8/2/2020</a:t>
+              <a:t>8/5/2020</a:t>
             </a:fld>
             <a:endParaRPr lang="en-US"/>
           </a:p>
@@ -3033,7 +3385,7 @@
           <a:p>
             <a:fld id="{DEF8B215-51F4-4E74-94DC-4B6B46A72DF6}" type="datetimeFigureOut">
               <a:rPr lang="en-US" smtClean="0"/>
-              <a:t>8/2/2020</a:t>
+              <a:t>8/5/2020</a:t>
             </a:fld>
             <a:endParaRPr lang="en-US"/>
           </a:p>
@@ -3379,7 +3731,7 @@
           <a:p>
             <a:fld id="{DEF8B215-51F4-4E74-94DC-4B6B46A72DF6}" type="datetimeFigureOut">
               <a:rPr lang="en-US" smtClean="0"/>
-              <a:t>8/2/2020</a:t>
+              <a:t>8/5/2020</a:t>
             </a:fld>
             <a:endParaRPr lang="en-US"/>
           </a:p>
@@ -3767,7 +4119,7 @@
           <a:p>
             <a:fld id="{DEF8B215-51F4-4E74-94DC-4B6B46A72DF6}" type="datetimeFigureOut">
               <a:rPr lang="en-US" smtClean="0"/>
-              <a:t>8/2/2020</a:t>
+              <a:t>8/5/2020</a:t>
             </a:fld>
             <a:endParaRPr lang="en-US"/>
           </a:p>
@@ -4045,7 +4397,7 @@
           <a:p>
             <a:fld id="{DEF8B215-51F4-4E74-94DC-4B6B46A72DF6}" type="datetimeFigureOut">
               <a:rPr lang="en-US" smtClean="0"/>
-              <a:t>8/2/2020</a:t>
+              <a:t>8/5/2020</a:t>
             </a:fld>
             <a:endParaRPr lang="en-US"/>
           </a:p>
@@ -7339,7 +7691,7 @@
           </p:nvPr>
         </p:nvPicPr>
         <p:blipFill>
-          <a:blip r:embed="rId2">
+          <a:blip r:embed="rId3">
             <a:extLst>
               <a:ext uri="{28A0092B-C50C-407E-A947-70E740481C1C}">
                 <a14:useLocalDpi xmlns:a14="http://schemas.microsoft.com/office/drawing/2010/main" val="0"/>
@@ -10035,7 +10387,7 @@
           </p:nvPr>
         </p:nvPicPr>
         <p:blipFill rotWithShape="1">
-          <a:blip r:embed="rId2">
+          <a:blip r:embed="rId3">
             <a:extLst>
               <a:ext uri="{28A0092B-C50C-407E-A947-70E740481C1C}">
                 <a14:useLocalDpi xmlns:a14="http://schemas.microsoft.com/office/drawing/2010/main" val="0"/>
@@ -12451,7 +12803,7 @@
           </p:nvPr>
         </p:nvPicPr>
         <p:blipFill>
-          <a:blip r:embed="rId2">
+          <a:blip r:embed="rId3">
             <a:extLst>
               <a:ext uri="{28A0092B-C50C-407E-A947-70E740481C1C}">
                 <a14:useLocalDpi xmlns:a14="http://schemas.microsoft.com/office/drawing/2010/main" val="0"/>
@@ -12675,7 +13027,7 @@
           </p:nvPr>
         </p:nvPicPr>
         <p:blipFill>
-          <a:blip r:embed="rId2">
+          <a:blip r:embed="rId3">
             <a:extLst>
               <a:ext uri="{28A0092B-C50C-407E-A947-70E740481C1C}">
                 <a14:useLocalDpi xmlns:a14="http://schemas.microsoft.com/office/drawing/2010/main" val="0"/>
